--- a/Bayesian Data Analysis Part 2.pptx
+++ b/Bayesian Data Analysis Part 2.pptx
@@ -7,20 +7,22 @@
   <p:sldIdLst>
     <p:sldId id="257" r:id="rId2"/>
     <p:sldId id="259" r:id="rId3"/>
-    <p:sldId id="404" r:id="rId4"/>
-    <p:sldId id="347" r:id="rId5"/>
-    <p:sldId id="356" r:id="rId6"/>
-    <p:sldId id="357" r:id="rId7"/>
-    <p:sldId id="359" r:id="rId8"/>
-    <p:sldId id="358" r:id="rId9"/>
-    <p:sldId id="354" r:id="rId10"/>
-    <p:sldId id="360" r:id="rId11"/>
-    <p:sldId id="405" r:id="rId12"/>
-    <p:sldId id="407" r:id="rId13"/>
-    <p:sldId id="408" r:id="rId14"/>
-    <p:sldId id="409" r:id="rId15"/>
-    <p:sldId id="406" r:id="rId16"/>
-    <p:sldId id="410" r:id="rId17"/>
+    <p:sldId id="411" r:id="rId4"/>
+    <p:sldId id="404" r:id="rId5"/>
+    <p:sldId id="347" r:id="rId6"/>
+    <p:sldId id="356" r:id="rId7"/>
+    <p:sldId id="357" r:id="rId8"/>
+    <p:sldId id="359" r:id="rId9"/>
+    <p:sldId id="358" r:id="rId10"/>
+    <p:sldId id="354" r:id="rId11"/>
+    <p:sldId id="360" r:id="rId12"/>
+    <p:sldId id="405" r:id="rId13"/>
+    <p:sldId id="407" r:id="rId14"/>
+    <p:sldId id="412" r:id="rId15"/>
+    <p:sldId id="408" r:id="rId16"/>
+    <p:sldId id="409" r:id="rId17"/>
+    <p:sldId id="406" r:id="rId18"/>
+    <p:sldId id="410" r:id="rId19"/>
   </p:sldIdLst>
   <p:sldSz cx="12192000" cy="6858000"/>
   <p:notesSz cx="6858000" cy="9144000"/>
@@ -323,7 +325,7 @@
           <a:p>
             <a:fld id="{ECD19FB2-3AAB-4D03-B13A-2960828C78E3}" type="datetimeFigureOut">
               <a:rPr lang="en-US" dirty="0"/>
-              <a:t>11/15/2019</a:t>
+              <a:t>11/16/2019</a:t>
             </a:fld>
             <a:endParaRPr lang="en-US" dirty="0"/>
           </a:p>
@@ -600,7 +602,7 @@
           <a:p>
             <a:fld id="{1B80C674-7DFC-42FE-B9CD-82963CDB1557}" type="datetimeFigureOut">
               <a:rPr lang="en-US" dirty="0"/>
-              <a:t>11/15/2019</a:t>
+              <a:t>11/16/2019</a:t>
             </a:fld>
             <a:endParaRPr lang="en-US" dirty="0"/>
           </a:p>
@@ -787,7 +789,7 @@
           <a:p>
             <a:fld id="{2076456F-F47D-4F25-8053-2A695DA0CA7D}" type="datetimeFigureOut">
               <a:rPr lang="en-US" dirty="0"/>
-              <a:t>11/15/2019</a:t>
+              <a:t>11/16/2019</a:t>
             </a:fld>
             <a:endParaRPr lang="en-US" dirty="0"/>
           </a:p>
@@ -1043,7 +1045,7 @@
           <a:p>
             <a:fld id="{5D6C7379-69CC-4837-9905-BEBA22830C8A}" type="datetimeFigureOut">
               <a:rPr lang="en-US" dirty="0"/>
-              <a:t>11/15/2019</a:t>
+              <a:t>11/16/2019</a:t>
             </a:fld>
             <a:endParaRPr lang="en-US" dirty="0"/>
           </a:p>
@@ -1464,7 +1466,7 @@
           <a:p>
             <a:fld id="{49EB8B7E-8AEE-4F10-BFEE-C999AD004D36}" type="datetimeFigureOut">
               <a:rPr lang="en-US" dirty="0"/>
-              <a:t>11/15/2019</a:t>
+              <a:t>11/16/2019</a:t>
             </a:fld>
             <a:endParaRPr lang="en-US" dirty="0"/>
           </a:p>
@@ -2005,7 +2007,7 @@
           <a:p>
             <a:fld id="{8668F3F9-58BC-440B-B37B-805B9055EF92}" type="datetimeFigureOut">
               <a:rPr lang="en-US" dirty="0"/>
-              <a:t>11/15/2019</a:t>
+              <a:t>11/16/2019</a:t>
             </a:fld>
             <a:endParaRPr lang="en-US" dirty="0"/>
           </a:p>
@@ -2831,7 +2833,7 @@
           <a:p>
             <a:fld id="{0D5A53AF-48EA-489D-8260-9DCAB666386A}" type="datetimeFigureOut">
               <a:rPr lang="en-US" dirty="0"/>
-              <a:t>11/15/2019</a:t>
+              <a:t>11/16/2019</a:t>
             </a:fld>
             <a:endParaRPr lang="en-US" dirty="0"/>
           </a:p>
@@ -2996,7 +2998,7 @@
           <a:p>
             <a:fld id="{0DED02AE-B9A4-47BD-AF8E-97E16144138B}" type="datetimeFigureOut">
               <a:rPr lang="en-US" dirty="0"/>
-              <a:t>11/15/2019</a:t>
+              <a:t>11/16/2019</a:t>
             </a:fld>
             <a:endParaRPr lang="en-US" dirty="0"/>
           </a:p>
@@ -3171,7 +3173,7 @@
           <a:p>
             <a:fld id="{CF0FD78B-DB02-4362-BCDC-98A55456977C}" type="datetimeFigureOut">
               <a:rPr lang="en-US" dirty="0"/>
-              <a:t>11/15/2019</a:t>
+              <a:t>11/16/2019</a:t>
             </a:fld>
             <a:endParaRPr lang="en-US" dirty="0"/>
           </a:p>
@@ -3336,7 +3338,7 @@
           <a:p>
             <a:fld id="{99916976-5D93-46E4-A98A-FAD63E4D0EA8}" type="datetimeFigureOut">
               <a:rPr lang="en-US" dirty="0"/>
-              <a:t>11/15/2019</a:t>
+              <a:t>11/16/2019</a:t>
             </a:fld>
             <a:endParaRPr lang="en-US" dirty="0"/>
           </a:p>
@@ -3588,7 +3590,7 @@
           <a:p>
             <a:fld id="{0F39F4F5-F4D2-4D2A-AB60-88D37ADCB869}" type="datetimeFigureOut">
               <a:rPr lang="en-US" dirty="0"/>
-              <a:t>11/15/2019</a:t>
+              <a:t>11/16/2019</a:t>
             </a:fld>
             <a:endParaRPr lang="en-US" dirty="0"/>
           </a:p>
@@ -3815,7 +3817,7 @@
           <a:p>
             <a:fld id="{D23BC6CE-6D1E-47E5-8859-F31AC5380EB2}" type="datetimeFigureOut">
               <a:rPr lang="en-US" dirty="0"/>
-              <a:t>11/15/2019</a:t>
+              <a:t>11/16/2019</a:t>
             </a:fld>
             <a:endParaRPr lang="en-US" dirty="0"/>
           </a:p>
@@ -4203,7 +4205,7 @@
           <a:p>
             <a:fld id="{B1B4E7C4-4DA4-404D-9965-B13F2DD7D8BF}" type="datetimeFigureOut">
               <a:rPr lang="en-US" dirty="0"/>
-              <a:t>11/15/2019</a:t>
+              <a:t>11/16/2019</a:t>
             </a:fld>
             <a:endParaRPr lang="en-US" dirty="0"/>
           </a:p>
@@ -4316,7 +4318,7 @@
           <a:p>
             <a:fld id="{476FB7AA-4A53-424F-AD41-70827B6504BA}" type="datetimeFigureOut">
               <a:rPr lang="en-US" dirty="0"/>
-              <a:t>11/15/2019</a:t>
+              <a:t>11/16/2019</a:t>
             </a:fld>
             <a:endParaRPr lang="en-US" dirty="0"/>
           </a:p>
@@ -4406,7 +4408,7 @@
           <a:p>
             <a:fld id="{E7884882-FB12-4BC8-9960-9AD8104D7FAE}" type="datetimeFigureOut">
               <a:rPr lang="en-US" dirty="0"/>
-              <a:t>11/15/2019</a:t>
+              <a:t>11/16/2019</a:t>
             </a:fld>
             <a:endParaRPr lang="en-US" dirty="0"/>
           </a:p>
@@ -4674,7 +4676,7 @@
           <a:p>
             <a:fld id="{F7D1BD23-6E54-4D9D-AD88-A2813C73CC25}" type="datetimeFigureOut">
               <a:rPr lang="en-US" dirty="0"/>
-              <a:t>11/15/2019</a:t>
+              <a:t>11/16/2019</a:t>
             </a:fld>
             <a:endParaRPr lang="en-US" dirty="0"/>
           </a:p>
@@ -4950,7 +4952,7 @@
           <a:p>
             <a:fld id="{1471A834-4F3C-4AF9-9C74-05EC35A0F292}" type="datetimeFigureOut">
               <a:rPr lang="en-US" dirty="0"/>
-              <a:t>11/15/2019</a:t>
+              <a:t>11/16/2019</a:t>
             </a:fld>
             <a:endParaRPr lang="en-US" dirty="0"/>
           </a:p>
@@ -5185,7 +5187,7 @@
           <a:p>
             <a:fld id="{51CF1133-3259-4C45-BABA-5B62D9C6F78D}" type="datetimeFigureOut">
               <a:rPr lang="en-US" dirty="0"/>
-              <a:t>11/15/2019</a:t>
+              <a:t>11/16/2019</a:t>
             </a:fld>
             <a:endParaRPr lang="en-US" dirty="0"/>
           </a:p>
@@ -5892,6 +5894,290 @@
 </file>
 
 <file path=ppt/slides/slide10.xml><?xml version="1.0" encoding="utf-8"?>
+<p:sld xmlns:a="http://schemas.openxmlformats.org/drawingml/2006/main" xmlns:r="http://schemas.openxmlformats.org/officeDocument/2006/relationships" xmlns:p="http://schemas.openxmlformats.org/presentationml/2006/main">
+  <p:cSld>
+    <p:spTree>
+      <p:nvGrpSpPr>
+        <p:cNvPr id="1" name=""/>
+        <p:cNvGrpSpPr/>
+        <p:nvPr/>
+      </p:nvGrpSpPr>
+      <p:grpSpPr>
+        <a:xfrm>
+          <a:off x="0" y="0"/>
+          <a:ext cx="0" cy="0"/>
+          <a:chOff x="0" y="0"/>
+          <a:chExt cx="0" cy="0"/>
+        </a:xfrm>
+      </p:grpSpPr>
+      <p:sp>
+        <p:nvSpPr>
+          <p:cNvPr id="2" name="Title 1"/>
+          <p:cNvSpPr>
+            <a:spLocks noGrp="1"/>
+          </p:cNvSpPr>
+          <p:nvPr>
+            <p:ph type="ctrTitle"/>
+          </p:nvPr>
+        </p:nvSpPr>
+        <p:spPr>
+          <a:xfrm>
+            <a:off x="1625758" y="388401"/>
+            <a:ext cx="9144000" cy="1281903"/>
+          </a:xfrm>
+        </p:spPr>
+        <p:txBody>
+          <a:bodyPr>
+            <a:normAutofit fontScale="90000"/>
+          </a:bodyPr>
+          <a:lstStyle/>
+          <a:p>
+            <a:pPr algn="ctr"/>
+            <a:r>
+              <a:rPr lang="en-GB" sz="4400" b="1" dirty="0" smtClean="0">
+                <a:solidFill>
+                  <a:srgbClr val="FFFF00"/>
+                </a:solidFill>
+                <a:effectLst/>
+                <a:latin typeface="Arial" panose="020B0604020202020204" pitchFamily="34" charset="0"/>
+                <a:cs typeface="Arial" panose="020B0604020202020204" pitchFamily="34" charset="0"/>
+              </a:rPr>
+              <a:t>After some assumptions, and a bit of algebra….</a:t>
+            </a:r>
+            <a:br>
+              <a:rPr lang="en-GB" sz="4400" b="1" dirty="0" smtClean="0">
+                <a:solidFill>
+                  <a:srgbClr val="FFFF00"/>
+                </a:solidFill>
+                <a:effectLst/>
+                <a:latin typeface="Arial" panose="020B0604020202020204" pitchFamily="34" charset="0"/>
+                <a:cs typeface="Arial" panose="020B0604020202020204" pitchFamily="34" charset="0"/>
+              </a:rPr>
+            </a:br>
+            <a:r>
+              <a:rPr lang="en-GB" sz="4400" b="1" dirty="0">
+                <a:solidFill>
+                  <a:srgbClr val="FFFF00"/>
+                </a:solidFill>
+                <a:effectLst/>
+                <a:latin typeface="Arial" panose="020B0604020202020204" pitchFamily="34" charset="0"/>
+                <a:cs typeface="Arial" panose="020B0604020202020204" pitchFamily="34" charset="0"/>
+              </a:rPr>
+              <a:t/>
+            </a:r>
+            <a:br>
+              <a:rPr lang="en-GB" sz="4400" b="1" dirty="0">
+                <a:solidFill>
+                  <a:srgbClr val="FFFF00"/>
+                </a:solidFill>
+                <a:effectLst/>
+                <a:latin typeface="Arial" panose="020B0604020202020204" pitchFamily="34" charset="0"/>
+                <a:cs typeface="Arial" panose="020B0604020202020204" pitchFamily="34" charset="0"/>
+              </a:rPr>
+            </a:br>
+            <a:r>
+              <a:rPr lang="en-GB" sz="4400" b="1" dirty="0" smtClean="0">
+                <a:solidFill>
+                  <a:srgbClr val="FFFF00"/>
+                </a:solidFill>
+                <a:effectLst/>
+                <a:latin typeface="Arial" panose="020B0604020202020204" pitchFamily="34" charset="0"/>
+                <a:cs typeface="Arial" panose="020B0604020202020204" pitchFamily="34" charset="0"/>
+              </a:rPr>
+              <a:t/>
+            </a:r>
+            <a:br>
+              <a:rPr lang="en-GB" sz="4400" b="1" dirty="0" smtClean="0">
+                <a:solidFill>
+                  <a:srgbClr val="FFFF00"/>
+                </a:solidFill>
+                <a:effectLst/>
+                <a:latin typeface="Arial" panose="020B0604020202020204" pitchFamily="34" charset="0"/>
+                <a:cs typeface="Arial" panose="020B0604020202020204" pitchFamily="34" charset="0"/>
+              </a:rPr>
+            </a:br>
+            <a:r>
+              <a:rPr lang="en-GB" sz="4400" b="1" dirty="0">
+                <a:solidFill>
+                  <a:srgbClr val="FFFF00"/>
+                </a:solidFill>
+                <a:effectLst/>
+                <a:latin typeface="Arial" panose="020B0604020202020204" pitchFamily="34" charset="0"/>
+                <a:cs typeface="Arial" panose="020B0604020202020204" pitchFamily="34" charset="0"/>
+              </a:rPr>
+              <a:t/>
+            </a:r>
+            <a:br>
+              <a:rPr lang="en-GB" sz="4400" b="1" dirty="0">
+                <a:solidFill>
+                  <a:srgbClr val="FFFF00"/>
+                </a:solidFill>
+                <a:effectLst/>
+                <a:latin typeface="Arial" panose="020B0604020202020204" pitchFamily="34" charset="0"/>
+                <a:cs typeface="Arial" panose="020B0604020202020204" pitchFamily="34" charset="0"/>
+              </a:rPr>
+            </a:br>
+            <a:endParaRPr lang="en-GB" sz="4400" b="1" spc="0" dirty="0">
+              <a:solidFill>
+                <a:srgbClr val="FFFF00"/>
+              </a:solidFill>
+              <a:effectLst/>
+              <a:latin typeface="Arial" panose="020B0604020202020204" pitchFamily="34" charset="0"/>
+              <a:cs typeface="Arial" panose="020B0604020202020204" pitchFamily="34" charset="0"/>
+            </a:endParaRPr>
+          </a:p>
+        </p:txBody>
+      </p:sp>
+      <p:pic>
+        <p:nvPicPr>
+          <p:cNvPr id="3" name="Picture 2"/>
+          <p:cNvPicPr>
+            <a:picLocks noChangeAspect="1"/>
+          </p:cNvPicPr>
+          <p:nvPr/>
+        </p:nvPicPr>
+        <p:blipFill>
+          <a:blip r:embed="rId2"/>
+          <a:stretch>
+            <a:fillRect/>
+          </a:stretch>
+        </p:blipFill>
+        <p:spPr>
+          <a:xfrm>
+            <a:off x="1159033" y="1202923"/>
+            <a:ext cx="10077450" cy="2762250"/>
+          </a:xfrm>
+          <a:prstGeom prst="rect">
+            <a:avLst/>
+          </a:prstGeom>
+        </p:spPr>
+      </p:pic>
+      <p:sp>
+        <p:nvSpPr>
+          <p:cNvPr id="4" name="TextBox 3"/>
+          <p:cNvSpPr txBox="1"/>
+          <p:nvPr/>
+        </p:nvSpPr>
+        <p:spPr>
+          <a:xfrm>
+            <a:off x="1363460" y="5227729"/>
+            <a:ext cx="9465080" cy="1200329"/>
+          </a:xfrm>
+          <a:prstGeom prst="rect">
+            <a:avLst/>
+          </a:prstGeom>
+          <a:noFill/>
+        </p:spPr>
+        <p:txBody>
+          <a:bodyPr wrap="square" rtlCol="0">
+            <a:spAutoFit/>
+          </a:bodyPr>
+          <a:lstStyle/>
+          <a:p>
+            <a:r>
+              <a:rPr lang="en-GB" sz="2400" b="1" dirty="0">
+                <a:solidFill>
+                  <a:srgbClr val="FFFF00"/>
+                </a:solidFill>
+                <a:latin typeface="Arial" panose="020B0604020202020204" pitchFamily="34" charset="0"/>
+                <a:cs typeface="Arial" panose="020B0604020202020204" pitchFamily="34" charset="0"/>
+              </a:rPr>
+              <a:t>Farrell, S., &amp; Lewandowsky, S. (2018). </a:t>
+            </a:r>
+            <a:r>
+              <a:rPr lang="en-GB" sz="2400" b="1" i="1" dirty="0">
+                <a:solidFill>
+                  <a:srgbClr val="FFFF00"/>
+                </a:solidFill>
+                <a:latin typeface="Arial" panose="020B0604020202020204" pitchFamily="34" charset="0"/>
+                <a:cs typeface="Arial" panose="020B0604020202020204" pitchFamily="34" charset="0"/>
+              </a:rPr>
+              <a:t>Computational </a:t>
+            </a:r>
+            <a:r>
+              <a:rPr lang="en-GB" sz="2400" b="1" i="1" dirty="0" err="1">
+                <a:solidFill>
+                  <a:srgbClr val="FFFF00"/>
+                </a:solidFill>
+                <a:latin typeface="Arial" panose="020B0604020202020204" pitchFamily="34" charset="0"/>
+                <a:cs typeface="Arial" panose="020B0604020202020204" pitchFamily="34" charset="0"/>
+              </a:rPr>
+              <a:t>modeling</a:t>
+            </a:r>
+            <a:r>
+              <a:rPr lang="en-GB" sz="2400" b="1" i="1" dirty="0">
+                <a:solidFill>
+                  <a:srgbClr val="FFFF00"/>
+                </a:solidFill>
+                <a:latin typeface="Arial" panose="020B0604020202020204" pitchFamily="34" charset="0"/>
+                <a:cs typeface="Arial" panose="020B0604020202020204" pitchFamily="34" charset="0"/>
+              </a:rPr>
+              <a:t> of cognition and behaviour</a:t>
+            </a:r>
+            <a:r>
+              <a:rPr lang="en-GB" sz="2400" b="1" dirty="0">
+                <a:solidFill>
+                  <a:srgbClr val="FFFF00"/>
+                </a:solidFill>
+                <a:latin typeface="Arial" panose="020B0604020202020204" pitchFamily="34" charset="0"/>
+                <a:cs typeface="Arial" panose="020B0604020202020204" pitchFamily="34" charset="0"/>
+              </a:rPr>
+              <a:t>. Cambridge, England: Cambridge University Press.</a:t>
+            </a:r>
+          </a:p>
+        </p:txBody>
+      </p:sp>
+      <p:sp>
+        <p:nvSpPr>
+          <p:cNvPr id="6" name="TextBox 5"/>
+          <p:cNvSpPr txBox="1"/>
+          <p:nvPr/>
+        </p:nvSpPr>
+        <p:spPr>
+          <a:xfrm>
+            <a:off x="1363460" y="4256046"/>
+            <a:ext cx="9109275" cy="584775"/>
+          </a:xfrm>
+          <a:prstGeom prst="rect">
+            <a:avLst/>
+          </a:prstGeom>
+          <a:noFill/>
+        </p:spPr>
+        <p:txBody>
+          <a:bodyPr wrap="square" rtlCol="0">
+            <a:spAutoFit/>
+          </a:bodyPr>
+          <a:lstStyle/>
+          <a:p>
+            <a:r>
+              <a:rPr lang="en-GB" sz="3200" b="1" dirty="0" smtClean="0"/>
+              <a:t>So, BIC  gives an approximate estimate of log(p(y))</a:t>
+            </a:r>
+            <a:endParaRPr lang="en-GB" sz="3200" b="1" dirty="0"/>
+          </a:p>
+        </p:txBody>
+      </p:sp>
+    </p:spTree>
+    <p:extLst>
+      <p:ext uri="{BB962C8B-B14F-4D97-AF65-F5344CB8AC3E}">
+        <p14:creationId xmlns:p14="http://schemas.microsoft.com/office/powerpoint/2010/main" val="641205108"/>
+      </p:ext>
+    </p:extLst>
+  </p:cSld>
+  <p:clrMapOvr>
+    <a:masterClrMapping/>
+  </p:clrMapOvr>
+  <p:timing>
+    <p:tnLst>
+      <p:par>
+        <p:cTn id="1" dur="indefinite" restart="never" nodeType="tmRoot"/>
+      </p:par>
+    </p:tnLst>
+  </p:timing>
+</p:sld>
+</file>
+
+<file path=ppt/slides/slide11.xml><?xml version="1.0" encoding="utf-8"?>
 <p:sld xmlns:a="http://schemas.openxmlformats.org/drawingml/2006/main" xmlns:r="http://schemas.openxmlformats.org/officeDocument/2006/relationships" xmlns:p="http://schemas.openxmlformats.org/presentationml/2006/main">
   <p:cSld>
     <p:spTree>
@@ -6451,7 +6737,7 @@
 </p:sld>
 </file>
 
-<file path=ppt/slides/slide11.xml><?xml version="1.0" encoding="utf-8"?>
+<file path=ppt/slides/slide12.xml><?xml version="1.0" encoding="utf-8"?>
 <p:sld xmlns:a="http://schemas.openxmlformats.org/drawingml/2006/main" xmlns:r="http://schemas.openxmlformats.org/officeDocument/2006/relationships" xmlns:p="http://schemas.openxmlformats.org/presentationml/2006/main">
   <p:cSld>
     <p:spTree>
@@ -6480,7 +6766,7 @@
         </p:nvSpPr>
         <p:spPr>
           <a:xfrm>
-            <a:off x="1625758" y="388402"/>
+            <a:off x="1582595" y="203207"/>
             <a:ext cx="9144000" cy="641746"/>
           </a:xfrm>
         </p:spPr>
@@ -7281,8 +7567,8 @@
         </p:nvSpPr>
         <p:spPr>
           <a:xfrm>
-            <a:off x="1539433" y="1238491"/>
-            <a:ext cx="9230325" cy="2246769"/>
+            <a:off x="833378" y="913117"/>
+            <a:ext cx="10179449" cy="2246769"/>
           </a:xfrm>
           <a:prstGeom prst="rect">
             <a:avLst/>
@@ -7300,8 +7586,47 @@
                 <a:latin typeface="Arial" panose="020B0604020202020204" pitchFamily="34" charset="0"/>
                 <a:cs typeface="Arial" panose="020B0604020202020204" pitchFamily="34" charset="0"/>
               </a:rPr>
-              <a:t>The data are in an SPSS format file:</a:t>
-            </a:r>
+              <a:t>The data are in an SPSS format </a:t>
+            </a:r>
+            <a:r>
+              <a:rPr lang="en-GB" sz="2800" dirty="0" smtClean="0">
+                <a:latin typeface="Arial" panose="020B0604020202020204" pitchFamily="34" charset="0"/>
+                <a:cs typeface="Arial" panose="020B0604020202020204" pitchFamily="34" charset="0"/>
+              </a:rPr>
+              <a:t>file, in the </a:t>
+            </a:r>
+            <a:r>
+              <a:rPr lang="en-GB" sz="2800" dirty="0" err="1" smtClean="0">
+                <a:latin typeface="Arial" panose="020B0604020202020204" pitchFamily="34" charset="0"/>
+                <a:cs typeface="Arial" panose="020B0604020202020204" pitchFamily="34" charset="0"/>
+              </a:rPr>
+              <a:t>Github</a:t>
+            </a:r>
+            <a:r>
+              <a:rPr lang="en-GB" sz="2800" dirty="0" smtClean="0">
+                <a:latin typeface="Arial" panose="020B0604020202020204" pitchFamily="34" charset="0"/>
+                <a:cs typeface="Arial" panose="020B0604020202020204" pitchFamily="34" charset="0"/>
+              </a:rPr>
+              <a:t> </a:t>
+            </a:r>
+            <a:r>
+              <a:rPr lang="en-GB" sz="2800" dirty="0" err="1" smtClean="0">
+                <a:latin typeface="Arial" panose="020B0604020202020204" pitchFamily="34" charset="0"/>
+                <a:cs typeface="Arial" panose="020B0604020202020204" pitchFamily="34" charset="0"/>
+              </a:rPr>
+              <a:t>respository</a:t>
+            </a:r>
+            <a:r>
+              <a:rPr lang="en-GB" sz="2800" dirty="0" smtClean="0">
+                <a:latin typeface="Arial" panose="020B0604020202020204" pitchFamily="34" charset="0"/>
+                <a:cs typeface="Arial" panose="020B0604020202020204" pitchFamily="34" charset="0"/>
+              </a:rPr>
+              <a:t>:</a:t>
+            </a:r>
+            <a:endParaRPr lang="en-GB" sz="2800" dirty="0" smtClean="0">
+              <a:latin typeface="Arial" panose="020B0604020202020204" pitchFamily="34" charset="0"/>
+              <a:cs typeface="Arial" panose="020B0604020202020204" pitchFamily="34" charset="0"/>
+            </a:endParaRPr>
           </a:p>
           <a:p>
             <a:r>
@@ -7375,438 +7700,6 @@
     <p:extLst>
       <p:ext uri="{BB962C8B-B14F-4D97-AF65-F5344CB8AC3E}">
         <p14:creationId xmlns:p14="http://schemas.microsoft.com/office/powerpoint/2010/main" val="3514227714"/>
-      </p:ext>
-    </p:extLst>
-  </p:cSld>
-  <p:clrMapOvr>
-    <a:masterClrMapping/>
-  </p:clrMapOvr>
-  <p:timing>
-    <p:tnLst>
-      <p:par>
-        <p:cTn id="1" dur="indefinite" restart="never" nodeType="tmRoot"/>
-      </p:par>
-    </p:tnLst>
-  </p:timing>
-</p:sld>
-</file>
-
-<file path=ppt/slides/slide12.xml><?xml version="1.0" encoding="utf-8"?>
-<p:sld xmlns:a="http://schemas.openxmlformats.org/drawingml/2006/main" xmlns:r="http://schemas.openxmlformats.org/officeDocument/2006/relationships" xmlns:p="http://schemas.openxmlformats.org/presentationml/2006/main">
-  <p:cSld>
-    <p:spTree>
-      <p:nvGrpSpPr>
-        <p:cNvPr id="1" name=""/>
-        <p:cNvGrpSpPr/>
-        <p:nvPr/>
-      </p:nvGrpSpPr>
-      <p:grpSpPr>
-        <a:xfrm>
-          <a:off x="0" y="0"/>
-          <a:ext cx="0" cy="0"/>
-          <a:chOff x="0" y="0"/>
-          <a:chExt cx="0" cy="0"/>
-        </a:xfrm>
-      </p:grpSpPr>
-      <p:sp>
-        <p:nvSpPr>
-          <p:cNvPr id="2" name="Title 1"/>
-          <p:cNvSpPr>
-            <a:spLocks noGrp="1"/>
-          </p:cNvSpPr>
-          <p:nvPr>
-            <p:ph type="ctrTitle"/>
-          </p:nvPr>
-        </p:nvSpPr>
-        <p:spPr>
-          <a:xfrm>
-            <a:off x="1591519" y="249505"/>
-            <a:ext cx="9144000" cy="641746"/>
-          </a:xfrm>
-        </p:spPr>
-        <p:txBody>
-          <a:bodyPr>
-            <a:normAutofit fontScale="90000"/>
-          </a:bodyPr>
-          <a:lstStyle/>
-          <a:p>
-            <a:pPr algn="ctr"/>
-            <a:r>
-              <a:rPr lang="en-GB" sz="4400" b="1" dirty="0" smtClean="0">
-                <a:solidFill>
-                  <a:srgbClr val="FFFF00"/>
-                </a:solidFill>
-                <a:effectLst/>
-                <a:latin typeface="Arial" panose="020B0604020202020204" pitchFamily="34" charset="0"/>
-                <a:cs typeface="Arial" panose="020B0604020202020204" pitchFamily="34" charset="0"/>
-              </a:rPr>
-              <a:t>Analysing some data: 2</a:t>
-            </a:r>
-            <a:br>
-              <a:rPr lang="en-GB" sz="4400" b="1" dirty="0" smtClean="0">
-                <a:solidFill>
-                  <a:srgbClr val="FFFF00"/>
-                </a:solidFill>
-                <a:effectLst/>
-                <a:latin typeface="Arial" panose="020B0604020202020204" pitchFamily="34" charset="0"/>
-                <a:cs typeface="Arial" panose="020B0604020202020204" pitchFamily="34" charset="0"/>
-              </a:rPr>
-            </a:br>
-            <a:r>
-              <a:rPr lang="en-GB" sz="4400" b="1" dirty="0" smtClean="0">
-                <a:solidFill>
-                  <a:srgbClr val="FFFF00"/>
-                </a:solidFill>
-                <a:effectLst/>
-                <a:latin typeface="Arial" panose="020B0604020202020204" pitchFamily="34" charset="0"/>
-                <a:cs typeface="Arial" panose="020B0604020202020204" pitchFamily="34" charset="0"/>
-              </a:rPr>
-              <a:t/>
-            </a:r>
-            <a:br>
-              <a:rPr lang="en-GB" sz="4400" b="1" dirty="0" smtClean="0">
-                <a:solidFill>
-                  <a:srgbClr val="FFFF00"/>
-                </a:solidFill>
-                <a:effectLst/>
-                <a:latin typeface="Arial" panose="020B0604020202020204" pitchFamily="34" charset="0"/>
-                <a:cs typeface="Arial" panose="020B0604020202020204" pitchFamily="34" charset="0"/>
-              </a:rPr>
-            </a:br>
-            <a:r>
-              <a:rPr lang="en-GB" sz="4400" b="1" dirty="0">
-                <a:solidFill>
-                  <a:srgbClr val="FFFF00"/>
-                </a:solidFill>
-                <a:effectLst/>
-                <a:latin typeface="Arial" panose="020B0604020202020204" pitchFamily="34" charset="0"/>
-                <a:cs typeface="Arial" panose="020B0604020202020204" pitchFamily="34" charset="0"/>
-              </a:rPr>
-              <a:t/>
-            </a:r>
-            <a:br>
-              <a:rPr lang="en-GB" sz="4400" b="1" dirty="0">
-                <a:solidFill>
-                  <a:srgbClr val="FFFF00"/>
-                </a:solidFill>
-                <a:effectLst/>
-                <a:latin typeface="Arial" panose="020B0604020202020204" pitchFamily="34" charset="0"/>
-                <a:cs typeface="Arial" panose="020B0604020202020204" pitchFamily="34" charset="0"/>
-              </a:rPr>
-            </a:br>
-            <a:r>
-              <a:rPr lang="en-GB" sz="4400" b="1" dirty="0" smtClean="0">
-                <a:solidFill>
-                  <a:srgbClr val="FFFF00"/>
-                </a:solidFill>
-                <a:effectLst/>
-                <a:latin typeface="Arial" panose="020B0604020202020204" pitchFamily="34" charset="0"/>
-                <a:cs typeface="Arial" panose="020B0604020202020204" pitchFamily="34" charset="0"/>
-              </a:rPr>
-              <a:t/>
-            </a:r>
-            <a:br>
-              <a:rPr lang="en-GB" sz="4400" b="1" dirty="0" smtClean="0">
-                <a:solidFill>
-                  <a:srgbClr val="FFFF00"/>
-                </a:solidFill>
-                <a:effectLst/>
-                <a:latin typeface="Arial" panose="020B0604020202020204" pitchFamily="34" charset="0"/>
-                <a:cs typeface="Arial" panose="020B0604020202020204" pitchFamily="34" charset="0"/>
-              </a:rPr>
-            </a:br>
-            <a:r>
-              <a:rPr lang="en-GB" sz="4400" b="1" dirty="0">
-                <a:solidFill>
-                  <a:srgbClr val="FFFF00"/>
-                </a:solidFill>
-                <a:effectLst/>
-                <a:latin typeface="Arial" panose="020B0604020202020204" pitchFamily="34" charset="0"/>
-                <a:cs typeface="Arial" panose="020B0604020202020204" pitchFamily="34" charset="0"/>
-              </a:rPr>
-              <a:t/>
-            </a:r>
-            <a:br>
-              <a:rPr lang="en-GB" sz="4400" b="1" dirty="0">
-                <a:solidFill>
-                  <a:srgbClr val="FFFF00"/>
-                </a:solidFill>
-                <a:effectLst/>
-                <a:latin typeface="Arial" panose="020B0604020202020204" pitchFamily="34" charset="0"/>
-                <a:cs typeface="Arial" panose="020B0604020202020204" pitchFamily="34" charset="0"/>
-              </a:rPr>
-            </a:br>
-            <a:endParaRPr lang="en-GB" sz="4400" b="1" spc="0" dirty="0">
-              <a:solidFill>
-                <a:srgbClr val="FFFF00"/>
-              </a:solidFill>
-              <a:effectLst/>
-              <a:latin typeface="Arial" panose="020B0604020202020204" pitchFamily="34" charset="0"/>
-              <a:cs typeface="Arial" panose="020B0604020202020204" pitchFamily="34" charset="0"/>
-            </a:endParaRPr>
-          </a:p>
-        </p:txBody>
-      </p:sp>
-      <p:sp>
-        <p:nvSpPr>
-          <p:cNvPr id="5" name="TextBox 4"/>
-          <p:cNvSpPr txBox="1"/>
-          <p:nvPr/>
-        </p:nvSpPr>
-        <p:spPr>
-          <a:xfrm>
-            <a:off x="358815" y="983848"/>
-            <a:ext cx="11609407" cy="6124754"/>
-          </a:xfrm>
-          <a:prstGeom prst="rect">
-            <a:avLst/>
-          </a:prstGeom>
-          <a:noFill/>
-        </p:spPr>
-        <p:txBody>
-          <a:bodyPr wrap="square" rtlCol="0">
-            <a:spAutoFit/>
-          </a:bodyPr>
-          <a:lstStyle/>
-          <a:p>
-            <a:r>
-              <a:rPr lang="en-GB" sz="2800" dirty="0" smtClean="0">
-                <a:latin typeface="Arial" panose="020B0604020202020204" pitchFamily="34" charset="0"/>
-                <a:cs typeface="Arial" panose="020B0604020202020204" pitchFamily="34" charset="0"/>
-              </a:rPr>
-              <a:t>Read the tutorial file for details of the calculations</a:t>
-            </a:r>
-          </a:p>
-          <a:p>
-            <a:r>
-              <a:rPr lang="en-GB" sz="2800" b="1" i="1" dirty="0">
-                <a:solidFill>
-                  <a:srgbClr val="FFFF00"/>
-                </a:solidFill>
-                <a:latin typeface="Arial" panose="020B0604020202020204" pitchFamily="34" charset="0"/>
-                <a:cs typeface="Arial" panose="020B0604020202020204" pitchFamily="34" charset="0"/>
-              </a:rPr>
-              <a:t>maximum likelihood estimation.pdf</a:t>
-            </a:r>
-          </a:p>
-          <a:p>
-            <a:endParaRPr lang="en-GB" sz="2800" dirty="0" smtClean="0">
-              <a:solidFill>
-                <a:srgbClr val="FFFF00"/>
-              </a:solidFill>
-              <a:latin typeface="Arial" panose="020B0604020202020204" pitchFamily="34" charset="0"/>
-              <a:cs typeface="Arial" panose="020B0604020202020204" pitchFamily="34" charset="0"/>
-            </a:endParaRPr>
-          </a:p>
-          <a:p>
-            <a:r>
-              <a:rPr lang="en-GB" sz="2800" dirty="0" smtClean="0">
-                <a:latin typeface="Arial" panose="020B0604020202020204" pitchFamily="34" charset="0"/>
-                <a:cs typeface="Arial" panose="020B0604020202020204" pitchFamily="34" charset="0"/>
-              </a:rPr>
-              <a:t>Under model 1 we have a single parameter, </a:t>
-            </a:r>
-            <a:r>
-              <a:rPr lang="en-GB" sz="2800" dirty="0" smtClean="0">
-                <a:solidFill>
-                  <a:srgbClr val="FFFF00"/>
-                </a:solidFill>
-                <a:latin typeface="Arial" panose="020B0604020202020204" pitchFamily="34" charset="0"/>
-                <a:cs typeface="Arial" panose="020B0604020202020204" pitchFamily="34" charset="0"/>
-              </a:rPr>
-              <a:t>p</a:t>
-            </a:r>
-            <a:r>
-              <a:rPr lang="en-GB" sz="2800" dirty="0" smtClean="0">
-                <a:latin typeface="Arial" panose="020B0604020202020204" pitchFamily="34" charset="0"/>
-                <a:cs typeface="Arial" panose="020B0604020202020204" pitchFamily="34" charset="0"/>
-              </a:rPr>
-              <a:t>, capturing the probability of hitting the scoring area of the dart board</a:t>
-            </a:r>
-            <a:endParaRPr lang="en-GB" sz="2800" dirty="0">
-              <a:latin typeface="Arial" panose="020B0604020202020204" pitchFamily="34" charset="0"/>
-              <a:cs typeface="Arial" panose="020B0604020202020204" pitchFamily="34" charset="0"/>
-            </a:endParaRPr>
-          </a:p>
-          <a:p>
-            <a:endParaRPr lang="en-GB" sz="2800" dirty="0" smtClean="0">
-              <a:latin typeface="Arial" panose="020B0604020202020204" pitchFamily="34" charset="0"/>
-              <a:cs typeface="Arial" panose="020B0604020202020204" pitchFamily="34" charset="0"/>
-            </a:endParaRPr>
-          </a:p>
-          <a:p>
-            <a:r>
-              <a:rPr lang="en-GB" sz="2800" dirty="0" smtClean="0">
-                <a:latin typeface="Arial" panose="020B0604020202020204" pitchFamily="34" charset="0"/>
-                <a:cs typeface="Arial" panose="020B0604020202020204" pitchFamily="34" charset="0"/>
-              </a:rPr>
-              <a:t>We find that the log-likelihood of model 1, LL1 = </a:t>
-            </a:r>
-            <a:r>
-              <a:rPr lang="en-GB" sz="2800" dirty="0" smtClean="0">
-                <a:solidFill>
-                  <a:srgbClr val="FFFF00"/>
-                </a:solidFill>
-                <a:latin typeface="Arial" panose="020B0604020202020204" pitchFamily="34" charset="0"/>
-                <a:cs typeface="Arial" panose="020B0604020202020204" pitchFamily="34" charset="0"/>
-              </a:rPr>
-              <a:t>-12.764</a:t>
-            </a:r>
-          </a:p>
-          <a:p>
-            <a:endParaRPr lang="en-GB" sz="2800" dirty="0" smtClean="0">
-              <a:solidFill>
-                <a:srgbClr val="FFFF00"/>
-              </a:solidFill>
-              <a:latin typeface="Arial" panose="020B0604020202020204" pitchFamily="34" charset="0"/>
-              <a:cs typeface="Arial" panose="020B0604020202020204" pitchFamily="34" charset="0"/>
-            </a:endParaRPr>
-          </a:p>
-          <a:p>
-            <a:r>
-              <a:rPr lang="en-GB" sz="2800" dirty="0">
-                <a:latin typeface="Arial" panose="020B0604020202020204" pitchFamily="34" charset="0"/>
-                <a:cs typeface="Arial" panose="020B0604020202020204" pitchFamily="34" charset="0"/>
-              </a:rPr>
-              <a:t>Under model </a:t>
-            </a:r>
-            <a:r>
-              <a:rPr lang="en-GB" sz="2800" dirty="0" smtClean="0">
-                <a:latin typeface="Arial" panose="020B0604020202020204" pitchFamily="34" charset="0"/>
-                <a:cs typeface="Arial" panose="020B0604020202020204" pitchFamily="34" charset="0"/>
-              </a:rPr>
-              <a:t>2 </a:t>
-            </a:r>
-            <a:r>
-              <a:rPr lang="en-GB" sz="2800" dirty="0">
-                <a:latin typeface="Arial" panose="020B0604020202020204" pitchFamily="34" charset="0"/>
-                <a:cs typeface="Arial" panose="020B0604020202020204" pitchFamily="34" charset="0"/>
-              </a:rPr>
-              <a:t>we have </a:t>
-            </a:r>
-            <a:r>
-              <a:rPr lang="en-GB" sz="2800" dirty="0" smtClean="0">
-                <a:latin typeface="Arial" panose="020B0604020202020204" pitchFamily="34" charset="0"/>
-                <a:cs typeface="Arial" panose="020B0604020202020204" pitchFamily="34" charset="0"/>
-              </a:rPr>
-              <a:t>two parameters, </a:t>
-            </a:r>
-            <a:r>
-              <a:rPr lang="en-GB" sz="2800" dirty="0" err="1" smtClean="0">
-                <a:solidFill>
-                  <a:srgbClr val="FFFF00"/>
-                </a:solidFill>
-                <a:latin typeface="Arial" panose="020B0604020202020204" pitchFamily="34" charset="0"/>
-                <a:cs typeface="Arial" panose="020B0604020202020204" pitchFamily="34" charset="0"/>
-              </a:rPr>
-              <a:t>p</a:t>
-            </a:r>
-            <a:r>
-              <a:rPr lang="en-GB" sz="2800" baseline="-25000" dirty="0" err="1" smtClean="0">
-                <a:solidFill>
-                  <a:srgbClr val="FFFF00"/>
-                </a:solidFill>
-                <a:latin typeface="Arial" panose="020B0604020202020204" pitchFamily="34" charset="0"/>
-                <a:cs typeface="Arial" panose="020B0604020202020204" pitchFamily="34" charset="0"/>
-              </a:rPr>
-              <a:t>L</a:t>
-            </a:r>
-            <a:r>
-              <a:rPr lang="en-GB" sz="2800" dirty="0" smtClean="0">
-                <a:latin typeface="Arial" panose="020B0604020202020204" pitchFamily="34" charset="0"/>
-                <a:cs typeface="Arial" panose="020B0604020202020204" pitchFamily="34" charset="0"/>
-              </a:rPr>
-              <a:t> and </a:t>
-            </a:r>
-            <a:r>
-              <a:rPr lang="en-GB" sz="2800" dirty="0" err="1" smtClean="0">
-                <a:solidFill>
-                  <a:srgbClr val="FFFF00"/>
-                </a:solidFill>
-                <a:latin typeface="Arial" panose="020B0604020202020204" pitchFamily="34" charset="0"/>
-                <a:cs typeface="Arial" panose="020B0604020202020204" pitchFamily="34" charset="0"/>
-              </a:rPr>
-              <a:t>p</a:t>
-            </a:r>
-            <a:r>
-              <a:rPr lang="en-GB" sz="2800" baseline="-25000" dirty="0" err="1" smtClean="0">
-                <a:solidFill>
-                  <a:srgbClr val="FFFF00"/>
-                </a:solidFill>
-                <a:latin typeface="Arial" panose="020B0604020202020204" pitchFamily="34" charset="0"/>
-                <a:cs typeface="Arial" panose="020B0604020202020204" pitchFamily="34" charset="0"/>
-              </a:rPr>
-              <a:t>R</a:t>
-            </a:r>
-            <a:r>
-              <a:rPr lang="en-GB" sz="2800" dirty="0" smtClean="0">
-                <a:latin typeface="Arial" panose="020B0604020202020204" pitchFamily="34" charset="0"/>
-                <a:cs typeface="Arial" panose="020B0604020202020204" pitchFamily="34" charset="0"/>
-              </a:rPr>
-              <a:t>, </a:t>
-            </a:r>
-            <a:r>
-              <a:rPr lang="en-GB" sz="2800" dirty="0">
-                <a:latin typeface="Arial" panose="020B0604020202020204" pitchFamily="34" charset="0"/>
-                <a:cs typeface="Arial" panose="020B0604020202020204" pitchFamily="34" charset="0"/>
-              </a:rPr>
-              <a:t>capturing the probability of hitting the scoring area of the dart </a:t>
-            </a:r>
-            <a:r>
-              <a:rPr lang="en-GB" sz="2800" dirty="0" smtClean="0">
-                <a:latin typeface="Arial" panose="020B0604020202020204" pitchFamily="34" charset="0"/>
-                <a:cs typeface="Arial" panose="020B0604020202020204" pitchFamily="34" charset="0"/>
-              </a:rPr>
-              <a:t>board with the L and R hands</a:t>
-            </a:r>
-          </a:p>
-          <a:p>
-            <a:endParaRPr lang="en-GB" sz="2800" dirty="0">
-              <a:latin typeface="Arial" panose="020B0604020202020204" pitchFamily="34" charset="0"/>
-              <a:cs typeface="Arial" panose="020B0604020202020204" pitchFamily="34" charset="0"/>
-            </a:endParaRPr>
-          </a:p>
-          <a:p>
-            <a:r>
-              <a:rPr lang="en-GB" sz="2800" dirty="0">
-                <a:latin typeface="Arial" panose="020B0604020202020204" pitchFamily="34" charset="0"/>
-                <a:cs typeface="Arial" panose="020B0604020202020204" pitchFamily="34" charset="0"/>
-              </a:rPr>
-              <a:t>We find that the log-likelihood of model 1, LL1 = </a:t>
-            </a:r>
-            <a:r>
-              <a:rPr lang="en-GB" sz="2800" dirty="0" smtClean="0">
-                <a:solidFill>
-                  <a:srgbClr val="FFFF00"/>
-                </a:solidFill>
-                <a:latin typeface="Arial" panose="020B0604020202020204" pitchFamily="34" charset="0"/>
-                <a:cs typeface="Arial" panose="020B0604020202020204" pitchFamily="34" charset="0"/>
-              </a:rPr>
-              <a:t>-4.135</a:t>
-            </a:r>
-            <a:endParaRPr lang="en-GB" sz="2800" dirty="0">
-              <a:solidFill>
-                <a:srgbClr val="FFFF00"/>
-              </a:solidFill>
-              <a:latin typeface="Arial" panose="020B0604020202020204" pitchFamily="34" charset="0"/>
-              <a:cs typeface="Arial" panose="020B0604020202020204" pitchFamily="34" charset="0"/>
-            </a:endParaRPr>
-          </a:p>
-          <a:p>
-            <a:endParaRPr lang="en-GB" sz="2800" dirty="0">
-              <a:solidFill>
-                <a:srgbClr val="FFFF00"/>
-              </a:solidFill>
-              <a:latin typeface="Arial" panose="020B0604020202020204" pitchFamily="34" charset="0"/>
-              <a:cs typeface="Arial" panose="020B0604020202020204" pitchFamily="34" charset="0"/>
-            </a:endParaRPr>
-          </a:p>
-        </p:txBody>
-      </p:sp>
-    </p:spTree>
-    <p:extLst>
-      <p:ext uri="{BB962C8B-B14F-4D97-AF65-F5344CB8AC3E}">
-        <p14:creationId xmlns:p14="http://schemas.microsoft.com/office/powerpoint/2010/main" val="1224776459"/>
       </p:ext>
     </p:extLst>
   </p:cSld>
@@ -7852,7 +7745,7 @@
         </p:nvSpPr>
         <p:spPr>
           <a:xfrm>
-            <a:off x="1591519" y="249505"/>
+            <a:off x="1487347" y="156908"/>
             <a:ext cx="9144000" cy="641746"/>
           </a:xfrm>
         </p:spPr>
@@ -7872,7 +7765,7 @@
                 <a:latin typeface="Arial" panose="020B0604020202020204" pitchFamily="34" charset="0"/>
                 <a:cs typeface="Arial" panose="020B0604020202020204" pitchFamily="34" charset="0"/>
               </a:rPr>
-              <a:t>Analysing some data: 3</a:t>
+              <a:t>Analysing some data: 2</a:t>
             </a:r>
             <a:br>
               <a:rPr lang="en-GB" sz="4400" b="1" dirty="0" smtClean="0">
@@ -7987,8 +7880,8 @@
         </p:nvSpPr>
         <p:spPr>
           <a:xfrm>
-            <a:off x="358815" y="983848"/>
-            <a:ext cx="11609407" cy="2677656"/>
+            <a:off x="416689" y="798654"/>
+            <a:ext cx="11609407" cy="6124754"/>
           </a:xfrm>
           <a:prstGeom prst="rect">
             <a:avLst/>
@@ -8006,7 +7899,62 @@
                 <a:latin typeface="Arial" panose="020B0604020202020204" pitchFamily="34" charset="0"/>
                 <a:cs typeface="Arial" panose="020B0604020202020204" pitchFamily="34" charset="0"/>
               </a:rPr>
-              <a:t>Read the tutorial file for how to analyse these data traditionally using logistic regression in SPSS or JASP. The results of a likelihood ratio test shows that the effect of hand cannot afford to be omitted in modelling these data:-</a:t>
+              <a:t>Read the tutorial file </a:t>
+            </a:r>
+            <a:r>
+              <a:rPr lang="en-GB" sz="2800" dirty="0" smtClean="0">
+                <a:latin typeface="Arial" panose="020B0604020202020204" pitchFamily="34" charset="0"/>
+                <a:cs typeface="Arial" panose="020B0604020202020204" pitchFamily="34" charset="0"/>
+              </a:rPr>
+              <a:t>in the </a:t>
+            </a:r>
+            <a:r>
+              <a:rPr lang="en-GB" sz="2800" dirty="0" err="1" smtClean="0">
+                <a:latin typeface="Arial" panose="020B0604020202020204" pitchFamily="34" charset="0"/>
+                <a:cs typeface="Arial" panose="020B0604020202020204" pitchFamily="34" charset="0"/>
+              </a:rPr>
+              <a:t>Github</a:t>
+            </a:r>
+            <a:r>
+              <a:rPr lang="en-GB" sz="2800" dirty="0" smtClean="0">
+                <a:latin typeface="Arial" panose="020B0604020202020204" pitchFamily="34" charset="0"/>
+                <a:cs typeface="Arial" panose="020B0604020202020204" pitchFamily="34" charset="0"/>
+              </a:rPr>
+              <a:t> repository for </a:t>
+            </a:r>
+            <a:r>
+              <a:rPr lang="en-GB" sz="2800" dirty="0" smtClean="0">
+                <a:latin typeface="Arial" panose="020B0604020202020204" pitchFamily="34" charset="0"/>
+                <a:cs typeface="Arial" panose="020B0604020202020204" pitchFamily="34" charset="0"/>
+              </a:rPr>
+              <a:t>details of the </a:t>
+            </a:r>
+            <a:r>
+              <a:rPr lang="en-GB" sz="2800" dirty="0" smtClean="0">
+                <a:latin typeface="Arial" panose="020B0604020202020204" pitchFamily="34" charset="0"/>
+                <a:cs typeface="Arial" panose="020B0604020202020204" pitchFamily="34" charset="0"/>
+              </a:rPr>
+              <a:t>calculations: </a:t>
+            </a:r>
+            <a:r>
+              <a:rPr lang="en-GB" sz="2800" b="1" i="1" dirty="0" smtClean="0">
+                <a:solidFill>
+                  <a:srgbClr val="FFFF00"/>
+                </a:solidFill>
+                <a:latin typeface="Arial" panose="020B0604020202020204" pitchFamily="34" charset="0"/>
+                <a:cs typeface="Arial" panose="020B0604020202020204" pitchFamily="34" charset="0"/>
+              </a:rPr>
+              <a:t>maximum </a:t>
+            </a:r>
+            <a:r>
+              <a:rPr lang="en-GB" sz="2800" b="1" i="1" dirty="0">
+                <a:solidFill>
+                  <a:srgbClr val="FFFF00"/>
+                </a:solidFill>
+                <a:latin typeface="Arial" panose="020B0604020202020204" pitchFamily="34" charset="0"/>
+                <a:cs typeface="Arial" panose="020B0604020202020204" pitchFamily="34" charset="0"/>
+              </a:rPr>
+              <a:t>likelihood estimation.pdf</a:t>
             </a:r>
           </a:p>
           <a:p>
@@ -8019,6 +7967,216 @@
             </a:endParaRPr>
           </a:p>
           <a:p>
+            <a:r>
+              <a:rPr lang="en-GB" sz="2800" dirty="0" smtClean="0">
+                <a:latin typeface="Arial" panose="020B0604020202020204" pitchFamily="34" charset="0"/>
+                <a:cs typeface="Arial" panose="020B0604020202020204" pitchFamily="34" charset="0"/>
+              </a:rPr>
+              <a:t>Under model 1 we have a single parameter, </a:t>
+            </a:r>
+            <a:r>
+              <a:rPr lang="en-GB" sz="2800" dirty="0" smtClean="0">
+                <a:solidFill>
+                  <a:srgbClr val="FFFF00"/>
+                </a:solidFill>
+                <a:latin typeface="Arial" panose="020B0604020202020204" pitchFamily="34" charset="0"/>
+                <a:cs typeface="Arial" panose="020B0604020202020204" pitchFamily="34" charset="0"/>
+              </a:rPr>
+              <a:t>p</a:t>
+            </a:r>
+            <a:r>
+              <a:rPr lang="en-GB" sz="2800" dirty="0" smtClean="0">
+                <a:latin typeface="Arial" panose="020B0604020202020204" pitchFamily="34" charset="0"/>
+                <a:cs typeface="Arial" panose="020B0604020202020204" pitchFamily="34" charset="0"/>
+              </a:rPr>
+              <a:t>, capturing the probability of hitting the scoring area of the dart board</a:t>
+            </a:r>
+            <a:endParaRPr lang="en-GB" sz="2800" dirty="0">
+              <a:latin typeface="Arial" panose="020B0604020202020204" pitchFamily="34" charset="0"/>
+              <a:cs typeface="Arial" panose="020B0604020202020204" pitchFamily="34" charset="0"/>
+            </a:endParaRPr>
+          </a:p>
+          <a:p>
+            <a:endParaRPr lang="en-GB" sz="2800" dirty="0" smtClean="0">
+              <a:latin typeface="Arial" panose="020B0604020202020204" pitchFamily="34" charset="0"/>
+              <a:cs typeface="Arial" panose="020B0604020202020204" pitchFamily="34" charset="0"/>
+            </a:endParaRPr>
+          </a:p>
+          <a:p>
+            <a:r>
+              <a:rPr lang="en-GB" sz="2800" dirty="0" smtClean="0">
+                <a:latin typeface="Arial" panose="020B0604020202020204" pitchFamily="34" charset="0"/>
+                <a:cs typeface="Arial" panose="020B0604020202020204" pitchFamily="34" charset="0"/>
+              </a:rPr>
+              <a:t>We find that the log-likelihood of model 1, LL1 = </a:t>
+            </a:r>
+            <a:r>
+              <a:rPr lang="en-GB" sz="2800" dirty="0" smtClean="0">
+                <a:solidFill>
+                  <a:srgbClr val="FFFF00"/>
+                </a:solidFill>
+                <a:latin typeface="Arial" panose="020B0604020202020204" pitchFamily="34" charset="0"/>
+                <a:cs typeface="Arial" panose="020B0604020202020204" pitchFamily="34" charset="0"/>
+              </a:rPr>
+              <a:t>-12.764</a:t>
+            </a:r>
+          </a:p>
+          <a:p>
+            <a:endParaRPr lang="en-GB" sz="2800" dirty="0" smtClean="0">
+              <a:solidFill>
+                <a:srgbClr val="FFFF00"/>
+              </a:solidFill>
+              <a:latin typeface="Arial" panose="020B0604020202020204" pitchFamily="34" charset="0"/>
+              <a:cs typeface="Arial" panose="020B0604020202020204" pitchFamily="34" charset="0"/>
+            </a:endParaRPr>
+          </a:p>
+          <a:p>
+            <a:r>
+              <a:rPr lang="en-GB" sz="2800" dirty="0">
+                <a:latin typeface="Arial" panose="020B0604020202020204" pitchFamily="34" charset="0"/>
+                <a:cs typeface="Arial" panose="020B0604020202020204" pitchFamily="34" charset="0"/>
+              </a:rPr>
+              <a:t>Under model </a:t>
+            </a:r>
+            <a:r>
+              <a:rPr lang="en-GB" sz="2800" dirty="0" smtClean="0">
+                <a:latin typeface="Arial" panose="020B0604020202020204" pitchFamily="34" charset="0"/>
+                <a:cs typeface="Arial" panose="020B0604020202020204" pitchFamily="34" charset="0"/>
+              </a:rPr>
+              <a:t>2 </a:t>
+            </a:r>
+            <a:r>
+              <a:rPr lang="en-GB" sz="2800" dirty="0">
+                <a:latin typeface="Arial" panose="020B0604020202020204" pitchFamily="34" charset="0"/>
+                <a:cs typeface="Arial" panose="020B0604020202020204" pitchFamily="34" charset="0"/>
+              </a:rPr>
+              <a:t>we have </a:t>
+            </a:r>
+            <a:r>
+              <a:rPr lang="en-GB" sz="2800" dirty="0" smtClean="0">
+                <a:latin typeface="Arial" panose="020B0604020202020204" pitchFamily="34" charset="0"/>
+                <a:cs typeface="Arial" panose="020B0604020202020204" pitchFamily="34" charset="0"/>
+              </a:rPr>
+              <a:t>two parameters, </a:t>
+            </a:r>
+            <a:r>
+              <a:rPr lang="en-GB" sz="2800" dirty="0" err="1" smtClean="0">
+                <a:solidFill>
+                  <a:srgbClr val="FFFF00"/>
+                </a:solidFill>
+                <a:latin typeface="Arial" panose="020B0604020202020204" pitchFamily="34" charset="0"/>
+                <a:cs typeface="Arial" panose="020B0604020202020204" pitchFamily="34" charset="0"/>
+              </a:rPr>
+              <a:t>p</a:t>
+            </a:r>
+            <a:r>
+              <a:rPr lang="en-GB" sz="2800" baseline="-25000" dirty="0" err="1" smtClean="0">
+                <a:solidFill>
+                  <a:srgbClr val="FFFF00"/>
+                </a:solidFill>
+                <a:latin typeface="Arial" panose="020B0604020202020204" pitchFamily="34" charset="0"/>
+                <a:cs typeface="Arial" panose="020B0604020202020204" pitchFamily="34" charset="0"/>
+              </a:rPr>
+              <a:t>L</a:t>
+            </a:r>
+            <a:r>
+              <a:rPr lang="en-GB" sz="2800" dirty="0" smtClean="0">
+                <a:latin typeface="Arial" panose="020B0604020202020204" pitchFamily="34" charset="0"/>
+                <a:cs typeface="Arial" panose="020B0604020202020204" pitchFamily="34" charset="0"/>
+              </a:rPr>
+              <a:t> and </a:t>
+            </a:r>
+            <a:r>
+              <a:rPr lang="en-GB" sz="2800" dirty="0" err="1" smtClean="0">
+                <a:solidFill>
+                  <a:srgbClr val="FFFF00"/>
+                </a:solidFill>
+                <a:latin typeface="Arial" panose="020B0604020202020204" pitchFamily="34" charset="0"/>
+                <a:cs typeface="Arial" panose="020B0604020202020204" pitchFamily="34" charset="0"/>
+              </a:rPr>
+              <a:t>p</a:t>
+            </a:r>
+            <a:r>
+              <a:rPr lang="en-GB" sz="2800" baseline="-25000" dirty="0" err="1" smtClean="0">
+                <a:solidFill>
+                  <a:srgbClr val="FFFF00"/>
+                </a:solidFill>
+                <a:latin typeface="Arial" panose="020B0604020202020204" pitchFamily="34" charset="0"/>
+                <a:cs typeface="Arial" panose="020B0604020202020204" pitchFamily="34" charset="0"/>
+              </a:rPr>
+              <a:t>R</a:t>
+            </a:r>
+            <a:r>
+              <a:rPr lang="en-GB" sz="2800" dirty="0" smtClean="0">
+                <a:latin typeface="Arial" panose="020B0604020202020204" pitchFamily="34" charset="0"/>
+                <a:cs typeface="Arial" panose="020B0604020202020204" pitchFamily="34" charset="0"/>
+              </a:rPr>
+              <a:t>, </a:t>
+            </a:r>
+            <a:r>
+              <a:rPr lang="en-GB" sz="2800" dirty="0">
+                <a:latin typeface="Arial" panose="020B0604020202020204" pitchFamily="34" charset="0"/>
+                <a:cs typeface="Arial" panose="020B0604020202020204" pitchFamily="34" charset="0"/>
+              </a:rPr>
+              <a:t>capturing the probability of hitting the scoring area of the dart </a:t>
+            </a:r>
+            <a:r>
+              <a:rPr lang="en-GB" sz="2800" dirty="0" smtClean="0">
+                <a:latin typeface="Arial" panose="020B0604020202020204" pitchFamily="34" charset="0"/>
+                <a:cs typeface="Arial" panose="020B0604020202020204" pitchFamily="34" charset="0"/>
+              </a:rPr>
+              <a:t>board with the L and R </a:t>
+            </a:r>
+            <a:r>
+              <a:rPr lang="en-GB" sz="2800" dirty="0" smtClean="0">
+                <a:latin typeface="Arial" panose="020B0604020202020204" pitchFamily="34" charset="0"/>
+                <a:cs typeface="Arial" panose="020B0604020202020204" pitchFamily="34" charset="0"/>
+              </a:rPr>
+              <a:t>hands respectively</a:t>
+            </a:r>
+            <a:endParaRPr lang="en-GB" sz="2800" dirty="0" smtClean="0">
+              <a:latin typeface="Arial" panose="020B0604020202020204" pitchFamily="34" charset="0"/>
+              <a:cs typeface="Arial" panose="020B0604020202020204" pitchFamily="34" charset="0"/>
+            </a:endParaRPr>
+          </a:p>
+          <a:p>
+            <a:endParaRPr lang="en-GB" sz="2800" dirty="0">
+              <a:latin typeface="Arial" panose="020B0604020202020204" pitchFamily="34" charset="0"/>
+              <a:cs typeface="Arial" panose="020B0604020202020204" pitchFamily="34" charset="0"/>
+            </a:endParaRPr>
+          </a:p>
+          <a:p>
+            <a:r>
+              <a:rPr lang="en-GB" sz="2800" dirty="0">
+                <a:latin typeface="Arial" panose="020B0604020202020204" pitchFamily="34" charset="0"/>
+                <a:cs typeface="Arial" panose="020B0604020202020204" pitchFamily="34" charset="0"/>
+              </a:rPr>
+              <a:t>We find that the log-likelihood of model </a:t>
+            </a:r>
+            <a:r>
+              <a:rPr lang="en-GB" sz="2800" dirty="0" smtClean="0">
+                <a:latin typeface="Arial" panose="020B0604020202020204" pitchFamily="34" charset="0"/>
+                <a:cs typeface="Arial" panose="020B0604020202020204" pitchFamily="34" charset="0"/>
+              </a:rPr>
+              <a:t>2, LL2 </a:t>
+            </a:r>
+            <a:r>
+              <a:rPr lang="en-GB" sz="2800" dirty="0">
+                <a:latin typeface="Arial" panose="020B0604020202020204" pitchFamily="34" charset="0"/>
+                <a:cs typeface="Arial" panose="020B0604020202020204" pitchFamily="34" charset="0"/>
+              </a:rPr>
+              <a:t>= </a:t>
+            </a:r>
+            <a:r>
+              <a:rPr lang="en-GB" sz="2800" dirty="0" smtClean="0">
+                <a:solidFill>
+                  <a:srgbClr val="FFFF00"/>
+                </a:solidFill>
+                <a:latin typeface="Arial" panose="020B0604020202020204" pitchFamily="34" charset="0"/>
+                <a:cs typeface="Arial" panose="020B0604020202020204" pitchFamily="34" charset="0"/>
+              </a:rPr>
+              <a:t>-4.135</a:t>
+            </a:r>
             <a:endParaRPr lang="en-GB" sz="2800" dirty="0">
               <a:solidFill>
                 <a:srgbClr val="FFFF00"/>
@@ -8027,36 +8185,21 @@
               <a:cs typeface="Arial" panose="020B0604020202020204" pitchFamily="34" charset="0"/>
             </a:endParaRPr>
           </a:p>
-        </p:txBody>
-      </p:sp>
-      <p:pic>
-        <p:nvPicPr>
-          <p:cNvPr id="3" name="Picture 2"/>
-          <p:cNvPicPr>
-            <a:picLocks noChangeAspect="1"/>
-          </p:cNvPicPr>
-          <p:nvPr/>
-        </p:nvPicPr>
-        <p:blipFill>
-          <a:blip r:embed="rId2"/>
-          <a:stretch>
-            <a:fillRect/>
-          </a:stretch>
-        </p:blipFill>
-        <p:spPr>
-          <a:xfrm>
-            <a:off x="2666106" y="2514020"/>
-            <a:ext cx="7449424" cy="4201274"/>
-          </a:xfrm>
-          <a:prstGeom prst="rect">
-            <a:avLst/>
-          </a:prstGeom>
-        </p:spPr>
-      </p:pic>
+          <a:p>
+            <a:endParaRPr lang="en-GB" sz="2800" dirty="0">
+              <a:solidFill>
+                <a:srgbClr val="FFFF00"/>
+              </a:solidFill>
+              <a:latin typeface="Arial" panose="020B0604020202020204" pitchFamily="34" charset="0"/>
+              <a:cs typeface="Arial" panose="020B0604020202020204" pitchFamily="34" charset="0"/>
+            </a:endParaRPr>
+          </a:p>
+        </p:txBody>
+      </p:sp>
     </p:spTree>
     <p:extLst>
       <p:ext uri="{BB962C8B-B14F-4D97-AF65-F5344CB8AC3E}">
-        <p14:creationId xmlns:p14="http://schemas.microsoft.com/office/powerpoint/2010/main" val="925656490"/>
+        <p14:creationId xmlns:p14="http://schemas.microsoft.com/office/powerpoint/2010/main" val="1224776459"/>
       </p:ext>
     </p:extLst>
   </p:cSld>
@@ -8102,7 +8245,7 @@
         </p:nvSpPr>
         <p:spPr>
           <a:xfrm>
-            <a:off x="1591519" y="249505"/>
+            <a:off x="1487347" y="156908"/>
             <a:ext cx="9144000" cy="641746"/>
           </a:xfrm>
         </p:spPr>
@@ -8122,7 +8265,29 @@
                 <a:latin typeface="Arial" panose="020B0604020202020204" pitchFamily="34" charset="0"/>
                 <a:cs typeface="Arial" panose="020B0604020202020204" pitchFamily="34" charset="0"/>
               </a:rPr>
-              <a:t>Analysing some data: 4</a:t>
+              <a:t>Analysing some data: </a:t>
+            </a:r>
+            <a:r>
+              <a:rPr lang="en-GB" sz="4400" b="1" dirty="0" smtClean="0">
+                <a:solidFill>
+                  <a:srgbClr val="FFFF00"/>
+                </a:solidFill>
+                <a:effectLst/>
+                <a:latin typeface="Arial" panose="020B0604020202020204" pitchFamily="34" charset="0"/>
+                <a:cs typeface="Arial" panose="020B0604020202020204" pitchFamily="34" charset="0"/>
+              </a:rPr>
+              <a:t>3</a:t>
+            </a:r>
+            <a:r>
+              <a:rPr lang="en-GB" sz="4400" b="1" dirty="0" smtClean="0">
+                <a:solidFill>
+                  <a:srgbClr val="FFFF00"/>
+                </a:solidFill>
+                <a:effectLst/>
+                <a:latin typeface="Arial" panose="020B0604020202020204" pitchFamily="34" charset="0"/>
+                <a:cs typeface="Arial" panose="020B0604020202020204" pitchFamily="34" charset="0"/>
+              </a:rPr>
+              <a:t/>
             </a:r>
             <a:br>
               <a:rPr lang="en-GB" sz="4400" b="1" dirty="0" smtClean="0">
@@ -8237,8 +8402,8 @@
         </p:nvSpPr>
         <p:spPr>
           <a:xfrm>
-            <a:off x="358815" y="983848"/>
-            <a:ext cx="11609407" cy="4832092"/>
+            <a:off x="381965" y="983849"/>
+            <a:ext cx="11609407" cy="4401205"/>
           </a:xfrm>
           <a:prstGeom prst="rect">
             <a:avLst/>
@@ -8251,70 +8416,44 @@
           </a:bodyPr>
           <a:lstStyle/>
           <a:p>
+            <a:pPr marL="457200" indent="-457200">
+              <a:buFont typeface="Arial" panose="020B0604020202020204" pitchFamily="34" charset="0"/>
+              <a:buChar char="•"/>
+            </a:pPr>
             <a:r>
               <a:rPr lang="en-GB" sz="2800" dirty="0" smtClean="0">
                 <a:latin typeface="Arial" panose="020B0604020202020204" pitchFamily="34" charset="0"/>
                 <a:cs typeface="Arial" panose="020B0604020202020204" pitchFamily="34" charset="0"/>
               </a:rPr>
-              <a:t>Using the formulae given above you can then compute an estimate of the Bayes factor for model 1 vs model 2, BF</a:t>
-            </a:r>
-            <a:r>
-              <a:rPr lang="en-GB" sz="2800" baseline="-25000" dirty="0" smtClean="0">
-                <a:latin typeface="Arial" panose="020B0604020202020204" pitchFamily="34" charset="0"/>
-                <a:cs typeface="Arial" panose="020B0604020202020204" pitchFamily="34" charset="0"/>
-              </a:rPr>
-              <a:t>12</a:t>
-            </a:r>
-            <a:endParaRPr lang="en-GB" sz="2800" dirty="0" smtClean="0">
-              <a:latin typeface="Arial" panose="020B0604020202020204" pitchFamily="34" charset="0"/>
-              <a:cs typeface="Arial" panose="020B0604020202020204" pitchFamily="34" charset="0"/>
-            </a:endParaRPr>
-          </a:p>
-          <a:p>
-            <a:endParaRPr lang="en-GB" sz="2800" dirty="0" smtClean="0">
-              <a:solidFill>
-                <a:srgbClr val="FFFF00"/>
-              </a:solidFill>
-              <a:latin typeface="Arial" panose="020B0604020202020204" pitchFamily="34" charset="0"/>
-              <a:cs typeface="Arial" panose="020B0604020202020204" pitchFamily="34" charset="0"/>
-            </a:endParaRPr>
-          </a:p>
-          <a:p>
+              <a:t>Our key question is to try to determine which model fits the data better, bearing in mind that one model has 2 parameters and the other has only 1.</a:t>
+            </a:r>
+          </a:p>
+          <a:p>
+            <a:pPr marL="457200" indent="-457200">
+              <a:buFont typeface="Arial" panose="020B0604020202020204" pitchFamily="34" charset="0"/>
+              <a:buChar char="•"/>
+            </a:pPr>
             <a:r>
               <a:rPr lang="en-GB" sz="2800" dirty="0" smtClean="0">
                 <a:latin typeface="Arial" panose="020B0604020202020204" pitchFamily="34" charset="0"/>
                 <a:cs typeface="Arial" panose="020B0604020202020204" pitchFamily="34" charset="0"/>
               </a:rPr>
-              <a:t>If you want an easy way to do this you can use my </a:t>
-            </a:r>
-            <a:r>
-              <a:rPr lang="en-GB" sz="2800" dirty="0" err="1" smtClean="0">
-                <a:latin typeface="Arial" panose="020B0604020202020204" pitchFamily="34" charset="0"/>
-                <a:cs typeface="Arial" panose="020B0604020202020204" pitchFamily="34" charset="0"/>
-              </a:rPr>
-              <a:t>Matlab</a:t>
-            </a:r>
+              <a:t>In general models with more parameters fit the data than models with fewer, but we strive for parsimonious explanations so we must assess whether the additional parameters achieve a worthwhile enhancement of the fit</a:t>
+            </a:r>
+          </a:p>
+          <a:p>
+            <a:pPr marL="457200" indent="-457200">
+              <a:buFont typeface="Arial" panose="020B0604020202020204" pitchFamily="34" charset="0"/>
+              <a:buChar char="•"/>
+            </a:pPr>
             <a:r>
               <a:rPr lang="en-GB" sz="2800" dirty="0" smtClean="0">
                 <a:latin typeface="Arial" panose="020B0604020202020204" pitchFamily="34" charset="0"/>
                 <a:cs typeface="Arial" panose="020B0604020202020204" pitchFamily="34" charset="0"/>
               </a:rPr>
-              <a:t> programme called </a:t>
-            </a:r>
-            <a:r>
-              <a:rPr lang="en-GB" sz="2800" dirty="0" err="1" smtClean="0">
-                <a:solidFill>
-                  <a:srgbClr val="FFFF00"/>
-                </a:solidFill>
-                <a:latin typeface="Arial" panose="020B0604020202020204" pitchFamily="34" charset="0"/>
-                <a:cs typeface="Arial" panose="020B0604020202020204" pitchFamily="34" charset="0"/>
-              </a:rPr>
-              <a:t>MLE_to_BF.m</a:t>
-            </a:r>
-            <a:endParaRPr lang="en-GB" sz="2800" dirty="0" smtClean="0">
-              <a:solidFill>
-                <a:srgbClr val="FFFF00"/>
-              </a:solidFill>
+              <a:t>We will explore this using traditional statistics and then via Bayes factors</a:t>
+            </a:r>
+            <a:endParaRPr lang="en-GB" sz="2800" dirty="0">
               <a:latin typeface="Arial" panose="020B0604020202020204" pitchFamily="34" charset="0"/>
               <a:cs typeface="Arial" panose="020B0604020202020204" pitchFamily="34" charset="0"/>
             </a:endParaRPr>
@@ -8328,92 +8467,12 @@
               <a:cs typeface="Arial" panose="020B0604020202020204" pitchFamily="34" charset="0"/>
             </a:endParaRPr>
           </a:p>
-          <a:p>
-            <a:r>
-              <a:rPr lang="en-GB" sz="2800" dirty="0" smtClean="0">
-                <a:latin typeface="Arial" panose="020B0604020202020204" pitchFamily="34" charset="0"/>
-                <a:cs typeface="Arial" panose="020B0604020202020204" pitchFamily="34" charset="0"/>
-              </a:rPr>
-              <a:t>From the data, BF</a:t>
-            </a:r>
-            <a:r>
-              <a:rPr lang="en-GB" sz="2800" baseline="-25000" dirty="0" smtClean="0">
-                <a:latin typeface="Arial" panose="020B0604020202020204" pitchFamily="34" charset="0"/>
-                <a:cs typeface="Arial" panose="020B0604020202020204" pitchFamily="34" charset="0"/>
-              </a:rPr>
-              <a:t>12</a:t>
-            </a:r>
-            <a:r>
-              <a:rPr lang="en-GB" sz="2800" dirty="0" smtClean="0">
-                <a:latin typeface="Arial" panose="020B0604020202020204" pitchFamily="34" charset="0"/>
-                <a:cs typeface="Arial" panose="020B0604020202020204" pitchFamily="34" charset="0"/>
-              </a:rPr>
-              <a:t> has a value of </a:t>
-            </a:r>
-            <a:r>
-              <a:rPr lang="en-GB" sz="2800" dirty="0" smtClean="0">
-                <a:solidFill>
-                  <a:srgbClr val="FFFF00"/>
-                </a:solidFill>
-                <a:latin typeface="Arial" panose="020B0604020202020204" pitchFamily="34" charset="0"/>
-                <a:cs typeface="Arial" panose="020B0604020202020204" pitchFamily="34" charset="0"/>
-              </a:rPr>
-              <a:t>0.0017884</a:t>
-            </a:r>
-            <a:r>
-              <a:rPr lang="en-GB" sz="2800" dirty="0" smtClean="0">
-                <a:latin typeface="Arial" panose="020B0604020202020204" pitchFamily="34" charset="0"/>
-                <a:cs typeface="Arial" panose="020B0604020202020204" pitchFamily="34" charset="0"/>
-              </a:rPr>
-              <a:t>, which means the evidence favour model 2 (the more complex model) over model 1.</a:t>
-            </a:r>
-          </a:p>
-          <a:p>
-            <a:endParaRPr lang="en-GB" sz="2800" dirty="0">
-              <a:latin typeface="Arial" panose="020B0604020202020204" pitchFamily="34" charset="0"/>
-              <a:cs typeface="Arial" panose="020B0604020202020204" pitchFamily="34" charset="0"/>
-            </a:endParaRPr>
-          </a:p>
-          <a:p>
-            <a:r>
-              <a:rPr lang="en-GB" sz="2800" dirty="0" smtClean="0">
-                <a:latin typeface="Arial" panose="020B0604020202020204" pitchFamily="34" charset="0"/>
-                <a:cs typeface="Arial" panose="020B0604020202020204" pitchFamily="34" charset="0"/>
-              </a:rPr>
-              <a:t>How strongly do the data favour model 2? On the next slide model 2 is represented by H</a:t>
-            </a:r>
-            <a:r>
-              <a:rPr lang="en-GB" sz="2800" baseline="-25000" dirty="0" smtClean="0">
-                <a:latin typeface="Arial" panose="020B0604020202020204" pitchFamily="34" charset="0"/>
-                <a:cs typeface="Arial" panose="020B0604020202020204" pitchFamily="34" charset="0"/>
-              </a:rPr>
-              <a:t>0</a:t>
-            </a:r>
-            <a:r>
-              <a:rPr lang="en-GB" sz="2800" dirty="0" smtClean="0">
-                <a:latin typeface="Arial" panose="020B0604020202020204" pitchFamily="34" charset="0"/>
-                <a:cs typeface="Arial" panose="020B0604020202020204" pitchFamily="34" charset="0"/>
-              </a:rPr>
-              <a:t> and model 1 is H</a:t>
-            </a:r>
-            <a:r>
-              <a:rPr lang="en-GB" sz="2800" baseline="-25000" dirty="0" smtClean="0">
-                <a:latin typeface="Arial" panose="020B0604020202020204" pitchFamily="34" charset="0"/>
-                <a:cs typeface="Arial" panose="020B0604020202020204" pitchFamily="34" charset="0"/>
-              </a:rPr>
-              <a:t>A</a:t>
-            </a:r>
-            <a:endParaRPr lang="en-GB" sz="2800" baseline="-25000" dirty="0">
-              <a:latin typeface="Arial" panose="020B0604020202020204" pitchFamily="34" charset="0"/>
-              <a:cs typeface="Arial" panose="020B0604020202020204" pitchFamily="34" charset="0"/>
-            </a:endParaRPr>
-          </a:p>
         </p:txBody>
       </p:sp>
     </p:spTree>
     <p:extLst>
       <p:ext uri="{BB962C8B-B14F-4D97-AF65-F5344CB8AC3E}">
-        <p14:creationId xmlns:p14="http://schemas.microsoft.com/office/powerpoint/2010/main" val="2107647180"/>
+        <p14:creationId xmlns:p14="http://schemas.microsoft.com/office/powerpoint/2010/main" val="31049599"/>
       </p:ext>
     </p:extLst>
   </p:cSld>
@@ -8454,13 +8513,13 @@
             <a:spLocks noGrp="1"/>
           </p:cNvSpPr>
           <p:nvPr>
-            <p:ph type="title"/>
+            <p:ph type="ctrTitle"/>
           </p:nvPr>
         </p:nvSpPr>
         <p:spPr>
           <a:xfrm>
-            <a:off x="0" y="156781"/>
-            <a:ext cx="10515600" cy="1325563"/>
+            <a:off x="1591518" y="168482"/>
+            <a:ext cx="9144000" cy="641746"/>
           </a:xfrm>
         </p:spPr>
         <p:txBody>
@@ -8471,36 +8530,192 @@
           <a:p>
             <a:pPr algn="ctr"/>
             <a:r>
-              <a:rPr lang="en-GB" b="1" dirty="0" smtClean="0">
-                <a:solidFill>
-                  <a:srgbClr val="FFFF00"/>
-                </a:solidFill>
-                <a:latin typeface="Arial" panose="020B0604020202020204" pitchFamily="34" charset="0"/>
-                <a:cs typeface="Arial" panose="020B0604020202020204" pitchFamily="34" charset="0"/>
-              </a:rPr>
-              <a:t>Interpreting Bayes </a:t>
-            </a:r>
-            <a:r>
-              <a:rPr lang="en-GB" b="1" dirty="0" smtClean="0">
-                <a:solidFill>
-                  <a:srgbClr val="FFFF00"/>
-                </a:solidFill>
-                <a:latin typeface="Arial" panose="020B0604020202020204" pitchFamily="34" charset="0"/>
-                <a:cs typeface="Arial" panose="020B0604020202020204" pitchFamily="34" charset="0"/>
-              </a:rPr>
-              <a:t>factors, BF</a:t>
-            </a:r>
-            <a:r>
-              <a:rPr lang="en-GB" b="1" baseline="-25000" dirty="0" smtClean="0">
-                <a:solidFill>
-                  <a:srgbClr val="FFFF00"/>
-                </a:solidFill>
-                <a:latin typeface="Arial" panose="020B0604020202020204" pitchFamily="34" charset="0"/>
-                <a:cs typeface="Arial" panose="020B0604020202020204" pitchFamily="34" charset="0"/>
-              </a:rPr>
-              <a:t>A0</a:t>
-            </a:r>
-            <a:endParaRPr lang="en-GB" b="1" baseline="-25000" dirty="0">
+              <a:rPr lang="en-GB" sz="4400" b="1" dirty="0" smtClean="0">
+                <a:solidFill>
+                  <a:srgbClr val="FFFF00"/>
+                </a:solidFill>
+                <a:effectLst/>
+                <a:latin typeface="Arial" panose="020B0604020202020204" pitchFamily="34" charset="0"/>
+                <a:cs typeface="Arial" panose="020B0604020202020204" pitchFamily="34" charset="0"/>
+              </a:rPr>
+              <a:t>Analysing some data: </a:t>
+            </a:r>
+            <a:r>
+              <a:rPr lang="en-GB" sz="4400" b="1" dirty="0" smtClean="0">
+                <a:solidFill>
+                  <a:srgbClr val="FFFF00"/>
+                </a:solidFill>
+                <a:effectLst/>
+                <a:latin typeface="Arial" panose="020B0604020202020204" pitchFamily="34" charset="0"/>
+                <a:cs typeface="Arial" panose="020B0604020202020204" pitchFamily="34" charset="0"/>
+              </a:rPr>
+              <a:t>4</a:t>
+            </a:r>
+            <a:r>
+              <a:rPr lang="en-GB" sz="4400" b="1" dirty="0" smtClean="0">
+                <a:solidFill>
+                  <a:srgbClr val="FFFF00"/>
+                </a:solidFill>
+                <a:effectLst/>
+                <a:latin typeface="Arial" panose="020B0604020202020204" pitchFamily="34" charset="0"/>
+                <a:cs typeface="Arial" panose="020B0604020202020204" pitchFamily="34" charset="0"/>
+              </a:rPr>
+              <a:t/>
+            </a:r>
+            <a:br>
+              <a:rPr lang="en-GB" sz="4400" b="1" dirty="0" smtClean="0">
+                <a:solidFill>
+                  <a:srgbClr val="FFFF00"/>
+                </a:solidFill>
+                <a:effectLst/>
+                <a:latin typeface="Arial" panose="020B0604020202020204" pitchFamily="34" charset="0"/>
+                <a:cs typeface="Arial" panose="020B0604020202020204" pitchFamily="34" charset="0"/>
+              </a:rPr>
+            </a:br>
+            <a:r>
+              <a:rPr lang="en-GB" sz="4400" b="1" dirty="0" smtClean="0">
+                <a:solidFill>
+                  <a:srgbClr val="FFFF00"/>
+                </a:solidFill>
+                <a:effectLst/>
+                <a:latin typeface="Arial" panose="020B0604020202020204" pitchFamily="34" charset="0"/>
+                <a:cs typeface="Arial" panose="020B0604020202020204" pitchFamily="34" charset="0"/>
+              </a:rPr>
+              <a:t/>
+            </a:r>
+            <a:br>
+              <a:rPr lang="en-GB" sz="4400" b="1" dirty="0" smtClean="0">
+                <a:solidFill>
+                  <a:srgbClr val="FFFF00"/>
+                </a:solidFill>
+                <a:effectLst/>
+                <a:latin typeface="Arial" panose="020B0604020202020204" pitchFamily="34" charset="0"/>
+                <a:cs typeface="Arial" panose="020B0604020202020204" pitchFamily="34" charset="0"/>
+              </a:rPr>
+            </a:br>
+            <a:r>
+              <a:rPr lang="en-GB" sz="4400" b="1" dirty="0">
+                <a:solidFill>
+                  <a:srgbClr val="FFFF00"/>
+                </a:solidFill>
+                <a:effectLst/>
+                <a:latin typeface="Arial" panose="020B0604020202020204" pitchFamily="34" charset="0"/>
+                <a:cs typeface="Arial" panose="020B0604020202020204" pitchFamily="34" charset="0"/>
+              </a:rPr>
+              <a:t/>
+            </a:r>
+            <a:br>
+              <a:rPr lang="en-GB" sz="4400" b="1" dirty="0">
+                <a:solidFill>
+                  <a:srgbClr val="FFFF00"/>
+                </a:solidFill>
+                <a:effectLst/>
+                <a:latin typeface="Arial" panose="020B0604020202020204" pitchFamily="34" charset="0"/>
+                <a:cs typeface="Arial" panose="020B0604020202020204" pitchFamily="34" charset="0"/>
+              </a:rPr>
+            </a:br>
+            <a:r>
+              <a:rPr lang="en-GB" sz="4400" b="1" dirty="0" smtClean="0">
+                <a:solidFill>
+                  <a:srgbClr val="FFFF00"/>
+                </a:solidFill>
+                <a:effectLst/>
+                <a:latin typeface="Arial" panose="020B0604020202020204" pitchFamily="34" charset="0"/>
+                <a:cs typeface="Arial" panose="020B0604020202020204" pitchFamily="34" charset="0"/>
+              </a:rPr>
+              <a:t/>
+            </a:r>
+            <a:br>
+              <a:rPr lang="en-GB" sz="4400" b="1" dirty="0" smtClean="0">
+                <a:solidFill>
+                  <a:srgbClr val="FFFF00"/>
+                </a:solidFill>
+                <a:effectLst/>
+                <a:latin typeface="Arial" panose="020B0604020202020204" pitchFamily="34" charset="0"/>
+                <a:cs typeface="Arial" panose="020B0604020202020204" pitchFamily="34" charset="0"/>
+              </a:rPr>
+            </a:br>
+            <a:r>
+              <a:rPr lang="en-GB" sz="4400" b="1" dirty="0">
+                <a:solidFill>
+                  <a:srgbClr val="FFFF00"/>
+                </a:solidFill>
+                <a:effectLst/>
+                <a:latin typeface="Arial" panose="020B0604020202020204" pitchFamily="34" charset="0"/>
+                <a:cs typeface="Arial" panose="020B0604020202020204" pitchFamily="34" charset="0"/>
+              </a:rPr>
+              <a:t/>
+            </a:r>
+            <a:br>
+              <a:rPr lang="en-GB" sz="4400" b="1" dirty="0">
+                <a:solidFill>
+                  <a:srgbClr val="FFFF00"/>
+                </a:solidFill>
+                <a:effectLst/>
+                <a:latin typeface="Arial" panose="020B0604020202020204" pitchFamily="34" charset="0"/>
+                <a:cs typeface="Arial" panose="020B0604020202020204" pitchFamily="34" charset="0"/>
+              </a:rPr>
+            </a:br>
+            <a:endParaRPr lang="en-GB" sz="4400" b="1" spc="0" dirty="0">
+              <a:solidFill>
+                <a:srgbClr val="FFFF00"/>
+              </a:solidFill>
+              <a:effectLst/>
+              <a:latin typeface="Arial" panose="020B0604020202020204" pitchFamily="34" charset="0"/>
+              <a:cs typeface="Arial" panose="020B0604020202020204" pitchFamily="34" charset="0"/>
+            </a:endParaRPr>
+          </a:p>
+        </p:txBody>
+      </p:sp>
+      <p:sp>
+        <p:nvSpPr>
+          <p:cNvPr id="5" name="TextBox 4"/>
+          <p:cNvSpPr txBox="1"/>
+          <p:nvPr/>
+        </p:nvSpPr>
+        <p:spPr>
+          <a:xfrm>
+            <a:off x="358815" y="810228"/>
+            <a:ext cx="11609407" cy="2677656"/>
+          </a:xfrm>
+          <a:prstGeom prst="rect">
+            <a:avLst/>
+          </a:prstGeom>
+          <a:noFill/>
+        </p:spPr>
+        <p:txBody>
+          <a:bodyPr wrap="square" rtlCol="0">
+            <a:spAutoFit/>
+          </a:bodyPr>
+          <a:lstStyle/>
+          <a:p>
+            <a:r>
+              <a:rPr lang="en-GB" sz="2800" dirty="0" smtClean="0">
+                <a:latin typeface="Arial" panose="020B0604020202020204" pitchFamily="34" charset="0"/>
+                <a:cs typeface="Arial" panose="020B0604020202020204" pitchFamily="34" charset="0"/>
+              </a:rPr>
+              <a:t>Read the tutorial file for how to analyse these data traditionally using </a:t>
+            </a:r>
+            <a:r>
+              <a:rPr lang="en-GB" sz="2800" dirty="0" smtClean="0">
+                <a:solidFill>
+                  <a:srgbClr val="FFFF00"/>
+                </a:solidFill>
+                <a:latin typeface="Arial" panose="020B0604020202020204" pitchFamily="34" charset="0"/>
+                <a:cs typeface="Arial" panose="020B0604020202020204" pitchFamily="34" charset="0"/>
+              </a:rPr>
+              <a:t>logistic regression </a:t>
+            </a:r>
+            <a:r>
+              <a:rPr lang="en-GB" sz="2800" dirty="0" smtClean="0">
+                <a:latin typeface="Arial" panose="020B0604020202020204" pitchFamily="34" charset="0"/>
+                <a:cs typeface="Arial" panose="020B0604020202020204" pitchFamily="34" charset="0"/>
+              </a:rPr>
+              <a:t>in SPSS or JASP. The results of a likelihood ratio test shows that the effect of hand cannot afford to be omitted in modelling these data:-</a:t>
+            </a:r>
+          </a:p>
+          <a:p>
+            <a:endParaRPr lang="en-GB" sz="2800" dirty="0" smtClean="0">
               <a:solidFill>
                 <a:srgbClr val="FFFF00"/>
               </a:solidFill>
@@ -8508,11 +8723,20 @@
               <a:cs typeface="Arial" panose="020B0604020202020204" pitchFamily="34" charset="0"/>
             </a:endParaRPr>
           </a:p>
+          <a:p>
+            <a:endParaRPr lang="en-GB" sz="2800" dirty="0">
+              <a:solidFill>
+                <a:srgbClr val="FFFF00"/>
+              </a:solidFill>
+              <a:latin typeface="Arial" panose="020B0604020202020204" pitchFamily="34" charset="0"/>
+              <a:cs typeface="Arial" panose="020B0604020202020204" pitchFamily="34" charset="0"/>
+            </a:endParaRPr>
+          </a:p>
         </p:txBody>
       </p:sp>
       <p:pic>
         <p:nvPicPr>
-          <p:cNvPr id="6" name="Picture 5"/>
+          <p:cNvPr id="3" name="Picture 2"/>
           <p:cNvPicPr>
             <a:picLocks noChangeAspect="1"/>
           </p:cNvPicPr>
@@ -8526,24 +8750,60 @@
         </p:blipFill>
         <p:spPr>
           <a:xfrm>
-            <a:off x="2146217" y="1690688"/>
-            <a:ext cx="7643959" cy="4863815"/>
+            <a:off x="266217" y="2537170"/>
+            <a:ext cx="7449424" cy="4201274"/>
           </a:xfrm>
           <a:prstGeom prst="rect">
             <a:avLst/>
           </a:prstGeom>
         </p:spPr>
       </p:pic>
+      <p:sp>
+        <p:nvSpPr>
+          <p:cNvPr id="6" name="TextBox 5"/>
+          <p:cNvSpPr txBox="1"/>
+          <p:nvPr/>
+        </p:nvSpPr>
+        <p:spPr>
+          <a:xfrm>
+            <a:off x="8463988" y="2870522"/>
+            <a:ext cx="3608407" cy="2677656"/>
+          </a:xfrm>
+          <a:prstGeom prst="rect">
+            <a:avLst/>
+          </a:prstGeom>
+          <a:noFill/>
+        </p:spPr>
+        <p:txBody>
+          <a:bodyPr wrap="square" rtlCol="0">
+            <a:spAutoFit/>
+          </a:bodyPr>
+          <a:lstStyle/>
+          <a:p>
+            <a:r>
+              <a:rPr lang="en-GB" sz="2800" b="1" dirty="0" smtClean="0">
+                <a:latin typeface="Arial" panose="020B0604020202020204" pitchFamily="34" charset="0"/>
+                <a:cs typeface="Arial" panose="020B0604020202020204" pitchFamily="34" charset="0"/>
+              </a:rPr>
+              <a:t>This significant result means that we can reject the null hypothesis which ignores the hand of the throw</a:t>
+            </a:r>
+            <a:endParaRPr lang="en-GB" sz="2800" b="1" dirty="0">
+              <a:latin typeface="Arial" panose="020B0604020202020204" pitchFamily="34" charset="0"/>
+              <a:cs typeface="Arial" panose="020B0604020202020204" pitchFamily="34" charset="0"/>
+            </a:endParaRPr>
+          </a:p>
+        </p:txBody>
+      </p:sp>
       <p:cxnSp>
         <p:nvCxnSpPr>
-          <p:cNvPr id="4" name="Straight Arrow Connector 3"/>
+          <p:cNvPr id="7" name="Straight Arrow Connector 6"/>
           <p:cNvCxnSpPr/>
           <p:nvPr/>
         </p:nvCxnSpPr>
         <p:spPr>
-          <a:xfrm flipH="1" flipV="1">
-            <a:off x="9213449" y="6111434"/>
-            <a:ext cx="1608880" cy="23148"/>
+          <a:xfrm flipH="1">
+            <a:off x="7275578" y="4336865"/>
+            <a:ext cx="1188410" cy="601884"/>
           </a:xfrm>
           <a:prstGeom prst="straightConnector1">
             <a:avLst/>
@@ -8573,7 +8833,7 @@
     </p:spTree>
     <p:extLst>
       <p:ext uri="{BB962C8B-B14F-4D97-AF65-F5344CB8AC3E}">
-        <p14:creationId xmlns:p14="http://schemas.microsoft.com/office/powerpoint/2010/main" val="481232940"/>
+        <p14:creationId xmlns:p14="http://schemas.microsoft.com/office/powerpoint/2010/main" val="925656490"/>
       </p:ext>
     </p:extLst>
   </p:cSld>
@@ -8639,7 +8899,622 @@
                 <a:latin typeface="Arial" panose="020B0604020202020204" pitchFamily="34" charset="0"/>
                 <a:cs typeface="Arial" panose="020B0604020202020204" pitchFamily="34" charset="0"/>
               </a:rPr>
-              <a:t>Analysing some data: 5</a:t>
+              <a:t>Analysing some data: </a:t>
+            </a:r>
+            <a:r>
+              <a:rPr lang="en-GB" sz="4400" b="1" dirty="0" smtClean="0">
+                <a:solidFill>
+                  <a:srgbClr val="FFFF00"/>
+                </a:solidFill>
+                <a:effectLst/>
+                <a:latin typeface="Arial" panose="020B0604020202020204" pitchFamily="34" charset="0"/>
+                <a:cs typeface="Arial" panose="020B0604020202020204" pitchFamily="34" charset="0"/>
+              </a:rPr>
+              <a:t>5</a:t>
+            </a:r>
+            <a:r>
+              <a:rPr lang="en-GB" sz="4400" b="1" dirty="0" smtClean="0">
+                <a:solidFill>
+                  <a:srgbClr val="FFFF00"/>
+                </a:solidFill>
+                <a:effectLst/>
+                <a:latin typeface="Arial" panose="020B0604020202020204" pitchFamily="34" charset="0"/>
+                <a:cs typeface="Arial" panose="020B0604020202020204" pitchFamily="34" charset="0"/>
+              </a:rPr>
+              <a:t/>
+            </a:r>
+            <a:br>
+              <a:rPr lang="en-GB" sz="4400" b="1" dirty="0" smtClean="0">
+                <a:solidFill>
+                  <a:srgbClr val="FFFF00"/>
+                </a:solidFill>
+                <a:effectLst/>
+                <a:latin typeface="Arial" panose="020B0604020202020204" pitchFamily="34" charset="0"/>
+                <a:cs typeface="Arial" panose="020B0604020202020204" pitchFamily="34" charset="0"/>
+              </a:rPr>
+            </a:br>
+            <a:r>
+              <a:rPr lang="en-GB" sz="4400" b="1" dirty="0" smtClean="0">
+                <a:solidFill>
+                  <a:srgbClr val="FFFF00"/>
+                </a:solidFill>
+                <a:effectLst/>
+                <a:latin typeface="Arial" panose="020B0604020202020204" pitchFamily="34" charset="0"/>
+                <a:cs typeface="Arial" panose="020B0604020202020204" pitchFamily="34" charset="0"/>
+              </a:rPr>
+              <a:t/>
+            </a:r>
+            <a:br>
+              <a:rPr lang="en-GB" sz="4400" b="1" dirty="0" smtClean="0">
+                <a:solidFill>
+                  <a:srgbClr val="FFFF00"/>
+                </a:solidFill>
+                <a:effectLst/>
+                <a:latin typeface="Arial" panose="020B0604020202020204" pitchFamily="34" charset="0"/>
+                <a:cs typeface="Arial" panose="020B0604020202020204" pitchFamily="34" charset="0"/>
+              </a:rPr>
+            </a:br>
+            <a:r>
+              <a:rPr lang="en-GB" sz="4400" b="1" dirty="0">
+                <a:solidFill>
+                  <a:srgbClr val="FFFF00"/>
+                </a:solidFill>
+                <a:effectLst/>
+                <a:latin typeface="Arial" panose="020B0604020202020204" pitchFamily="34" charset="0"/>
+                <a:cs typeface="Arial" panose="020B0604020202020204" pitchFamily="34" charset="0"/>
+              </a:rPr>
+              <a:t/>
+            </a:r>
+            <a:br>
+              <a:rPr lang="en-GB" sz="4400" b="1" dirty="0">
+                <a:solidFill>
+                  <a:srgbClr val="FFFF00"/>
+                </a:solidFill>
+                <a:effectLst/>
+                <a:latin typeface="Arial" panose="020B0604020202020204" pitchFamily="34" charset="0"/>
+                <a:cs typeface="Arial" panose="020B0604020202020204" pitchFamily="34" charset="0"/>
+              </a:rPr>
+            </a:br>
+            <a:r>
+              <a:rPr lang="en-GB" sz="4400" b="1" dirty="0" smtClean="0">
+                <a:solidFill>
+                  <a:srgbClr val="FFFF00"/>
+                </a:solidFill>
+                <a:effectLst/>
+                <a:latin typeface="Arial" panose="020B0604020202020204" pitchFamily="34" charset="0"/>
+                <a:cs typeface="Arial" panose="020B0604020202020204" pitchFamily="34" charset="0"/>
+              </a:rPr>
+              <a:t/>
+            </a:r>
+            <a:br>
+              <a:rPr lang="en-GB" sz="4400" b="1" dirty="0" smtClean="0">
+                <a:solidFill>
+                  <a:srgbClr val="FFFF00"/>
+                </a:solidFill>
+                <a:effectLst/>
+                <a:latin typeface="Arial" panose="020B0604020202020204" pitchFamily="34" charset="0"/>
+                <a:cs typeface="Arial" panose="020B0604020202020204" pitchFamily="34" charset="0"/>
+              </a:rPr>
+            </a:br>
+            <a:r>
+              <a:rPr lang="en-GB" sz="4400" b="1" dirty="0">
+                <a:solidFill>
+                  <a:srgbClr val="FFFF00"/>
+                </a:solidFill>
+                <a:effectLst/>
+                <a:latin typeface="Arial" panose="020B0604020202020204" pitchFamily="34" charset="0"/>
+                <a:cs typeface="Arial" panose="020B0604020202020204" pitchFamily="34" charset="0"/>
+              </a:rPr>
+              <a:t/>
+            </a:r>
+            <a:br>
+              <a:rPr lang="en-GB" sz="4400" b="1" dirty="0">
+                <a:solidFill>
+                  <a:srgbClr val="FFFF00"/>
+                </a:solidFill>
+                <a:effectLst/>
+                <a:latin typeface="Arial" panose="020B0604020202020204" pitchFamily="34" charset="0"/>
+                <a:cs typeface="Arial" panose="020B0604020202020204" pitchFamily="34" charset="0"/>
+              </a:rPr>
+            </a:br>
+            <a:endParaRPr lang="en-GB" sz="4400" b="1" spc="0" dirty="0">
+              <a:solidFill>
+                <a:srgbClr val="FFFF00"/>
+              </a:solidFill>
+              <a:effectLst/>
+              <a:latin typeface="Arial" panose="020B0604020202020204" pitchFamily="34" charset="0"/>
+              <a:cs typeface="Arial" panose="020B0604020202020204" pitchFamily="34" charset="0"/>
+            </a:endParaRPr>
+          </a:p>
+        </p:txBody>
+      </p:sp>
+      <p:sp>
+        <p:nvSpPr>
+          <p:cNvPr id="5" name="TextBox 4"/>
+          <p:cNvSpPr txBox="1"/>
+          <p:nvPr/>
+        </p:nvSpPr>
+        <p:spPr>
+          <a:xfrm>
+            <a:off x="358815" y="983848"/>
+            <a:ext cx="11609407" cy="4832092"/>
+          </a:xfrm>
+          <a:prstGeom prst="rect">
+            <a:avLst/>
+          </a:prstGeom>
+          <a:noFill/>
+        </p:spPr>
+        <p:txBody>
+          <a:bodyPr wrap="square" rtlCol="0">
+            <a:spAutoFit/>
+          </a:bodyPr>
+          <a:lstStyle/>
+          <a:p>
+            <a:r>
+              <a:rPr lang="en-GB" sz="2800" dirty="0" smtClean="0">
+                <a:latin typeface="Arial" panose="020B0604020202020204" pitchFamily="34" charset="0"/>
+                <a:cs typeface="Arial" panose="020B0604020202020204" pitchFamily="34" charset="0"/>
+              </a:rPr>
+              <a:t>Using the formulae given above you can </a:t>
+            </a:r>
+            <a:r>
+              <a:rPr lang="en-GB" sz="2800" dirty="0" smtClean="0">
+                <a:latin typeface="Arial" panose="020B0604020202020204" pitchFamily="34" charset="0"/>
+                <a:cs typeface="Arial" panose="020B0604020202020204" pitchFamily="34" charset="0"/>
+              </a:rPr>
+              <a:t>also </a:t>
+            </a:r>
+            <a:r>
+              <a:rPr lang="en-GB" sz="2800" dirty="0" smtClean="0">
+                <a:latin typeface="Arial" panose="020B0604020202020204" pitchFamily="34" charset="0"/>
+                <a:cs typeface="Arial" panose="020B0604020202020204" pitchFamily="34" charset="0"/>
+              </a:rPr>
+              <a:t>compute an estimate of the Bayes factor for model 1 vs model 2, BF</a:t>
+            </a:r>
+            <a:r>
+              <a:rPr lang="en-GB" sz="2800" baseline="-25000" dirty="0" smtClean="0">
+                <a:latin typeface="Arial" panose="020B0604020202020204" pitchFamily="34" charset="0"/>
+                <a:cs typeface="Arial" panose="020B0604020202020204" pitchFamily="34" charset="0"/>
+              </a:rPr>
+              <a:t>12</a:t>
+            </a:r>
+            <a:endParaRPr lang="en-GB" sz="2800" dirty="0" smtClean="0">
+              <a:latin typeface="Arial" panose="020B0604020202020204" pitchFamily="34" charset="0"/>
+              <a:cs typeface="Arial" panose="020B0604020202020204" pitchFamily="34" charset="0"/>
+            </a:endParaRPr>
+          </a:p>
+          <a:p>
+            <a:endParaRPr lang="en-GB" sz="2800" dirty="0" smtClean="0">
+              <a:solidFill>
+                <a:srgbClr val="FFFF00"/>
+              </a:solidFill>
+              <a:latin typeface="Arial" panose="020B0604020202020204" pitchFamily="34" charset="0"/>
+              <a:cs typeface="Arial" panose="020B0604020202020204" pitchFamily="34" charset="0"/>
+            </a:endParaRPr>
+          </a:p>
+          <a:p>
+            <a:r>
+              <a:rPr lang="en-GB" sz="2800" dirty="0" smtClean="0">
+                <a:latin typeface="Arial" panose="020B0604020202020204" pitchFamily="34" charset="0"/>
+                <a:cs typeface="Arial" panose="020B0604020202020204" pitchFamily="34" charset="0"/>
+              </a:rPr>
+              <a:t>If you want an easy way to do this you can use my </a:t>
+            </a:r>
+            <a:r>
+              <a:rPr lang="en-GB" sz="2800" dirty="0" err="1" smtClean="0">
+                <a:latin typeface="Arial" panose="020B0604020202020204" pitchFamily="34" charset="0"/>
+                <a:cs typeface="Arial" panose="020B0604020202020204" pitchFamily="34" charset="0"/>
+              </a:rPr>
+              <a:t>Matlab</a:t>
+            </a:r>
+            <a:r>
+              <a:rPr lang="en-GB" sz="2800" dirty="0" smtClean="0">
+                <a:latin typeface="Arial" panose="020B0604020202020204" pitchFamily="34" charset="0"/>
+                <a:cs typeface="Arial" panose="020B0604020202020204" pitchFamily="34" charset="0"/>
+              </a:rPr>
+              <a:t> programme called </a:t>
+            </a:r>
+            <a:r>
+              <a:rPr lang="en-GB" sz="2800" dirty="0" err="1" smtClean="0">
+                <a:solidFill>
+                  <a:srgbClr val="FFFF00"/>
+                </a:solidFill>
+                <a:latin typeface="Arial" panose="020B0604020202020204" pitchFamily="34" charset="0"/>
+                <a:cs typeface="Arial" panose="020B0604020202020204" pitchFamily="34" charset="0"/>
+              </a:rPr>
+              <a:t>MLE_to_BF.m</a:t>
+            </a:r>
+            <a:endParaRPr lang="en-GB" sz="2800" dirty="0" smtClean="0">
+              <a:solidFill>
+                <a:srgbClr val="FFFF00"/>
+              </a:solidFill>
+              <a:latin typeface="Arial" panose="020B0604020202020204" pitchFamily="34" charset="0"/>
+              <a:cs typeface="Arial" panose="020B0604020202020204" pitchFamily="34" charset="0"/>
+            </a:endParaRPr>
+          </a:p>
+          <a:p>
+            <a:endParaRPr lang="en-GB" sz="2800" dirty="0">
+              <a:solidFill>
+                <a:srgbClr val="FFFF00"/>
+              </a:solidFill>
+              <a:latin typeface="Arial" panose="020B0604020202020204" pitchFamily="34" charset="0"/>
+              <a:cs typeface="Arial" panose="020B0604020202020204" pitchFamily="34" charset="0"/>
+            </a:endParaRPr>
+          </a:p>
+          <a:p>
+            <a:r>
+              <a:rPr lang="en-GB" sz="2800" dirty="0" smtClean="0">
+                <a:latin typeface="Arial" panose="020B0604020202020204" pitchFamily="34" charset="0"/>
+                <a:cs typeface="Arial" panose="020B0604020202020204" pitchFamily="34" charset="0"/>
+              </a:rPr>
+              <a:t>From the data, BF</a:t>
+            </a:r>
+            <a:r>
+              <a:rPr lang="en-GB" sz="2800" baseline="-25000" dirty="0" smtClean="0">
+                <a:latin typeface="Arial" panose="020B0604020202020204" pitchFamily="34" charset="0"/>
+                <a:cs typeface="Arial" panose="020B0604020202020204" pitchFamily="34" charset="0"/>
+              </a:rPr>
+              <a:t>12</a:t>
+            </a:r>
+            <a:r>
+              <a:rPr lang="en-GB" sz="2800" dirty="0" smtClean="0">
+                <a:latin typeface="Arial" panose="020B0604020202020204" pitchFamily="34" charset="0"/>
+                <a:cs typeface="Arial" panose="020B0604020202020204" pitchFamily="34" charset="0"/>
+              </a:rPr>
+              <a:t> has a value of </a:t>
+            </a:r>
+            <a:r>
+              <a:rPr lang="en-GB" sz="2800" dirty="0" smtClean="0">
+                <a:solidFill>
+                  <a:srgbClr val="FFFF00"/>
+                </a:solidFill>
+                <a:latin typeface="Arial" panose="020B0604020202020204" pitchFamily="34" charset="0"/>
+                <a:cs typeface="Arial" panose="020B0604020202020204" pitchFamily="34" charset="0"/>
+              </a:rPr>
+              <a:t>0.0017884</a:t>
+            </a:r>
+            <a:r>
+              <a:rPr lang="en-GB" sz="2800" dirty="0" smtClean="0">
+                <a:latin typeface="Arial" panose="020B0604020202020204" pitchFamily="34" charset="0"/>
+                <a:cs typeface="Arial" panose="020B0604020202020204" pitchFamily="34" charset="0"/>
+              </a:rPr>
+              <a:t>, which means the evidence favour model 2 (the more complex model) over model 1.</a:t>
+            </a:r>
+          </a:p>
+          <a:p>
+            <a:endParaRPr lang="en-GB" sz="2800" dirty="0">
+              <a:latin typeface="Arial" panose="020B0604020202020204" pitchFamily="34" charset="0"/>
+              <a:cs typeface="Arial" panose="020B0604020202020204" pitchFamily="34" charset="0"/>
+            </a:endParaRPr>
+          </a:p>
+          <a:p>
+            <a:r>
+              <a:rPr lang="en-GB" sz="2800" dirty="0" smtClean="0">
+                <a:latin typeface="Arial" panose="020B0604020202020204" pitchFamily="34" charset="0"/>
+                <a:cs typeface="Arial" panose="020B0604020202020204" pitchFamily="34" charset="0"/>
+              </a:rPr>
+              <a:t>How strongly do the data favour model 2? On the next slide model 2 is represented by H</a:t>
+            </a:r>
+            <a:r>
+              <a:rPr lang="en-GB" sz="2800" baseline="-25000" dirty="0" smtClean="0">
+                <a:latin typeface="Arial" panose="020B0604020202020204" pitchFamily="34" charset="0"/>
+                <a:cs typeface="Arial" panose="020B0604020202020204" pitchFamily="34" charset="0"/>
+              </a:rPr>
+              <a:t>0</a:t>
+            </a:r>
+            <a:r>
+              <a:rPr lang="en-GB" sz="2800" dirty="0" smtClean="0">
+                <a:latin typeface="Arial" panose="020B0604020202020204" pitchFamily="34" charset="0"/>
+                <a:cs typeface="Arial" panose="020B0604020202020204" pitchFamily="34" charset="0"/>
+              </a:rPr>
+              <a:t> and model 1 is H</a:t>
+            </a:r>
+            <a:r>
+              <a:rPr lang="en-GB" sz="2800" baseline="-25000" dirty="0" smtClean="0">
+                <a:latin typeface="Arial" panose="020B0604020202020204" pitchFamily="34" charset="0"/>
+                <a:cs typeface="Arial" panose="020B0604020202020204" pitchFamily="34" charset="0"/>
+              </a:rPr>
+              <a:t>A</a:t>
+            </a:r>
+            <a:endParaRPr lang="en-GB" sz="2800" baseline="-25000" dirty="0">
+              <a:latin typeface="Arial" panose="020B0604020202020204" pitchFamily="34" charset="0"/>
+              <a:cs typeface="Arial" panose="020B0604020202020204" pitchFamily="34" charset="0"/>
+            </a:endParaRPr>
+          </a:p>
+        </p:txBody>
+      </p:sp>
+    </p:spTree>
+    <p:extLst>
+      <p:ext uri="{BB962C8B-B14F-4D97-AF65-F5344CB8AC3E}">
+        <p14:creationId xmlns:p14="http://schemas.microsoft.com/office/powerpoint/2010/main" val="2107647180"/>
+      </p:ext>
+    </p:extLst>
+  </p:cSld>
+  <p:clrMapOvr>
+    <a:masterClrMapping/>
+  </p:clrMapOvr>
+  <p:timing>
+    <p:tnLst>
+      <p:par>
+        <p:cTn id="1" dur="indefinite" restart="never" nodeType="tmRoot"/>
+      </p:par>
+    </p:tnLst>
+  </p:timing>
+</p:sld>
+</file>
+
+<file path=ppt/slides/slide17.xml><?xml version="1.0" encoding="utf-8"?>
+<p:sld xmlns:a="http://schemas.openxmlformats.org/drawingml/2006/main" xmlns:r="http://schemas.openxmlformats.org/officeDocument/2006/relationships" xmlns:p="http://schemas.openxmlformats.org/presentationml/2006/main">
+  <p:cSld>
+    <p:spTree>
+      <p:nvGrpSpPr>
+        <p:cNvPr id="1" name=""/>
+        <p:cNvGrpSpPr/>
+        <p:nvPr/>
+      </p:nvGrpSpPr>
+      <p:grpSpPr>
+        <a:xfrm>
+          <a:off x="0" y="0"/>
+          <a:ext cx="0" cy="0"/>
+          <a:chOff x="0" y="0"/>
+          <a:chExt cx="0" cy="0"/>
+        </a:xfrm>
+      </p:grpSpPr>
+      <p:sp>
+        <p:nvSpPr>
+          <p:cNvPr id="2" name="Title 1"/>
+          <p:cNvSpPr>
+            <a:spLocks noGrp="1"/>
+          </p:cNvSpPr>
+          <p:nvPr>
+            <p:ph type="title"/>
+          </p:nvPr>
+        </p:nvSpPr>
+        <p:spPr>
+          <a:xfrm>
+            <a:off x="0" y="156781"/>
+            <a:ext cx="10515600" cy="1325563"/>
+          </a:xfrm>
+        </p:spPr>
+        <p:txBody>
+          <a:bodyPr>
+            <a:normAutofit fontScale="90000"/>
+          </a:bodyPr>
+          <a:lstStyle/>
+          <a:p>
+            <a:pPr algn="ctr"/>
+            <a:r>
+              <a:rPr lang="en-GB" b="1" dirty="0" smtClean="0">
+                <a:solidFill>
+                  <a:srgbClr val="FFFF00"/>
+                </a:solidFill>
+                <a:latin typeface="Arial" panose="020B0604020202020204" pitchFamily="34" charset="0"/>
+                <a:cs typeface="Arial" panose="020B0604020202020204" pitchFamily="34" charset="0"/>
+              </a:rPr>
+              <a:t>Interpreting Bayes factors, BF</a:t>
+            </a:r>
+            <a:r>
+              <a:rPr lang="en-GB" b="1" baseline="-25000" dirty="0" smtClean="0">
+                <a:solidFill>
+                  <a:srgbClr val="FFFF00"/>
+                </a:solidFill>
+                <a:latin typeface="Arial" panose="020B0604020202020204" pitchFamily="34" charset="0"/>
+                <a:cs typeface="Arial" panose="020B0604020202020204" pitchFamily="34" charset="0"/>
+              </a:rPr>
+              <a:t>A0</a:t>
+            </a:r>
+            <a:endParaRPr lang="en-GB" b="1" baseline="-25000" dirty="0">
+              <a:solidFill>
+                <a:srgbClr val="FFFF00"/>
+              </a:solidFill>
+              <a:latin typeface="Arial" panose="020B0604020202020204" pitchFamily="34" charset="0"/>
+              <a:cs typeface="Arial" panose="020B0604020202020204" pitchFamily="34" charset="0"/>
+            </a:endParaRPr>
+          </a:p>
+        </p:txBody>
+      </p:sp>
+      <p:pic>
+        <p:nvPicPr>
+          <p:cNvPr id="6" name="Picture 5"/>
+          <p:cNvPicPr>
+            <a:picLocks noChangeAspect="1"/>
+          </p:cNvPicPr>
+          <p:nvPr/>
+        </p:nvPicPr>
+        <p:blipFill>
+          <a:blip r:embed="rId2"/>
+          <a:stretch>
+            <a:fillRect/>
+          </a:stretch>
+        </p:blipFill>
+        <p:spPr>
+          <a:xfrm>
+            <a:off x="317417" y="1270767"/>
+            <a:ext cx="7643959" cy="4863815"/>
+          </a:xfrm>
+          <a:prstGeom prst="rect">
+            <a:avLst/>
+          </a:prstGeom>
+        </p:spPr>
+      </p:pic>
+      <p:cxnSp>
+        <p:nvCxnSpPr>
+          <p:cNvPr id="4" name="Straight Arrow Connector 3"/>
+          <p:cNvCxnSpPr/>
+          <p:nvPr/>
+        </p:nvCxnSpPr>
+        <p:spPr>
+          <a:xfrm flipH="1">
+            <a:off x="7156936" y="5117291"/>
+            <a:ext cx="1871317" cy="577454"/>
+          </a:xfrm>
+          <a:prstGeom prst="straightConnector1">
+            <a:avLst/>
+          </a:prstGeom>
+          <a:ln w="50800">
+            <a:solidFill>
+              <a:srgbClr val="FF0000"/>
+            </a:solidFill>
+            <a:tailEnd type="triangle"/>
+          </a:ln>
+        </p:spPr>
+        <p:style>
+          <a:lnRef idx="1">
+            <a:schemeClr val="accent1"/>
+          </a:lnRef>
+          <a:fillRef idx="0">
+            <a:schemeClr val="accent1"/>
+          </a:fillRef>
+          <a:effectRef idx="0">
+            <a:schemeClr val="accent1"/>
+          </a:effectRef>
+          <a:fontRef idx="minor">
+            <a:schemeClr val="tx1"/>
+          </a:fontRef>
+        </p:style>
+      </p:cxnSp>
+      <p:sp>
+        <p:nvSpPr>
+          <p:cNvPr id="3" name="TextBox 2"/>
+          <p:cNvSpPr txBox="1"/>
+          <p:nvPr/>
+        </p:nvSpPr>
+        <p:spPr>
+          <a:xfrm>
+            <a:off x="8463988" y="2870522"/>
+            <a:ext cx="3608407" cy="2246769"/>
+          </a:xfrm>
+          <a:prstGeom prst="rect">
+            <a:avLst/>
+          </a:prstGeom>
+          <a:noFill/>
+        </p:spPr>
+        <p:txBody>
+          <a:bodyPr wrap="square" rtlCol="0">
+            <a:spAutoFit/>
+          </a:bodyPr>
+          <a:lstStyle/>
+          <a:p>
+            <a:r>
+              <a:rPr lang="en-GB" sz="2800" b="1" dirty="0" smtClean="0">
+                <a:latin typeface="Arial" panose="020B0604020202020204" pitchFamily="34" charset="0"/>
+                <a:cs typeface="Arial" panose="020B0604020202020204" pitchFamily="34" charset="0"/>
+              </a:rPr>
+              <a:t>Our </a:t>
+            </a:r>
+            <a:r>
+              <a:rPr lang="en-GB" sz="2800" b="1" dirty="0">
+                <a:latin typeface="Arial" panose="020B0604020202020204" pitchFamily="34" charset="0"/>
+                <a:cs typeface="Arial" panose="020B0604020202020204" pitchFamily="34" charset="0"/>
+              </a:rPr>
+              <a:t>B</a:t>
+            </a:r>
+            <a:r>
+              <a:rPr lang="en-GB" sz="2800" b="1" dirty="0" smtClean="0">
+                <a:latin typeface="Arial" panose="020B0604020202020204" pitchFamily="34" charset="0"/>
+                <a:cs typeface="Arial" panose="020B0604020202020204" pitchFamily="34" charset="0"/>
+              </a:rPr>
+              <a:t>ayes factor calculation provides “decisive evidence” in favour of model 2</a:t>
+            </a:r>
+            <a:endParaRPr lang="en-GB" sz="2800" b="1" dirty="0">
+              <a:latin typeface="Arial" panose="020B0604020202020204" pitchFamily="34" charset="0"/>
+              <a:cs typeface="Arial" panose="020B0604020202020204" pitchFamily="34" charset="0"/>
+            </a:endParaRPr>
+          </a:p>
+        </p:txBody>
+      </p:sp>
+    </p:spTree>
+    <p:extLst>
+      <p:ext uri="{BB962C8B-B14F-4D97-AF65-F5344CB8AC3E}">
+        <p14:creationId xmlns:p14="http://schemas.microsoft.com/office/powerpoint/2010/main" val="481232940"/>
+      </p:ext>
+    </p:extLst>
+  </p:cSld>
+  <p:clrMapOvr>
+    <a:masterClrMapping/>
+  </p:clrMapOvr>
+  <p:timing>
+    <p:tnLst>
+      <p:par>
+        <p:cTn id="1" dur="indefinite" restart="never" nodeType="tmRoot"/>
+      </p:par>
+    </p:tnLst>
+  </p:timing>
+</p:sld>
+</file>
+
+<file path=ppt/slides/slide18.xml><?xml version="1.0" encoding="utf-8"?>
+<p:sld xmlns:a="http://schemas.openxmlformats.org/drawingml/2006/main" xmlns:r="http://schemas.openxmlformats.org/officeDocument/2006/relationships" xmlns:p="http://schemas.openxmlformats.org/presentationml/2006/main">
+  <p:cSld>
+    <p:spTree>
+      <p:nvGrpSpPr>
+        <p:cNvPr id="1" name=""/>
+        <p:cNvGrpSpPr/>
+        <p:nvPr/>
+      </p:nvGrpSpPr>
+      <p:grpSpPr>
+        <a:xfrm>
+          <a:off x="0" y="0"/>
+          <a:ext cx="0" cy="0"/>
+          <a:chOff x="0" y="0"/>
+          <a:chExt cx="0" cy="0"/>
+        </a:xfrm>
+      </p:grpSpPr>
+      <p:sp>
+        <p:nvSpPr>
+          <p:cNvPr id="2" name="Title 1"/>
+          <p:cNvSpPr>
+            <a:spLocks noGrp="1"/>
+          </p:cNvSpPr>
+          <p:nvPr>
+            <p:ph type="ctrTitle"/>
+          </p:nvPr>
+        </p:nvSpPr>
+        <p:spPr>
+          <a:xfrm>
+            <a:off x="1591519" y="249505"/>
+            <a:ext cx="9144000" cy="641746"/>
+          </a:xfrm>
+        </p:spPr>
+        <p:txBody>
+          <a:bodyPr>
+            <a:normAutofit fontScale="90000"/>
+          </a:bodyPr>
+          <a:lstStyle/>
+          <a:p>
+            <a:pPr algn="ctr"/>
+            <a:r>
+              <a:rPr lang="en-GB" sz="4400" b="1" dirty="0" smtClean="0">
+                <a:solidFill>
+                  <a:srgbClr val="FFFF00"/>
+                </a:solidFill>
+                <a:effectLst/>
+                <a:latin typeface="Arial" panose="020B0604020202020204" pitchFamily="34" charset="0"/>
+                <a:cs typeface="Arial" panose="020B0604020202020204" pitchFamily="34" charset="0"/>
+              </a:rPr>
+              <a:t>Analysing some data: </a:t>
+            </a:r>
+            <a:r>
+              <a:rPr lang="en-GB" sz="4400" b="1" dirty="0" smtClean="0">
+                <a:solidFill>
+                  <a:srgbClr val="FFFF00"/>
+                </a:solidFill>
+                <a:effectLst/>
+                <a:latin typeface="Arial" panose="020B0604020202020204" pitchFamily="34" charset="0"/>
+                <a:cs typeface="Arial" panose="020B0604020202020204" pitchFamily="34" charset="0"/>
+              </a:rPr>
+              <a:t>6</a:t>
+            </a:r>
+            <a:r>
+              <a:rPr lang="en-GB" sz="4400" b="1" dirty="0" smtClean="0">
+                <a:solidFill>
+                  <a:srgbClr val="FFFF00"/>
+                </a:solidFill>
+                <a:effectLst/>
+                <a:latin typeface="Arial" panose="020B0604020202020204" pitchFamily="34" charset="0"/>
+                <a:cs typeface="Arial" panose="020B0604020202020204" pitchFamily="34" charset="0"/>
+              </a:rPr>
+              <a:t/>
             </a:r>
             <a:br>
               <a:rPr lang="en-GB" sz="4400" b="1" dirty="0" smtClean="0">
@@ -8881,6 +9756,17 @@
           <a:p>
             <a:pPr algn="ctr"/>
             <a:r>
+              <a:rPr lang="en-GB" sz="4400" b="1" dirty="0">
+                <a:solidFill>
+                  <a:srgbClr val="FFFF00"/>
+                </a:solidFill>
+                <a:effectLst/>
+                <a:latin typeface="Arial" panose="020B0604020202020204" pitchFamily="34" charset="0"/>
+                <a:cs typeface="Arial" panose="020B0604020202020204" pitchFamily="34" charset="0"/>
+              </a:rPr>
+              <a:t>P</a:t>
+            </a:r>
+            <a:r>
               <a:rPr lang="en-GB" sz="4400" b="1" dirty="0" smtClean="0">
                 <a:solidFill>
                   <a:srgbClr val="FFFF00"/>
@@ -8889,7 +9775,7 @@
                 <a:latin typeface="Arial" panose="020B0604020202020204" pitchFamily="34" charset="0"/>
                 <a:cs typeface="Arial" panose="020B0604020202020204" pitchFamily="34" charset="0"/>
               </a:rPr>
-              <a:t>Overview</a:t>
+              <a:t>reliminaries</a:t>
             </a:r>
             <a:endParaRPr lang="en-GB" sz="4400" b="1" spc="0" dirty="0">
               <a:solidFill>
@@ -8939,9 +9825,32 @@
                 <a:latin typeface="Arial" panose="020B0604020202020204" pitchFamily="34" charset="0"/>
                 <a:cs typeface="Arial" panose="020B0604020202020204" pitchFamily="34" charset="0"/>
               </a:rPr>
-              <a:t>Model fitting</a:t>
-            </a:r>
-            <a:endParaRPr lang="en-GB" b="1" i="1" dirty="0" smtClean="0">
+              <a:t>All the materials for this set of workshops/tutorials are in an open access repository</a:t>
+            </a:r>
+          </a:p>
+          <a:p>
+            <a:pPr algn="l" defTabSz="450850">
+              <a:spcAft>
+                <a:spcPts val="600"/>
+              </a:spcAft>
+            </a:pPr>
+            <a:r>
+              <a:rPr lang="en-GB" b="1" i="1" dirty="0">
+                <a:solidFill>
+                  <a:schemeClr val="tx1"/>
+                </a:solidFill>
+                <a:latin typeface="Arial" panose="020B0604020202020204" pitchFamily="34" charset="0"/>
+                <a:cs typeface="Arial" panose="020B0604020202020204" pitchFamily="34" charset="0"/>
+              </a:rPr>
+              <a:t>	</a:t>
+            </a:r>
+            <a:r>
+              <a:rPr lang="en-GB" sz="2600" b="1" dirty="0">
+                <a:hlinkClick r:id="rId2"/>
+              </a:rPr>
+              <a:t>https://github.com/Alan-Pickering/Bayesian-data-analysis-teaching</a:t>
+            </a:r>
+            <a:endParaRPr lang="en-GB" sz="2600" b="1" i="1" dirty="0" smtClean="0">
               <a:solidFill>
                 <a:schemeClr val="tx2"/>
               </a:solidFill>
@@ -8965,8 +9874,39 @@
                 <a:latin typeface="Arial" panose="020B0604020202020204" pitchFamily="34" charset="0"/>
                 <a:cs typeface="Arial" panose="020B0604020202020204" pitchFamily="34" charset="0"/>
               </a:rPr>
-              <a:t>More on Bayesian </a:t>
-            </a:r>
+              <a:t>You should review the slides for part 1 </a:t>
+            </a:r>
+          </a:p>
+          <a:p>
+            <a:pPr algn="l" defTabSz="450850">
+              <a:spcAft>
+                <a:spcPts val="600"/>
+              </a:spcAft>
+            </a:pPr>
+            <a:r>
+              <a:rPr lang="en-GB" b="1" i="1" dirty="0" smtClean="0">
+                <a:solidFill>
+                  <a:srgbClr val="FFFF00"/>
+                </a:solidFill>
+                <a:latin typeface="Arial" panose="020B0604020202020204" pitchFamily="34" charset="0"/>
+                <a:cs typeface="Arial" panose="020B0604020202020204" pitchFamily="34" charset="0"/>
+              </a:rPr>
+              <a:t>	Bayesian Data Analysis Part 1.pptx</a:t>
+            </a:r>
+            <a:endParaRPr lang="en-GB" b="1" i="1" dirty="0">
+              <a:solidFill>
+                <a:srgbClr val="FFFF00"/>
+              </a:solidFill>
+              <a:latin typeface="Arial" panose="020B0604020202020204" pitchFamily="34" charset="0"/>
+              <a:cs typeface="Arial" panose="020B0604020202020204" pitchFamily="34" charset="0"/>
+            </a:endParaRPr>
+          </a:p>
+          <a:p>
+            <a:pPr marL="450850" indent="-450850" algn="l" defTabSz="450850">
+              <a:spcAft>
+                <a:spcPts val="600"/>
+              </a:spcAft>
+            </a:pPr>
             <a:r>
               <a:rPr lang="en-GB" b="1" dirty="0" smtClean="0">
                 <a:solidFill>
@@ -8975,17 +9915,7 @@
                 <a:latin typeface="Arial" panose="020B0604020202020204" pitchFamily="34" charset="0"/>
                 <a:cs typeface="Arial" panose="020B0604020202020204" pitchFamily="34" charset="0"/>
               </a:rPr>
-              <a:t>Model </a:t>
-            </a:r>
-            <a:r>
-              <a:rPr lang="en-GB" b="1" dirty="0" smtClean="0">
-                <a:solidFill>
-                  <a:schemeClr val="tx1"/>
-                </a:solidFill>
-                <a:latin typeface="Arial" panose="020B0604020202020204" pitchFamily="34" charset="0"/>
-                <a:cs typeface="Arial" panose="020B0604020202020204" pitchFamily="34" charset="0"/>
-              </a:rPr>
-              <a:t>Comparison</a:t>
+              <a:t>	before going through this set of slides (part 2) for the first time.</a:t>
             </a:r>
             <a:endParaRPr lang="en-GB" b="1" dirty="0" smtClean="0">
               <a:solidFill>
@@ -9066,7 +9996,7 @@
                 <a:latin typeface="Arial" panose="020B0604020202020204" pitchFamily="34" charset="0"/>
                 <a:cs typeface="Arial" panose="020B0604020202020204" pitchFamily="34" charset="0"/>
               </a:rPr>
-              <a:t>Uses of Bayes’ Theorem: Part 2</a:t>
+              <a:t>Overview</a:t>
             </a:r>
             <a:endParaRPr lang="en-GB" sz="4400" b="1" spc="0" dirty="0">
               <a:solidFill>
@@ -9091,8 +10021,8 @@
         </p:nvSpPr>
         <p:spPr>
           <a:xfrm>
-            <a:off x="948158" y="1706880"/>
-            <a:ext cx="10499203" cy="4369829"/>
+            <a:off x="536448" y="1377696"/>
+            <a:ext cx="10910913" cy="4699013"/>
           </a:xfrm>
         </p:spPr>
         <p:txBody>
@@ -9101,11 +10031,12 @@
           </a:bodyPr>
           <a:lstStyle/>
           <a:p>
-            <a:pPr marL="514350" indent="-514350" algn="l">
+            <a:pPr marL="457200" indent="-457200" algn="l">
               <a:spcAft>
                 <a:spcPts val="600"/>
               </a:spcAft>
-              <a:buAutoNum type="arabicPeriod"/>
+              <a:buFont typeface="Arial" panose="020B0604020202020204" pitchFamily="34" charset="0"/>
+              <a:buChar char="•"/>
             </a:pPr>
             <a:r>
               <a:rPr lang="en-GB" b="1" dirty="0" smtClean="0">
@@ -9115,120 +10046,41 @@
                 <a:latin typeface="Arial" panose="020B0604020202020204" pitchFamily="34" charset="0"/>
                 <a:cs typeface="Arial" panose="020B0604020202020204" pitchFamily="34" charset="0"/>
               </a:rPr>
-              <a:t>Using </a:t>
-            </a:r>
-            <a:r>
-              <a:rPr lang="en-GB" b="1" dirty="0" smtClean="0">
-                <a:solidFill>
-                  <a:schemeClr val="tx1"/>
-                </a:solidFill>
-                <a:latin typeface="Arial" panose="020B0604020202020204" pitchFamily="34" charset="0"/>
-                <a:cs typeface="Arial" panose="020B0604020202020204" pitchFamily="34" charset="0"/>
-              </a:rPr>
-              <a:t>Bayesian methods to compare the fit of </a:t>
-            </a:r>
-            <a:r>
-              <a:rPr lang="en-GB" b="1" dirty="0" smtClean="0">
-                <a:solidFill>
-                  <a:schemeClr val="tx1"/>
-                </a:solidFill>
-                <a:latin typeface="Arial" panose="020B0604020202020204" pitchFamily="34" charset="0"/>
-                <a:cs typeface="Arial" panose="020B0604020202020204" pitchFamily="34" charset="0"/>
-              </a:rPr>
-              <a:t>models </a:t>
-            </a:r>
-            <a:r>
-              <a:rPr lang="en-GB" b="1" dirty="0" smtClean="0">
-                <a:solidFill>
-                  <a:schemeClr val="tx1"/>
-                </a:solidFill>
-                <a:latin typeface="Arial" panose="020B0604020202020204" pitchFamily="34" charset="0"/>
-                <a:cs typeface="Arial" panose="020B0604020202020204" pitchFamily="34" charset="0"/>
-              </a:rPr>
-              <a:t>to data (Bayesian Model Comparison</a:t>
-            </a:r>
-            <a:r>
-              <a:rPr lang="en-GB" b="1" dirty="0" smtClean="0">
-                <a:solidFill>
-                  <a:schemeClr val="tx1"/>
-                </a:solidFill>
-                <a:latin typeface="Arial" panose="020B0604020202020204" pitchFamily="34" charset="0"/>
-                <a:cs typeface="Arial" panose="020B0604020202020204" pitchFamily="34" charset="0"/>
-              </a:rPr>
-              <a:t>)</a:t>
-            </a:r>
-          </a:p>
-          <a:p>
-            <a:pPr marL="514350" indent="-514350" algn="l">
-              <a:spcAft>
-                <a:spcPts val="600"/>
-              </a:spcAft>
-              <a:buAutoNum type="arabicPeriod"/>
-            </a:pPr>
-            <a:r>
-              <a:rPr lang="en-GB" b="1" dirty="0" smtClean="0">
-                <a:solidFill>
-                  <a:schemeClr val="tx1"/>
-                </a:solidFill>
-                <a:latin typeface="Arial" panose="020B0604020202020204" pitchFamily="34" charset="0"/>
-                <a:cs typeface="Arial" panose="020B0604020202020204" pitchFamily="34" charset="0"/>
-              </a:rPr>
-              <a:t>Use of Maximum Likelihood </a:t>
-            </a:r>
-            <a:r>
-              <a:rPr lang="en-GB" b="1" dirty="0">
-                <a:solidFill>
-                  <a:schemeClr val="tx1"/>
-                </a:solidFill>
-                <a:latin typeface="Arial" panose="020B0604020202020204" pitchFamily="34" charset="0"/>
-                <a:cs typeface="Arial" panose="020B0604020202020204" pitchFamily="34" charset="0"/>
-              </a:rPr>
-              <a:t>E</a:t>
-            </a:r>
-            <a:r>
-              <a:rPr lang="en-GB" b="1" dirty="0" smtClean="0">
-                <a:solidFill>
-                  <a:schemeClr val="tx1"/>
-                </a:solidFill>
-                <a:latin typeface="Arial" panose="020B0604020202020204" pitchFamily="34" charset="0"/>
-                <a:cs typeface="Arial" panose="020B0604020202020204" pitchFamily="34" charset="0"/>
-              </a:rPr>
-              <a:t>stimated models to generate </a:t>
-            </a:r>
-            <a:r>
-              <a:rPr lang="en-GB" b="1" dirty="0">
-                <a:solidFill>
-                  <a:schemeClr val="tx1"/>
-                </a:solidFill>
-                <a:latin typeface="Arial" panose="020B0604020202020204" pitchFamily="34" charset="0"/>
-                <a:cs typeface="Arial" panose="020B0604020202020204" pitchFamily="34" charset="0"/>
-              </a:rPr>
-              <a:t>B</a:t>
-            </a:r>
-            <a:r>
-              <a:rPr lang="en-GB" b="1" dirty="0" smtClean="0">
-                <a:solidFill>
-                  <a:schemeClr val="tx1"/>
-                </a:solidFill>
-                <a:latin typeface="Arial" panose="020B0604020202020204" pitchFamily="34" charset="0"/>
-                <a:cs typeface="Arial" panose="020B0604020202020204" pitchFamily="34" charset="0"/>
-              </a:rPr>
-              <a:t>ayes factors comparing two models</a:t>
-            </a:r>
-            <a:endParaRPr lang="en-GB" b="1" dirty="0" smtClean="0">
+              <a:t>Model fitting</a:t>
+            </a:r>
+            <a:endParaRPr lang="en-GB" b="1" i="1" dirty="0" smtClean="0">
               <a:solidFill>
-                <a:schemeClr val="tx1"/>
+                <a:schemeClr val="tx2"/>
               </a:solidFill>
               <a:latin typeface="Arial" panose="020B0604020202020204" pitchFamily="34" charset="0"/>
               <a:cs typeface="Arial" panose="020B0604020202020204" pitchFamily="34" charset="0"/>
             </a:endParaRPr>
           </a:p>
+          <a:p>
+            <a:pPr marL="457200" indent="-457200" algn="l">
+              <a:spcAft>
+                <a:spcPts val="600"/>
+              </a:spcAft>
+              <a:buFont typeface="Arial" panose="020B0604020202020204" pitchFamily="34" charset="0"/>
+              <a:buChar char="•"/>
+            </a:pPr>
+            <a:r>
+              <a:rPr lang="en-GB" b="1" dirty="0" smtClean="0">
+                <a:solidFill>
+                  <a:schemeClr val="tx1"/>
+                </a:solidFill>
+                <a:latin typeface="Arial" panose="020B0604020202020204" pitchFamily="34" charset="0"/>
+                <a:cs typeface="Arial" panose="020B0604020202020204" pitchFamily="34" charset="0"/>
+              </a:rPr>
+              <a:t>More on Bayesian Model Comparison</a:t>
+            </a:r>
+          </a:p>
         </p:txBody>
       </p:sp>
     </p:spTree>
     <p:extLst>
       <p:ext uri="{BB962C8B-B14F-4D97-AF65-F5344CB8AC3E}">
-        <p14:creationId xmlns:p14="http://schemas.microsoft.com/office/powerpoint/2010/main" val="2455215284"/>
+        <p14:creationId xmlns:p14="http://schemas.microsoft.com/office/powerpoint/2010/main" val="193304295"/>
       </p:ext>
     </p:extLst>
   </p:cSld>
@@ -9274,8 +10126,8 @@
         </p:nvSpPr>
         <p:spPr>
           <a:xfrm>
-            <a:off x="1625759" y="303057"/>
-            <a:ext cx="9144000" cy="1281903"/>
+            <a:off x="1654214" y="598083"/>
+            <a:ext cx="9144000" cy="1641490"/>
           </a:xfrm>
         </p:spPr>
         <p:txBody>
@@ -9294,7 +10146,7 @@
                 <a:latin typeface="Arial" panose="020B0604020202020204" pitchFamily="34" charset="0"/>
                 <a:cs typeface="Arial" panose="020B0604020202020204" pitchFamily="34" charset="0"/>
               </a:rPr>
-              <a:t>Bayesian Model Comparison</a:t>
+              <a:t>Uses of Bayes’ Theorem: Part 2</a:t>
             </a:r>
             <a:endParaRPr lang="en-GB" sz="4400" b="1" spc="0" dirty="0">
               <a:solidFill>
@@ -9319,8 +10171,8 @@
         </p:nvSpPr>
         <p:spPr>
           <a:xfrm>
-            <a:off x="948157" y="1261795"/>
-            <a:ext cx="10499203" cy="4132162"/>
+            <a:off x="948158" y="1706880"/>
+            <a:ext cx="10499203" cy="4369829"/>
           </a:xfrm>
         </p:spPr>
         <p:txBody>
@@ -9329,12 +10181,11 @@
           </a:bodyPr>
           <a:lstStyle/>
           <a:p>
-            <a:pPr marL="457200" indent="-457200" algn="l">
+            <a:pPr marL="514350" indent="-514350" algn="l">
               <a:spcAft>
                 <a:spcPts val="600"/>
               </a:spcAft>
-              <a:buFont typeface="Arial" panose="020B0604020202020204" pitchFamily="34" charset="0"/>
-              <a:buChar char="•"/>
+              <a:buAutoNum type="arabicPeriod"/>
             </a:pPr>
             <a:r>
               <a:rPr lang="en-GB" b="1" dirty="0" smtClean="0">
@@ -9344,16 +10195,35 @@
                 <a:latin typeface="Arial" panose="020B0604020202020204" pitchFamily="34" charset="0"/>
                 <a:cs typeface="Arial" panose="020B0604020202020204" pitchFamily="34" charset="0"/>
               </a:rPr>
-              <a:t>Uses Bayesian methods to evaluate the fit of a model to the data, in comparison to the fit of a rival model</a:t>
-            </a:r>
-          </a:p>
-          <a:p>
-            <a:pPr marL="457200" indent="-457200" algn="l">
+              <a:t>Using Bayesian methods to </a:t>
+            </a:r>
+            <a:r>
+              <a:rPr lang="en-GB" b="1" dirty="0" smtClean="0">
+                <a:solidFill>
+                  <a:schemeClr val="tx1"/>
+                </a:solidFill>
+                <a:latin typeface="Arial" panose="020B0604020202020204" pitchFamily="34" charset="0"/>
+                <a:cs typeface="Arial" panose="020B0604020202020204" pitchFamily="34" charset="0"/>
+              </a:rPr>
+              <a:t>evaluate </a:t>
+            </a:r>
+            <a:r>
+              <a:rPr lang="en-GB" b="1" dirty="0" smtClean="0">
+                <a:solidFill>
+                  <a:schemeClr val="tx1"/>
+                </a:solidFill>
+                <a:latin typeface="Arial" panose="020B0604020202020204" pitchFamily="34" charset="0"/>
+                <a:cs typeface="Arial" panose="020B0604020202020204" pitchFamily="34" charset="0"/>
+              </a:rPr>
+              <a:t>the fit of models to data (Bayesian Model Comparison)</a:t>
+            </a:r>
+          </a:p>
+          <a:p>
+            <a:pPr marL="514350" indent="-514350" algn="l">
               <a:spcAft>
                 <a:spcPts val="600"/>
               </a:spcAft>
-              <a:buFont typeface="Arial" panose="020B0604020202020204" pitchFamily="34" charset="0"/>
-              <a:buChar char="•"/>
+              <a:buAutoNum type="arabicPeriod"/>
             </a:pPr>
             <a:r>
               <a:rPr lang="en-GB" b="1" dirty="0" smtClean="0">
@@ -9363,7 +10233,7 @@
                 <a:latin typeface="Arial" panose="020B0604020202020204" pitchFamily="34" charset="0"/>
                 <a:cs typeface="Arial" panose="020B0604020202020204" pitchFamily="34" charset="0"/>
               </a:rPr>
-              <a:t>There are several methods for doing this. We’ll show how to use the Bayesian Information Criterion (BIC) and </a:t>
+              <a:t>Use of Maximum Likelihood </a:t>
             </a:r>
             <a:r>
               <a:rPr lang="en-GB" b="1" dirty="0">
@@ -9373,6 +10243,26 @@
                 <a:latin typeface="Arial" panose="020B0604020202020204" pitchFamily="34" charset="0"/>
                 <a:cs typeface="Arial" panose="020B0604020202020204" pitchFamily="34" charset="0"/>
               </a:rPr>
+              <a:t>E</a:t>
+            </a:r>
+            <a:r>
+              <a:rPr lang="en-GB" b="1" dirty="0" smtClean="0">
+                <a:solidFill>
+                  <a:schemeClr val="tx1"/>
+                </a:solidFill>
+                <a:latin typeface="Arial" panose="020B0604020202020204" pitchFamily="34" charset="0"/>
+                <a:cs typeface="Arial" panose="020B0604020202020204" pitchFamily="34" charset="0"/>
+              </a:rPr>
+              <a:t>stimated models to generate </a:t>
+            </a:r>
+            <a:r>
+              <a:rPr lang="en-GB" b="1" dirty="0">
+                <a:solidFill>
+                  <a:schemeClr val="tx1"/>
+                </a:solidFill>
+                <a:latin typeface="Arial" panose="020B0604020202020204" pitchFamily="34" charset="0"/>
+                <a:cs typeface="Arial" panose="020B0604020202020204" pitchFamily="34" charset="0"/>
+              </a:rPr>
               <a:t>B</a:t>
             </a:r>
             <a:r>
@@ -9383,66 +10273,15 @@
                 <a:latin typeface="Arial" panose="020B0604020202020204" pitchFamily="34" charset="0"/>
                 <a:cs typeface="Arial" panose="020B0604020202020204" pitchFamily="34" charset="0"/>
               </a:rPr>
-              <a:t>ayes Factors</a:t>
-            </a:r>
-          </a:p>
-          <a:p>
-            <a:pPr marL="457200" indent="-457200" algn="l">
-              <a:spcAft>
-                <a:spcPts val="600"/>
-              </a:spcAft>
-              <a:buFont typeface="Arial" panose="020B0604020202020204" pitchFamily="34" charset="0"/>
-              <a:buChar char="•"/>
-            </a:pPr>
-            <a:r>
-              <a:rPr lang="en-GB" b="1" dirty="0" smtClean="0">
-                <a:solidFill>
-                  <a:schemeClr val="tx1"/>
-                </a:solidFill>
-                <a:latin typeface="Arial" panose="020B0604020202020204" pitchFamily="34" charset="0"/>
-                <a:cs typeface="Arial" panose="020B0604020202020204" pitchFamily="34" charset="0"/>
-              </a:rPr>
-              <a:t>You do this in Bayesian statistical tests (comparing alternative vs. null hypothesis)</a:t>
-            </a:r>
-          </a:p>
-          <a:p>
-            <a:pPr marL="457200" indent="-457200" algn="l">
-              <a:spcAft>
-                <a:spcPts val="600"/>
-              </a:spcAft>
-              <a:buFont typeface="Arial" panose="020B0604020202020204" pitchFamily="34" charset="0"/>
-              <a:buChar char="•"/>
-            </a:pPr>
-            <a:endParaRPr lang="en-GB" b="1" dirty="0" smtClean="0">
-              <a:solidFill>
-                <a:schemeClr val="tx1"/>
-              </a:solidFill>
-              <a:latin typeface="Arial" panose="020B0604020202020204" pitchFamily="34" charset="0"/>
-              <a:cs typeface="Arial" panose="020B0604020202020204" pitchFamily="34" charset="0"/>
-            </a:endParaRPr>
-          </a:p>
-          <a:p>
-            <a:pPr marL="457200" indent="-457200" algn="l">
-              <a:spcAft>
-                <a:spcPts val="600"/>
-              </a:spcAft>
-              <a:buFont typeface="Arial" panose="020B0604020202020204" pitchFamily="34" charset="0"/>
-              <a:buChar char="•"/>
-            </a:pPr>
-            <a:endParaRPr lang="en-GB" dirty="0" smtClean="0">
-              <a:solidFill>
-                <a:schemeClr val="tx1"/>
-              </a:solidFill>
-              <a:latin typeface="Arial" panose="020B0604020202020204" pitchFamily="34" charset="0"/>
-              <a:cs typeface="Arial" panose="020B0604020202020204" pitchFamily="34" charset="0"/>
-            </a:endParaRPr>
+              <a:t>ayes factors comparing two models</a:t>
+            </a:r>
           </a:p>
         </p:txBody>
       </p:sp>
     </p:spTree>
     <p:extLst>
       <p:ext uri="{BB962C8B-B14F-4D97-AF65-F5344CB8AC3E}">
-        <p14:creationId xmlns:p14="http://schemas.microsoft.com/office/powerpoint/2010/main" val="3300498760"/>
+        <p14:creationId xmlns:p14="http://schemas.microsoft.com/office/powerpoint/2010/main" val="2455215284"/>
       </p:ext>
     </p:extLst>
   </p:cSld>
@@ -9488,6 +10327,248 @@
         </p:nvSpPr>
         <p:spPr>
           <a:xfrm>
+            <a:off x="1625759" y="303057"/>
+            <a:ext cx="9144000" cy="1281903"/>
+          </a:xfrm>
+        </p:spPr>
+        <p:txBody>
+          <a:bodyPr>
+            <a:normAutofit/>
+          </a:bodyPr>
+          <a:lstStyle/>
+          <a:p>
+            <a:pPr algn="ctr"/>
+            <a:r>
+              <a:rPr lang="en-GB" sz="4400" b="1" dirty="0" smtClean="0">
+                <a:solidFill>
+                  <a:srgbClr val="FFFF00"/>
+                </a:solidFill>
+                <a:effectLst/>
+                <a:latin typeface="Arial" panose="020B0604020202020204" pitchFamily="34" charset="0"/>
+                <a:cs typeface="Arial" panose="020B0604020202020204" pitchFamily="34" charset="0"/>
+              </a:rPr>
+              <a:t>Bayesian Model Comparison</a:t>
+            </a:r>
+            <a:endParaRPr lang="en-GB" sz="4400" b="1" spc="0" dirty="0">
+              <a:solidFill>
+                <a:srgbClr val="FFFF00"/>
+              </a:solidFill>
+              <a:effectLst/>
+              <a:latin typeface="Arial" panose="020B0604020202020204" pitchFamily="34" charset="0"/>
+              <a:cs typeface="Arial" panose="020B0604020202020204" pitchFamily="34" charset="0"/>
+            </a:endParaRPr>
+          </a:p>
+        </p:txBody>
+      </p:sp>
+      <p:sp>
+        <p:nvSpPr>
+          <p:cNvPr id="3" name="Subtitle 2"/>
+          <p:cNvSpPr>
+            <a:spLocks noGrp="1"/>
+          </p:cNvSpPr>
+          <p:nvPr>
+            <p:ph type="subTitle" idx="1"/>
+          </p:nvPr>
+        </p:nvSpPr>
+        <p:spPr>
+          <a:xfrm>
+            <a:off x="948157" y="1261795"/>
+            <a:ext cx="10499203" cy="4132162"/>
+          </a:xfrm>
+        </p:spPr>
+        <p:txBody>
+          <a:bodyPr anchor="t">
+            <a:noAutofit/>
+          </a:bodyPr>
+          <a:lstStyle/>
+          <a:p>
+            <a:pPr marL="457200" indent="-457200" algn="l">
+              <a:spcAft>
+                <a:spcPts val="600"/>
+              </a:spcAft>
+              <a:buFont typeface="Arial" panose="020B0604020202020204" pitchFamily="34" charset="0"/>
+              <a:buChar char="•"/>
+            </a:pPr>
+            <a:r>
+              <a:rPr lang="en-GB" b="1" dirty="0" smtClean="0">
+                <a:solidFill>
+                  <a:schemeClr val="tx1"/>
+                </a:solidFill>
+                <a:latin typeface="Arial" panose="020B0604020202020204" pitchFamily="34" charset="0"/>
+                <a:cs typeface="Arial" panose="020B0604020202020204" pitchFamily="34" charset="0"/>
+              </a:rPr>
+              <a:t>Uses Bayesian methods to evaluate the fit of a model to the data, in comparison to the fit of a rival model</a:t>
+            </a:r>
+          </a:p>
+          <a:p>
+            <a:pPr marL="457200" indent="-457200" algn="l">
+              <a:spcAft>
+                <a:spcPts val="600"/>
+              </a:spcAft>
+              <a:buFont typeface="Arial" panose="020B0604020202020204" pitchFamily="34" charset="0"/>
+              <a:buChar char="•"/>
+            </a:pPr>
+            <a:r>
+              <a:rPr lang="en-GB" b="1" dirty="0" smtClean="0">
+                <a:solidFill>
+                  <a:schemeClr val="tx1"/>
+                </a:solidFill>
+                <a:latin typeface="Arial" panose="020B0604020202020204" pitchFamily="34" charset="0"/>
+                <a:cs typeface="Arial" panose="020B0604020202020204" pitchFamily="34" charset="0"/>
+              </a:rPr>
+              <a:t>There are several methods for doing this. We’ll show how to use the Bayesian Information Criterion (BIC) and </a:t>
+            </a:r>
+            <a:r>
+              <a:rPr lang="en-GB" b="1" dirty="0">
+                <a:solidFill>
+                  <a:schemeClr val="tx1"/>
+                </a:solidFill>
+                <a:latin typeface="Arial" panose="020B0604020202020204" pitchFamily="34" charset="0"/>
+                <a:cs typeface="Arial" panose="020B0604020202020204" pitchFamily="34" charset="0"/>
+              </a:rPr>
+              <a:t>B</a:t>
+            </a:r>
+            <a:r>
+              <a:rPr lang="en-GB" b="1" dirty="0" smtClean="0">
+                <a:solidFill>
+                  <a:schemeClr val="tx1"/>
+                </a:solidFill>
+                <a:latin typeface="Arial" panose="020B0604020202020204" pitchFamily="34" charset="0"/>
+                <a:cs typeface="Arial" panose="020B0604020202020204" pitchFamily="34" charset="0"/>
+              </a:rPr>
+              <a:t>ayes Factors</a:t>
+            </a:r>
+          </a:p>
+          <a:p>
+            <a:pPr marL="457200" indent="-457200" algn="l">
+              <a:spcAft>
+                <a:spcPts val="600"/>
+              </a:spcAft>
+              <a:buFont typeface="Arial" panose="020B0604020202020204" pitchFamily="34" charset="0"/>
+              <a:buChar char="•"/>
+            </a:pPr>
+            <a:r>
+              <a:rPr lang="en-GB" b="1" dirty="0" smtClean="0">
+                <a:solidFill>
+                  <a:schemeClr val="tx1"/>
+                </a:solidFill>
+                <a:latin typeface="Arial" panose="020B0604020202020204" pitchFamily="34" charset="0"/>
+                <a:cs typeface="Arial" panose="020B0604020202020204" pitchFamily="34" charset="0"/>
+              </a:rPr>
+              <a:t>You </a:t>
+            </a:r>
+            <a:r>
+              <a:rPr lang="en-GB" b="1" dirty="0" smtClean="0">
+                <a:solidFill>
+                  <a:schemeClr val="tx1"/>
+                </a:solidFill>
+                <a:latin typeface="Arial" panose="020B0604020202020204" pitchFamily="34" charset="0"/>
+                <a:cs typeface="Arial" panose="020B0604020202020204" pitchFamily="34" charset="0"/>
+              </a:rPr>
+              <a:t>use this process when executing</a:t>
+            </a:r>
+            <a:r>
+              <a:rPr lang="en-GB" b="1" dirty="0" smtClean="0">
+                <a:solidFill>
+                  <a:schemeClr val="tx1"/>
+                </a:solidFill>
+                <a:latin typeface="Arial" panose="020B0604020202020204" pitchFamily="34" charset="0"/>
+                <a:cs typeface="Arial" panose="020B0604020202020204" pitchFamily="34" charset="0"/>
+              </a:rPr>
+              <a:t> </a:t>
+            </a:r>
+            <a:r>
+              <a:rPr lang="en-GB" b="1" dirty="0" smtClean="0">
+                <a:solidFill>
+                  <a:schemeClr val="tx1"/>
+                </a:solidFill>
+                <a:latin typeface="Arial" panose="020B0604020202020204" pitchFamily="34" charset="0"/>
+                <a:cs typeface="Arial" panose="020B0604020202020204" pitchFamily="34" charset="0"/>
+              </a:rPr>
+              <a:t>Bayesian statistical tests (comparing alternative vs. null hypothesis)</a:t>
+            </a:r>
+          </a:p>
+          <a:p>
+            <a:pPr algn="l">
+              <a:spcAft>
+                <a:spcPts val="600"/>
+              </a:spcAft>
+            </a:pPr>
+            <a:endParaRPr lang="en-GB" b="1" dirty="0" smtClean="0">
+              <a:solidFill>
+                <a:schemeClr val="tx1"/>
+              </a:solidFill>
+              <a:latin typeface="Arial" panose="020B0604020202020204" pitchFamily="34" charset="0"/>
+              <a:cs typeface="Arial" panose="020B0604020202020204" pitchFamily="34" charset="0"/>
+            </a:endParaRPr>
+          </a:p>
+          <a:p>
+            <a:pPr marL="457200" indent="-457200" algn="l">
+              <a:spcAft>
+                <a:spcPts val="600"/>
+              </a:spcAft>
+              <a:buFont typeface="Arial" panose="020B0604020202020204" pitchFamily="34" charset="0"/>
+              <a:buChar char="•"/>
+            </a:pPr>
+            <a:endParaRPr lang="en-GB" dirty="0" smtClean="0">
+              <a:solidFill>
+                <a:schemeClr val="tx1"/>
+              </a:solidFill>
+              <a:latin typeface="Arial" panose="020B0604020202020204" pitchFamily="34" charset="0"/>
+              <a:cs typeface="Arial" panose="020B0604020202020204" pitchFamily="34" charset="0"/>
+            </a:endParaRPr>
+          </a:p>
+        </p:txBody>
+      </p:sp>
+    </p:spTree>
+    <p:extLst>
+      <p:ext uri="{BB962C8B-B14F-4D97-AF65-F5344CB8AC3E}">
+        <p14:creationId xmlns:p14="http://schemas.microsoft.com/office/powerpoint/2010/main" val="3300498760"/>
+      </p:ext>
+    </p:extLst>
+  </p:cSld>
+  <p:clrMapOvr>
+    <a:masterClrMapping/>
+  </p:clrMapOvr>
+  <p:timing>
+    <p:tnLst>
+      <p:par>
+        <p:cTn id="1" dur="indefinite" restart="never" nodeType="tmRoot"/>
+      </p:par>
+    </p:tnLst>
+  </p:timing>
+</p:sld>
+</file>
+
+<file path=ppt/slides/slide6.xml><?xml version="1.0" encoding="utf-8"?>
+<p:sld xmlns:a="http://schemas.openxmlformats.org/drawingml/2006/main" xmlns:r="http://schemas.openxmlformats.org/officeDocument/2006/relationships" xmlns:p="http://schemas.openxmlformats.org/presentationml/2006/main">
+  <p:cSld>
+    <p:spTree>
+      <p:nvGrpSpPr>
+        <p:cNvPr id="1" name=""/>
+        <p:cNvGrpSpPr/>
+        <p:nvPr/>
+      </p:nvGrpSpPr>
+      <p:grpSpPr>
+        <a:xfrm>
+          <a:off x="0" y="0"/>
+          <a:ext cx="0" cy="0"/>
+          <a:chOff x="0" y="0"/>
+          <a:chExt cx="0" cy="0"/>
+        </a:xfrm>
+      </p:grpSpPr>
+      <p:sp>
+        <p:nvSpPr>
+          <p:cNvPr id="2" name="Title 1"/>
+          <p:cNvSpPr>
+            <a:spLocks noGrp="1"/>
+          </p:cNvSpPr>
+          <p:nvPr>
+            <p:ph type="ctrTitle"/>
+          </p:nvPr>
+        </p:nvSpPr>
+        <p:spPr>
+          <a:xfrm>
             <a:off x="1625758" y="110608"/>
             <a:ext cx="9144000" cy="826941"/>
           </a:xfrm>
@@ -9508,29 +10589,7 @@
                 <a:latin typeface="Arial" panose="020B0604020202020204" pitchFamily="34" charset="0"/>
                 <a:cs typeface="Arial" panose="020B0604020202020204" pitchFamily="34" charset="0"/>
               </a:rPr>
-              <a:t>How do we fit </a:t>
-            </a:r>
-            <a:r>
-              <a:rPr lang="en-GB" sz="4400" b="1" dirty="0" smtClean="0">
-                <a:solidFill>
-                  <a:srgbClr val="FFFF00"/>
-                </a:solidFill>
-                <a:effectLst/>
-                <a:latin typeface="Arial" panose="020B0604020202020204" pitchFamily="34" charset="0"/>
-                <a:cs typeface="Arial" panose="020B0604020202020204" pitchFamily="34" charset="0"/>
-              </a:rPr>
-              <a:t>a </a:t>
-            </a:r>
-            <a:r>
-              <a:rPr lang="en-GB" sz="4400" b="1" dirty="0" smtClean="0">
-                <a:solidFill>
-                  <a:srgbClr val="FFFF00"/>
-                </a:solidFill>
-                <a:effectLst/>
-                <a:latin typeface="Arial" panose="020B0604020202020204" pitchFamily="34" charset="0"/>
-                <a:cs typeface="Arial" panose="020B0604020202020204" pitchFamily="34" charset="0"/>
-              </a:rPr>
-              <a:t>model to the data?</a:t>
+              <a:t>How do we fit a model to the data?</a:t>
             </a:r>
             <a:br>
               <a:rPr lang="en-GB" sz="4400" b="1" dirty="0" smtClean="0">
@@ -9585,7 +10644,7 @@
             <p:spPr>
               <a:xfrm>
                 <a:off x="1041720" y="937549"/>
-                <a:ext cx="10556111" cy="5058308"/>
+                <a:ext cx="10556111" cy="5550750"/>
               </a:xfrm>
               <a:prstGeom prst="rect">
                 <a:avLst/>
@@ -9809,36 +10868,38 @@
                     <a:latin typeface="Arial" panose="020B0604020202020204" pitchFamily="34" charset="0"/>
                     <a:cs typeface="Arial" panose="020B0604020202020204" pitchFamily="34" charset="0"/>
                   </a:rPr>
-                  <a:t>MLE </a:t>
+                  <a:t>MLE is usually done using standard iterative fitting/optimisation routines but for an example where it can be computed directly see the tutorial </a:t>
                 </a:r>
                 <a:r>
                   <a:rPr lang="en-GB" sz="3200" b="1" dirty="0" smtClean="0">
                     <a:latin typeface="Arial" panose="020B0604020202020204" pitchFamily="34" charset="0"/>
                     <a:cs typeface="Arial" panose="020B0604020202020204" pitchFamily="34" charset="0"/>
                   </a:rPr>
-                  <a:t>is </a:t>
+                  <a:t>file in the </a:t>
+                </a:r>
+                <a:r>
+                  <a:rPr lang="en-GB" sz="3200" b="1" dirty="0" err="1" smtClean="0">
+                    <a:latin typeface="Arial" panose="020B0604020202020204" pitchFamily="34" charset="0"/>
+                    <a:cs typeface="Arial" panose="020B0604020202020204" pitchFamily="34" charset="0"/>
+                  </a:rPr>
+                  <a:t>Github</a:t>
                 </a:r>
                 <a:r>
                   <a:rPr lang="en-GB" sz="3200" b="1" dirty="0" smtClean="0">
                     <a:latin typeface="Arial" panose="020B0604020202020204" pitchFamily="34" charset="0"/>
                     <a:cs typeface="Arial" panose="020B0604020202020204" pitchFamily="34" charset="0"/>
                   </a:rPr>
-                  <a:t>usually done </a:t>
+                  <a:t> repository: </a:t>
                 </a:r>
-                <a:r>
-                  <a:rPr lang="en-GB" sz="3200" b="1" dirty="0" smtClean="0">
-                    <a:latin typeface="Arial" panose="020B0604020202020204" pitchFamily="34" charset="0"/>
-                    <a:cs typeface="Arial" panose="020B0604020202020204" pitchFamily="34" charset="0"/>
-                  </a:rPr>
-                  <a:t>using standard iterative fitting/optimisation </a:t>
-                </a:r>
-                <a:r>
-                  <a:rPr lang="en-GB" sz="3200" b="1" dirty="0" smtClean="0">
-                    <a:latin typeface="Arial" panose="020B0604020202020204" pitchFamily="34" charset="0"/>
-                    <a:cs typeface="Arial" panose="020B0604020202020204" pitchFamily="34" charset="0"/>
-                  </a:rPr>
-                  <a:t>routines but for an example where it can be computed directly see the tutorial file: </a:t>
-                </a:r>
+                <a:endParaRPr lang="en-GB" sz="3200" b="1" i="1" dirty="0">
+                  <a:solidFill>
+                    <a:srgbClr val="FFFF00"/>
+                  </a:solidFill>
+                  <a:latin typeface="Arial" panose="020B0604020202020204" pitchFamily="34" charset="0"/>
+                  <a:cs typeface="Arial" panose="020B0604020202020204" pitchFamily="34" charset="0"/>
+                </a:endParaRPr>
+              </a:p>
+              <a:p>
                 <a:r>
                   <a:rPr lang="en-GB" sz="3200" b="1" i="1" dirty="0">
                     <a:solidFill>
@@ -9857,7 +10918,17 @@
                     <a:latin typeface="Arial" panose="020B0604020202020204" pitchFamily="34" charset="0"/>
                     <a:cs typeface="Arial" panose="020B0604020202020204" pitchFamily="34" charset="0"/>
                   </a:rPr>
-                  <a:t>maximum likelihood estimation.pdf</a:t>
+                  <a:t>maximum </a:t>
+                </a:r>
+                <a:r>
+                  <a:rPr lang="en-GB" sz="3200" b="1" i="1" dirty="0" smtClean="0">
+                    <a:solidFill>
+                      <a:srgbClr val="FFFF00"/>
+                    </a:solidFill>
+                    <a:latin typeface="Arial" panose="020B0604020202020204" pitchFamily="34" charset="0"/>
+                    <a:cs typeface="Arial" panose="020B0604020202020204" pitchFamily="34" charset="0"/>
+                  </a:rPr>
+                  <a:t>likelihood estimation.pdf</a:t>
                 </a:r>
               </a:p>
             </p:txBody>
@@ -9875,7 +10946,7 @@
             <p:spPr>
               <a:xfrm>
                 <a:off x="1041720" y="937549"/>
-                <a:ext cx="10556111" cy="5058308"/>
+                <a:ext cx="10556111" cy="5550750"/>
               </a:xfrm>
               <a:prstGeom prst="rect">
                 <a:avLst/>
@@ -9883,7 +10954,7 @@
               <a:blipFill rotWithShape="0">
                 <a:blip r:embed="rId2"/>
                 <a:stretch>
-                  <a:fillRect l="-1328" t="-1205" b="-3012"/>
+                  <a:fillRect l="-1328" t="-1099" b="-2747"/>
                 </a:stretch>
               </a:blipFill>
             </p:spPr>
@@ -9922,7 +10993,7 @@
 </p:sld>
 </file>
 
-<file path=ppt/slides/slide6.xml><?xml version="1.0" encoding="utf-8"?>
+<file path=ppt/slides/slide7.xml><?xml version="1.0" encoding="utf-8"?>
 <p:sld xmlns:a="http://schemas.openxmlformats.org/drawingml/2006/main" xmlns:r="http://schemas.openxmlformats.org/officeDocument/2006/relationships" xmlns:p="http://schemas.openxmlformats.org/presentationml/2006/main">
   <p:cSld>
     <p:spTree>
@@ -10076,45 +11147,8 @@
                 <a:latin typeface="Arial" panose="020B0604020202020204" pitchFamily="34" charset="0"/>
                 <a:cs typeface="Arial" panose="020B0604020202020204" pitchFamily="34" charset="0"/>
               </a:rPr>
-              <a:t>These are data </a:t>
-            </a:r>
-            <a:r>
-              <a:rPr lang="en-GB" b="1" dirty="0" smtClean="0">
-                <a:solidFill>
-                  <a:schemeClr val="tx1"/>
-                </a:solidFill>
-                <a:latin typeface="Arial" panose="020B0604020202020204" pitchFamily="34" charset="0"/>
-                <a:cs typeface="Arial" panose="020B0604020202020204" pitchFamily="34" charset="0"/>
-              </a:rPr>
-              <a:t>from 100 </a:t>
-            </a:r>
-            <a:r>
-              <a:rPr lang="en-GB" b="1" dirty="0" smtClean="0">
-                <a:solidFill>
-                  <a:schemeClr val="tx1"/>
-                </a:solidFill>
-                <a:latin typeface="Arial" panose="020B0604020202020204" pitchFamily="34" charset="0"/>
-                <a:cs typeface="Arial" panose="020B0604020202020204" pitchFamily="34" charset="0"/>
-              </a:rPr>
-              <a:t>left-handed throws at a </a:t>
-            </a:r>
-            <a:r>
-              <a:rPr lang="en-GB" b="1" dirty="0" smtClean="0">
-                <a:solidFill>
-                  <a:schemeClr val="tx1"/>
-                </a:solidFill>
-                <a:latin typeface="Arial" panose="020B0604020202020204" pitchFamily="34" charset="0"/>
-                <a:cs typeface="Arial" panose="020B0604020202020204" pitchFamily="34" charset="0"/>
-              </a:rPr>
-              <a:t>dartboard, coded as to whether they hit anywhere on the scoring part of the board</a:t>
-            </a:r>
-            <a:endParaRPr lang="en-GB" b="1" dirty="0" smtClean="0">
-              <a:solidFill>
-                <a:schemeClr val="tx1"/>
-              </a:solidFill>
-              <a:latin typeface="Arial" panose="020B0604020202020204" pitchFamily="34" charset="0"/>
-              <a:cs typeface="Arial" panose="020B0604020202020204" pitchFamily="34" charset="0"/>
-            </a:endParaRPr>
+              <a:t>These are data from 100 left-handed throws at a dartboard, coded as to whether they hit anywhere on the scoring part of the board</a:t>
+            </a:r>
           </a:p>
           <a:p>
             <a:pPr marL="457200" indent="-457200" algn="l">
@@ -10455,25 +11489,8 @@
                 <a:latin typeface="Arial" panose="020B0604020202020204" pitchFamily="34" charset="0"/>
                 <a:cs typeface="Arial" panose="020B0604020202020204" pitchFamily="34" charset="0"/>
               </a:rPr>
-              <a:t>which captures the probability of my hitting the </a:t>
-            </a:r>
-            <a:r>
-              <a:rPr lang="en-GB" b="1" dirty="0" smtClean="0">
-                <a:solidFill>
-                  <a:schemeClr val="tx1"/>
-                </a:solidFill>
-                <a:latin typeface="Arial" panose="020B0604020202020204" pitchFamily="34" charset="0"/>
-                <a:cs typeface="Arial" panose="020B0604020202020204" pitchFamily="34" charset="0"/>
-              </a:rPr>
-              <a:t>board with left-handed throws (I am right-handed)</a:t>
-            </a:r>
-            <a:endParaRPr lang="en-GB" b="1" dirty="0" smtClean="0">
-              <a:solidFill>
-                <a:schemeClr val="tx1"/>
-              </a:solidFill>
-              <a:latin typeface="Arial" panose="020B0604020202020204" pitchFamily="34" charset="0"/>
-              <a:cs typeface="Arial" panose="020B0604020202020204" pitchFamily="34" charset="0"/>
-            </a:endParaRPr>
+              <a:t>which captures the probability of my hitting the board with left-handed throws (I am right-handed)</a:t>
+            </a:r>
           </a:p>
           <a:p>
             <a:pPr marL="457200" indent="-457200" algn="l">
@@ -10513,7 +11530,7 @@
 </p:sld>
 </file>
 
-<file path=ppt/slides/slide7.xml><?xml version="1.0" encoding="utf-8"?>
+<file path=ppt/slides/slide8.xml><?xml version="1.0" encoding="utf-8"?>
 <p:sld xmlns:a="http://schemas.openxmlformats.org/drawingml/2006/main" xmlns:r="http://schemas.openxmlformats.org/officeDocument/2006/relationships" xmlns:p="http://schemas.openxmlformats.org/presentationml/2006/main">
   <p:cSld>
     <p:spTree>
@@ -10737,7 +11754,7 @@
 </p:sld>
 </file>
 
-<file path=ppt/slides/slide8.xml><?xml version="1.0" encoding="utf-8"?>
+<file path=ppt/slides/slide9.xml><?xml version="1.0" encoding="utf-8"?>
 <p:sld xmlns:a="http://schemas.openxmlformats.org/drawingml/2006/main" xmlns:r="http://schemas.openxmlformats.org/officeDocument/2006/relationships" xmlns:p="http://schemas.openxmlformats.org/presentationml/2006/main">
   <p:cSld>
     <p:spTree>
@@ -11380,290 +12397,6 @@
             </p:seq>
           </p:childTnLst>
         </p:cTn>
-      </p:par>
-    </p:tnLst>
-  </p:timing>
-</p:sld>
-</file>
-
-<file path=ppt/slides/slide9.xml><?xml version="1.0" encoding="utf-8"?>
-<p:sld xmlns:a="http://schemas.openxmlformats.org/drawingml/2006/main" xmlns:r="http://schemas.openxmlformats.org/officeDocument/2006/relationships" xmlns:p="http://schemas.openxmlformats.org/presentationml/2006/main">
-  <p:cSld>
-    <p:spTree>
-      <p:nvGrpSpPr>
-        <p:cNvPr id="1" name=""/>
-        <p:cNvGrpSpPr/>
-        <p:nvPr/>
-      </p:nvGrpSpPr>
-      <p:grpSpPr>
-        <a:xfrm>
-          <a:off x="0" y="0"/>
-          <a:ext cx="0" cy="0"/>
-          <a:chOff x="0" y="0"/>
-          <a:chExt cx="0" cy="0"/>
-        </a:xfrm>
-      </p:grpSpPr>
-      <p:sp>
-        <p:nvSpPr>
-          <p:cNvPr id="2" name="Title 1"/>
-          <p:cNvSpPr>
-            <a:spLocks noGrp="1"/>
-          </p:cNvSpPr>
-          <p:nvPr>
-            <p:ph type="ctrTitle"/>
-          </p:nvPr>
-        </p:nvSpPr>
-        <p:spPr>
-          <a:xfrm>
-            <a:off x="1625758" y="388401"/>
-            <a:ext cx="9144000" cy="1281903"/>
-          </a:xfrm>
-        </p:spPr>
-        <p:txBody>
-          <a:bodyPr>
-            <a:normAutofit fontScale="90000"/>
-          </a:bodyPr>
-          <a:lstStyle/>
-          <a:p>
-            <a:pPr algn="ctr"/>
-            <a:r>
-              <a:rPr lang="en-GB" sz="4400" b="1" dirty="0" smtClean="0">
-                <a:solidFill>
-                  <a:srgbClr val="FFFF00"/>
-                </a:solidFill>
-                <a:effectLst/>
-                <a:latin typeface="Arial" panose="020B0604020202020204" pitchFamily="34" charset="0"/>
-                <a:cs typeface="Arial" panose="020B0604020202020204" pitchFamily="34" charset="0"/>
-              </a:rPr>
-              <a:t>After some assumptions, and a bit of algebra….</a:t>
-            </a:r>
-            <a:br>
-              <a:rPr lang="en-GB" sz="4400" b="1" dirty="0" smtClean="0">
-                <a:solidFill>
-                  <a:srgbClr val="FFFF00"/>
-                </a:solidFill>
-                <a:effectLst/>
-                <a:latin typeface="Arial" panose="020B0604020202020204" pitchFamily="34" charset="0"/>
-                <a:cs typeface="Arial" panose="020B0604020202020204" pitchFamily="34" charset="0"/>
-              </a:rPr>
-            </a:br>
-            <a:r>
-              <a:rPr lang="en-GB" sz="4400" b="1" dirty="0">
-                <a:solidFill>
-                  <a:srgbClr val="FFFF00"/>
-                </a:solidFill>
-                <a:effectLst/>
-                <a:latin typeface="Arial" panose="020B0604020202020204" pitchFamily="34" charset="0"/>
-                <a:cs typeface="Arial" panose="020B0604020202020204" pitchFamily="34" charset="0"/>
-              </a:rPr>
-              <a:t/>
-            </a:r>
-            <a:br>
-              <a:rPr lang="en-GB" sz="4400" b="1" dirty="0">
-                <a:solidFill>
-                  <a:srgbClr val="FFFF00"/>
-                </a:solidFill>
-                <a:effectLst/>
-                <a:latin typeface="Arial" panose="020B0604020202020204" pitchFamily="34" charset="0"/>
-                <a:cs typeface="Arial" panose="020B0604020202020204" pitchFamily="34" charset="0"/>
-              </a:rPr>
-            </a:br>
-            <a:r>
-              <a:rPr lang="en-GB" sz="4400" b="1" dirty="0" smtClean="0">
-                <a:solidFill>
-                  <a:srgbClr val="FFFF00"/>
-                </a:solidFill>
-                <a:effectLst/>
-                <a:latin typeface="Arial" panose="020B0604020202020204" pitchFamily="34" charset="0"/>
-                <a:cs typeface="Arial" panose="020B0604020202020204" pitchFamily="34" charset="0"/>
-              </a:rPr>
-              <a:t/>
-            </a:r>
-            <a:br>
-              <a:rPr lang="en-GB" sz="4400" b="1" dirty="0" smtClean="0">
-                <a:solidFill>
-                  <a:srgbClr val="FFFF00"/>
-                </a:solidFill>
-                <a:effectLst/>
-                <a:latin typeface="Arial" panose="020B0604020202020204" pitchFamily="34" charset="0"/>
-                <a:cs typeface="Arial" panose="020B0604020202020204" pitchFamily="34" charset="0"/>
-              </a:rPr>
-            </a:br>
-            <a:r>
-              <a:rPr lang="en-GB" sz="4400" b="1" dirty="0">
-                <a:solidFill>
-                  <a:srgbClr val="FFFF00"/>
-                </a:solidFill>
-                <a:effectLst/>
-                <a:latin typeface="Arial" panose="020B0604020202020204" pitchFamily="34" charset="0"/>
-                <a:cs typeface="Arial" panose="020B0604020202020204" pitchFamily="34" charset="0"/>
-              </a:rPr>
-              <a:t/>
-            </a:r>
-            <a:br>
-              <a:rPr lang="en-GB" sz="4400" b="1" dirty="0">
-                <a:solidFill>
-                  <a:srgbClr val="FFFF00"/>
-                </a:solidFill>
-                <a:effectLst/>
-                <a:latin typeface="Arial" panose="020B0604020202020204" pitchFamily="34" charset="0"/>
-                <a:cs typeface="Arial" panose="020B0604020202020204" pitchFamily="34" charset="0"/>
-              </a:rPr>
-            </a:br>
-            <a:endParaRPr lang="en-GB" sz="4400" b="1" spc="0" dirty="0">
-              <a:solidFill>
-                <a:srgbClr val="FFFF00"/>
-              </a:solidFill>
-              <a:effectLst/>
-              <a:latin typeface="Arial" panose="020B0604020202020204" pitchFamily="34" charset="0"/>
-              <a:cs typeface="Arial" panose="020B0604020202020204" pitchFamily="34" charset="0"/>
-            </a:endParaRPr>
-          </a:p>
-        </p:txBody>
-      </p:sp>
-      <p:pic>
-        <p:nvPicPr>
-          <p:cNvPr id="3" name="Picture 2"/>
-          <p:cNvPicPr>
-            <a:picLocks noChangeAspect="1"/>
-          </p:cNvPicPr>
-          <p:nvPr/>
-        </p:nvPicPr>
-        <p:blipFill>
-          <a:blip r:embed="rId2"/>
-          <a:stretch>
-            <a:fillRect/>
-          </a:stretch>
-        </p:blipFill>
-        <p:spPr>
-          <a:xfrm>
-            <a:off x="1159033" y="1202923"/>
-            <a:ext cx="10077450" cy="2762250"/>
-          </a:xfrm>
-          <a:prstGeom prst="rect">
-            <a:avLst/>
-          </a:prstGeom>
-        </p:spPr>
-      </p:pic>
-      <p:sp>
-        <p:nvSpPr>
-          <p:cNvPr id="4" name="TextBox 3"/>
-          <p:cNvSpPr txBox="1"/>
-          <p:nvPr/>
-        </p:nvSpPr>
-        <p:spPr>
-          <a:xfrm>
-            <a:off x="1363460" y="5227729"/>
-            <a:ext cx="9465080" cy="1200329"/>
-          </a:xfrm>
-          <a:prstGeom prst="rect">
-            <a:avLst/>
-          </a:prstGeom>
-          <a:noFill/>
-        </p:spPr>
-        <p:txBody>
-          <a:bodyPr wrap="square" rtlCol="0">
-            <a:spAutoFit/>
-          </a:bodyPr>
-          <a:lstStyle/>
-          <a:p>
-            <a:r>
-              <a:rPr lang="en-GB" sz="2400" b="1" dirty="0">
-                <a:solidFill>
-                  <a:srgbClr val="FFFF00"/>
-                </a:solidFill>
-                <a:latin typeface="Arial" panose="020B0604020202020204" pitchFamily="34" charset="0"/>
-                <a:cs typeface="Arial" panose="020B0604020202020204" pitchFamily="34" charset="0"/>
-              </a:rPr>
-              <a:t>Farrell, S., &amp; Lewandowsky, S. (2018). </a:t>
-            </a:r>
-            <a:r>
-              <a:rPr lang="en-GB" sz="2400" b="1" i="1" dirty="0">
-                <a:solidFill>
-                  <a:srgbClr val="FFFF00"/>
-                </a:solidFill>
-                <a:latin typeface="Arial" panose="020B0604020202020204" pitchFamily="34" charset="0"/>
-                <a:cs typeface="Arial" panose="020B0604020202020204" pitchFamily="34" charset="0"/>
-              </a:rPr>
-              <a:t>Computational </a:t>
-            </a:r>
-            <a:r>
-              <a:rPr lang="en-GB" sz="2400" b="1" i="1" dirty="0" err="1">
-                <a:solidFill>
-                  <a:srgbClr val="FFFF00"/>
-                </a:solidFill>
-                <a:latin typeface="Arial" panose="020B0604020202020204" pitchFamily="34" charset="0"/>
-                <a:cs typeface="Arial" panose="020B0604020202020204" pitchFamily="34" charset="0"/>
-              </a:rPr>
-              <a:t>modeling</a:t>
-            </a:r>
-            <a:r>
-              <a:rPr lang="en-GB" sz="2400" b="1" i="1" dirty="0">
-                <a:solidFill>
-                  <a:srgbClr val="FFFF00"/>
-                </a:solidFill>
-                <a:latin typeface="Arial" panose="020B0604020202020204" pitchFamily="34" charset="0"/>
-                <a:cs typeface="Arial" panose="020B0604020202020204" pitchFamily="34" charset="0"/>
-              </a:rPr>
-              <a:t> of cognition and behaviour</a:t>
-            </a:r>
-            <a:r>
-              <a:rPr lang="en-GB" sz="2400" b="1" dirty="0">
-                <a:solidFill>
-                  <a:srgbClr val="FFFF00"/>
-                </a:solidFill>
-                <a:latin typeface="Arial" panose="020B0604020202020204" pitchFamily="34" charset="0"/>
-                <a:cs typeface="Arial" panose="020B0604020202020204" pitchFamily="34" charset="0"/>
-              </a:rPr>
-              <a:t>. Cambridge, England: Cambridge University Press.</a:t>
-            </a:r>
-          </a:p>
-        </p:txBody>
-      </p:sp>
-      <p:sp>
-        <p:nvSpPr>
-          <p:cNvPr id="6" name="TextBox 5"/>
-          <p:cNvSpPr txBox="1"/>
-          <p:nvPr/>
-        </p:nvSpPr>
-        <p:spPr>
-          <a:xfrm>
-            <a:off x="1363460" y="4256046"/>
-            <a:ext cx="9109275" cy="584775"/>
-          </a:xfrm>
-          <a:prstGeom prst="rect">
-            <a:avLst/>
-          </a:prstGeom>
-          <a:noFill/>
-        </p:spPr>
-        <p:txBody>
-          <a:bodyPr wrap="square" rtlCol="0">
-            <a:spAutoFit/>
-          </a:bodyPr>
-          <a:lstStyle/>
-          <a:p>
-            <a:r>
-              <a:rPr lang="en-GB" sz="3200" b="1" dirty="0" smtClean="0"/>
-              <a:t>So, BIC  gives an approximate estimate of log(p(y))</a:t>
-            </a:r>
-            <a:endParaRPr lang="en-GB" sz="3200" b="1" dirty="0"/>
-          </a:p>
-        </p:txBody>
-      </p:sp>
-    </p:spTree>
-    <p:extLst>
-      <p:ext uri="{BB962C8B-B14F-4D97-AF65-F5344CB8AC3E}">
-        <p14:creationId xmlns:p14="http://schemas.microsoft.com/office/powerpoint/2010/main" val="641205108"/>
-      </p:ext>
-    </p:extLst>
-  </p:cSld>
-  <p:clrMapOvr>
-    <a:masterClrMapping/>
-  </p:clrMapOvr>
-  <p:timing>
-    <p:tnLst>
-      <p:par>
-        <p:cTn id="1" dur="indefinite" restart="never" nodeType="tmRoot"/>
       </p:par>
     </p:tnLst>
   </p:timing>

--- a/Bayesian Data Analysis Part 2.pptx
+++ b/Bayesian Data Analysis Part 2.pptx
@@ -11,18 +11,19 @@
     <p:sldId id="404" r:id="rId5"/>
     <p:sldId id="347" r:id="rId6"/>
     <p:sldId id="356" r:id="rId7"/>
-    <p:sldId id="357" r:id="rId8"/>
+    <p:sldId id="413" r:id="rId8"/>
     <p:sldId id="359" r:id="rId9"/>
-    <p:sldId id="358" r:id="rId10"/>
-    <p:sldId id="354" r:id="rId11"/>
-    <p:sldId id="360" r:id="rId12"/>
-    <p:sldId id="405" r:id="rId13"/>
-    <p:sldId id="407" r:id="rId14"/>
-    <p:sldId id="412" r:id="rId15"/>
-    <p:sldId id="408" r:id="rId16"/>
-    <p:sldId id="409" r:id="rId17"/>
-    <p:sldId id="406" r:id="rId18"/>
-    <p:sldId id="410" r:id="rId19"/>
+    <p:sldId id="357" r:id="rId10"/>
+    <p:sldId id="358" r:id="rId11"/>
+    <p:sldId id="354" r:id="rId12"/>
+    <p:sldId id="360" r:id="rId13"/>
+    <p:sldId id="405" r:id="rId14"/>
+    <p:sldId id="407" r:id="rId15"/>
+    <p:sldId id="412" r:id="rId16"/>
+    <p:sldId id="408" r:id="rId17"/>
+    <p:sldId id="409" r:id="rId18"/>
+    <p:sldId id="406" r:id="rId19"/>
+    <p:sldId id="410" r:id="rId20"/>
   </p:sldIdLst>
   <p:sldSz cx="12192000" cy="6858000"/>
   <p:notesSz cx="6858000" cy="9144000"/>
@@ -325,7 +326,7 @@
           <a:p>
             <a:fld id="{ECD19FB2-3AAB-4D03-B13A-2960828C78E3}" type="datetimeFigureOut">
               <a:rPr lang="en-US" dirty="0"/>
-              <a:t>11/16/2019</a:t>
+              <a:t>11/18/2019</a:t>
             </a:fld>
             <a:endParaRPr lang="en-US" dirty="0"/>
           </a:p>
@@ -602,7 +603,7 @@
           <a:p>
             <a:fld id="{1B80C674-7DFC-42FE-B9CD-82963CDB1557}" type="datetimeFigureOut">
               <a:rPr lang="en-US" dirty="0"/>
-              <a:t>11/16/2019</a:t>
+              <a:t>11/18/2019</a:t>
             </a:fld>
             <a:endParaRPr lang="en-US" dirty="0"/>
           </a:p>
@@ -789,7 +790,7 @@
           <a:p>
             <a:fld id="{2076456F-F47D-4F25-8053-2A695DA0CA7D}" type="datetimeFigureOut">
               <a:rPr lang="en-US" dirty="0"/>
-              <a:t>11/16/2019</a:t>
+              <a:t>11/18/2019</a:t>
             </a:fld>
             <a:endParaRPr lang="en-US" dirty="0"/>
           </a:p>
@@ -1045,7 +1046,7 @@
           <a:p>
             <a:fld id="{5D6C7379-69CC-4837-9905-BEBA22830C8A}" type="datetimeFigureOut">
               <a:rPr lang="en-US" dirty="0"/>
-              <a:t>11/16/2019</a:t>
+              <a:t>11/18/2019</a:t>
             </a:fld>
             <a:endParaRPr lang="en-US" dirty="0"/>
           </a:p>
@@ -1466,7 +1467,7 @@
           <a:p>
             <a:fld id="{49EB8B7E-8AEE-4F10-BFEE-C999AD004D36}" type="datetimeFigureOut">
               <a:rPr lang="en-US" dirty="0"/>
-              <a:t>11/16/2019</a:t>
+              <a:t>11/18/2019</a:t>
             </a:fld>
             <a:endParaRPr lang="en-US" dirty="0"/>
           </a:p>
@@ -2007,7 +2008,7 @@
           <a:p>
             <a:fld id="{8668F3F9-58BC-440B-B37B-805B9055EF92}" type="datetimeFigureOut">
               <a:rPr lang="en-US" dirty="0"/>
-              <a:t>11/16/2019</a:t>
+              <a:t>11/18/2019</a:t>
             </a:fld>
             <a:endParaRPr lang="en-US" dirty="0"/>
           </a:p>
@@ -2833,7 +2834,7 @@
           <a:p>
             <a:fld id="{0D5A53AF-48EA-489D-8260-9DCAB666386A}" type="datetimeFigureOut">
               <a:rPr lang="en-US" dirty="0"/>
-              <a:t>11/16/2019</a:t>
+              <a:t>11/18/2019</a:t>
             </a:fld>
             <a:endParaRPr lang="en-US" dirty="0"/>
           </a:p>
@@ -2998,7 +2999,7 @@
           <a:p>
             <a:fld id="{0DED02AE-B9A4-47BD-AF8E-97E16144138B}" type="datetimeFigureOut">
               <a:rPr lang="en-US" dirty="0"/>
-              <a:t>11/16/2019</a:t>
+              <a:t>11/18/2019</a:t>
             </a:fld>
             <a:endParaRPr lang="en-US" dirty="0"/>
           </a:p>
@@ -3173,7 +3174,7 @@
           <a:p>
             <a:fld id="{CF0FD78B-DB02-4362-BCDC-98A55456977C}" type="datetimeFigureOut">
               <a:rPr lang="en-US" dirty="0"/>
-              <a:t>11/16/2019</a:t>
+              <a:t>11/18/2019</a:t>
             </a:fld>
             <a:endParaRPr lang="en-US" dirty="0"/>
           </a:p>
@@ -3338,7 +3339,7 @@
           <a:p>
             <a:fld id="{99916976-5D93-46E4-A98A-FAD63E4D0EA8}" type="datetimeFigureOut">
               <a:rPr lang="en-US" dirty="0"/>
-              <a:t>11/16/2019</a:t>
+              <a:t>11/18/2019</a:t>
             </a:fld>
             <a:endParaRPr lang="en-US" dirty="0"/>
           </a:p>
@@ -3590,7 +3591,7 @@
           <a:p>
             <a:fld id="{0F39F4F5-F4D2-4D2A-AB60-88D37ADCB869}" type="datetimeFigureOut">
               <a:rPr lang="en-US" dirty="0"/>
-              <a:t>11/16/2019</a:t>
+              <a:t>11/18/2019</a:t>
             </a:fld>
             <a:endParaRPr lang="en-US" dirty="0"/>
           </a:p>
@@ -3817,7 +3818,7 @@
           <a:p>
             <a:fld id="{D23BC6CE-6D1E-47E5-8859-F31AC5380EB2}" type="datetimeFigureOut">
               <a:rPr lang="en-US" dirty="0"/>
-              <a:t>11/16/2019</a:t>
+              <a:t>11/18/2019</a:t>
             </a:fld>
             <a:endParaRPr lang="en-US" dirty="0"/>
           </a:p>
@@ -4205,7 +4206,7 @@
           <a:p>
             <a:fld id="{B1B4E7C4-4DA4-404D-9965-B13F2DD7D8BF}" type="datetimeFigureOut">
               <a:rPr lang="en-US" dirty="0"/>
-              <a:t>11/16/2019</a:t>
+              <a:t>11/18/2019</a:t>
             </a:fld>
             <a:endParaRPr lang="en-US" dirty="0"/>
           </a:p>
@@ -4318,7 +4319,7 @@
           <a:p>
             <a:fld id="{476FB7AA-4A53-424F-AD41-70827B6504BA}" type="datetimeFigureOut">
               <a:rPr lang="en-US" dirty="0"/>
-              <a:t>11/16/2019</a:t>
+              <a:t>11/18/2019</a:t>
             </a:fld>
             <a:endParaRPr lang="en-US" dirty="0"/>
           </a:p>
@@ -4408,7 +4409,7 @@
           <a:p>
             <a:fld id="{E7884882-FB12-4BC8-9960-9AD8104D7FAE}" type="datetimeFigureOut">
               <a:rPr lang="en-US" dirty="0"/>
-              <a:t>11/16/2019</a:t>
+              <a:t>11/18/2019</a:t>
             </a:fld>
             <a:endParaRPr lang="en-US" dirty="0"/>
           </a:p>
@@ -4676,7 +4677,7 @@
           <a:p>
             <a:fld id="{F7D1BD23-6E54-4D9D-AD88-A2813C73CC25}" type="datetimeFigureOut">
               <a:rPr lang="en-US" dirty="0"/>
-              <a:t>11/16/2019</a:t>
+              <a:t>11/18/2019</a:t>
             </a:fld>
             <a:endParaRPr lang="en-US" dirty="0"/>
           </a:p>
@@ -4952,7 +4953,7 @@
           <a:p>
             <a:fld id="{1471A834-4F3C-4AF9-9C74-05EC35A0F292}" type="datetimeFigureOut">
               <a:rPr lang="en-US" dirty="0"/>
-              <a:t>11/16/2019</a:t>
+              <a:t>11/18/2019</a:t>
             </a:fld>
             <a:endParaRPr lang="en-US" dirty="0"/>
           </a:p>
@@ -5187,7 +5188,7 @@
           <a:p>
             <a:fld id="{51CF1133-3259-4C45-BABA-5B62D9C6F78D}" type="datetimeFigureOut">
               <a:rPr lang="en-US" dirty="0"/>
-              <a:t>11/16/2019</a:t>
+              <a:t>11/18/2019</a:t>
             </a:fld>
             <a:endParaRPr lang="en-US" dirty="0"/>
           </a:p>
@@ -5922,6 +5923,655 @@
         </p:nvSpPr>
         <p:spPr>
           <a:xfrm>
+            <a:off x="1625758" y="150156"/>
+            <a:ext cx="9144000" cy="1050255"/>
+          </a:xfrm>
+        </p:spPr>
+        <p:txBody>
+          <a:bodyPr>
+            <a:normAutofit fontScale="90000"/>
+          </a:bodyPr>
+          <a:lstStyle/>
+          <a:p>
+            <a:pPr algn="ctr"/>
+            <a:r>
+              <a:rPr lang="en-GB" sz="4400" b="1" dirty="0" smtClean="0">
+                <a:solidFill>
+                  <a:srgbClr val="FFFF00"/>
+                </a:solidFill>
+                <a:effectLst/>
+                <a:latin typeface="Arial" panose="020B0604020202020204" pitchFamily="34" charset="0"/>
+                <a:cs typeface="Arial" panose="020B0604020202020204" pitchFamily="34" charset="0"/>
+              </a:rPr>
+              <a:t>Bayesian Information Criterion (BIC)</a:t>
+            </a:r>
+            <a:br>
+              <a:rPr lang="en-GB" sz="4400" b="1" dirty="0" smtClean="0">
+                <a:solidFill>
+                  <a:srgbClr val="FFFF00"/>
+                </a:solidFill>
+                <a:effectLst/>
+                <a:latin typeface="Arial" panose="020B0604020202020204" pitchFamily="34" charset="0"/>
+                <a:cs typeface="Arial" panose="020B0604020202020204" pitchFamily="34" charset="0"/>
+              </a:rPr>
+            </a:br>
+            <a:r>
+              <a:rPr lang="en-GB" sz="4400" b="1" dirty="0">
+                <a:solidFill>
+                  <a:srgbClr val="FFFF00"/>
+                </a:solidFill>
+                <a:effectLst/>
+                <a:latin typeface="Arial" panose="020B0604020202020204" pitchFamily="34" charset="0"/>
+                <a:cs typeface="Arial" panose="020B0604020202020204" pitchFamily="34" charset="0"/>
+              </a:rPr>
+              <a:t/>
+            </a:r>
+            <a:br>
+              <a:rPr lang="en-GB" sz="4400" b="1" dirty="0">
+                <a:solidFill>
+                  <a:srgbClr val="FFFF00"/>
+                </a:solidFill>
+                <a:effectLst/>
+                <a:latin typeface="Arial" panose="020B0604020202020204" pitchFamily="34" charset="0"/>
+                <a:cs typeface="Arial" panose="020B0604020202020204" pitchFamily="34" charset="0"/>
+              </a:rPr>
+            </a:br>
+            <a:endParaRPr lang="en-GB" sz="4400" b="1" spc="0" dirty="0">
+              <a:solidFill>
+                <a:srgbClr val="FFFF00"/>
+              </a:solidFill>
+              <a:effectLst/>
+              <a:latin typeface="Arial" panose="020B0604020202020204" pitchFamily="34" charset="0"/>
+              <a:cs typeface="Arial" panose="020B0604020202020204" pitchFamily="34" charset="0"/>
+            </a:endParaRPr>
+          </a:p>
+        </p:txBody>
+      </p:sp>
+      <p:pic>
+        <p:nvPicPr>
+          <p:cNvPr id="3" name="Picture 2"/>
+          <p:cNvPicPr>
+            <a:picLocks noChangeAspect="1"/>
+          </p:cNvPicPr>
+          <p:nvPr/>
+        </p:nvPicPr>
+        <p:blipFill>
+          <a:blip r:embed="rId2"/>
+          <a:stretch>
+            <a:fillRect/>
+          </a:stretch>
+        </p:blipFill>
+        <p:spPr>
+          <a:xfrm>
+            <a:off x="812879" y="915684"/>
+            <a:ext cx="10769758" cy="2545464"/>
+          </a:xfrm>
+          <a:prstGeom prst="rect">
+            <a:avLst/>
+          </a:prstGeom>
+        </p:spPr>
+      </p:pic>
+      <p:sp>
+        <p:nvSpPr>
+          <p:cNvPr id="5" name="TextBox 4"/>
+          <p:cNvSpPr txBox="1"/>
+          <p:nvPr/>
+        </p:nvSpPr>
+        <p:spPr>
+          <a:xfrm>
+            <a:off x="1304678" y="5569125"/>
+            <a:ext cx="9465080" cy="1200329"/>
+          </a:xfrm>
+          <a:prstGeom prst="rect">
+            <a:avLst/>
+          </a:prstGeom>
+          <a:noFill/>
+        </p:spPr>
+        <p:txBody>
+          <a:bodyPr wrap="square" rtlCol="0">
+            <a:spAutoFit/>
+          </a:bodyPr>
+          <a:lstStyle/>
+          <a:p>
+            <a:r>
+              <a:rPr lang="en-GB" sz="2400" b="1" dirty="0">
+                <a:solidFill>
+                  <a:srgbClr val="FFFF00"/>
+                </a:solidFill>
+                <a:latin typeface="Arial" panose="020B0604020202020204" pitchFamily="34" charset="0"/>
+                <a:cs typeface="Arial" panose="020B0604020202020204" pitchFamily="34" charset="0"/>
+              </a:rPr>
+              <a:t>Farrell, S., &amp; Lewandowsky, S. (2018). </a:t>
+            </a:r>
+            <a:r>
+              <a:rPr lang="en-GB" sz="2400" b="1" i="1" dirty="0">
+                <a:solidFill>
+                  <a:srgbClr val="FFFF00"/>
+                </a:solidFill>
+                <a:latin typeface="Arial" panose="020B0604020202020204" pitchFamily="34" charset="0"/>
+                <a:cs typeface="Arial" panose="020B0604020202020204" pitchFamily="34" charset="0"/>
+              </a:rPr>
+              <a:t>Computational </a:t>
+            </a:r>
+            <a:r>
+              <a:rPr lang="en-GB" sz="2400" b="1" i="1" dirty="0" err="1">
+                <a:solidFill>
+                  <a:srgbClr val="FFFF00"/>
+                </a:solidFill>
+                <a:latin typeface="Arial" panose="020B0604020202020204" pitchFamily="34" charset="0"/>
+                <a:cs typeface="Arial" panose="020B0604020202020204" pitchFamily="34" charset="0"/>
+              </a:rPr>
+              <a:t>modeling</a:t>
+            </a:r>
+            <a:r>
+              <a:rPr lang="en-GB" sz="2400" b="1" i="1" dirty="0">
+                <a:solidFill>
+                  <a:srgbClr val="FFFF00"/>
+                </a:solidFill>
+                <a:latin typeface="Arial" panose="020B0604020202020204" pitchFamily="34" charset="0"/>
+                <a:cs typeface="Arial" panose="020B0604020202020204" pitchFamily="34" charset="0"/>
+              </a:rPr>
+              <a:t> of cognition and behaviour</a:t>
+            </a:r>
+            <a:r>
+              <a:rPr lang="en-GB" sz="2400" b="1" dirty="0">
+                <a:solidFill>
+                  <a:srgbClr val="FFFF00"/>
+                </a:solidFill>
+                <a:latin typeface="Arial" panose="020B0604020202020204" pitchFamily="34" charset="0"/>
+                <a:cs typeface="Arial" panose="020B0604020202020204" pitchFamily="34" charset="0"/>
+              </a:rPr>
+              <a:t>. Cambridge, England: Cambridge University Press.</a:t>
+            </a:r>
+          </a:p>
+        </p:txBody>
+      </p:sp>
+      <p:grpSp>
+        <p:nvGrpSpPr>
+          <p:cNvPr id="11" name="Group 10"/>
+          <p:cNvGrpSpPr/>
+          <p:nvPr/>
+        </p:nvGrpSpPr>
+        <p:grpSpPr>
+          <a:xfrm>
+            <a:off x="8518681" y="3351859"/>
+            <a:ext cx="3444438" cy="1748549"/>
+            <a:chOff x="8252749" y="3738623"/>
+            <a:chExt cx="3444438" cy="1748549"/>
+          </a:xfrm>
+        </p:grpSpPr>
+        <p:cxnSp>
+          <p:nvCxnSpPr>
+            <p:cNvPr id="8" name="Straight Arrow Connector 7"/>
+            <p:cNvCxnSpPr/>
+            <p:nvPr/>
+          </p:nvCxnSpPr>
+          <p:spPr>
+            <a:xfrm flipH="1" flipV="1">
+              <a:off x="8252749" y="3738623"/>
+              <a:ext cx="1437190" cy="821191"/>
+            </a:xfrm>
+            <a:prstGeom prst="straightConnector1">
+              <a:avLst/>
+            </a:prstGeom>
+            <a:ln w="50800">
+              <a:solidFill>
+                <a:srgbClr val="FFFF00"/>
+              </a:solidFill>
+              <a:tailEnd type="triangle"/>
+            </a:ln>
+          </p:spPr>
+          <p:style>
+            <a:lnRef idx="1">
+              <a:schemeClr val="accent1"/>
+            </a:lnRef>
+            <a:fillRef idx="0">
+              <a:schemeClr val="accent1"/>
+            </a:fillRef>
+            <a:effectRef idx="0">
+              <a:schemeClr val="accent1"/>
+            </a:effectRef>
+            <a:fontRef idx="minor">
+              <a:schemeClr val="tx1"/>
+            </a:fontRef>
+          </p:style>
+        </p:cxnSp>
+        <p:sp>
+          <p:nvSpPr>
+            <p:cNvPr id="10" name="TextBox 9"/>
+            <p:cNvSpPr txBox="1"/>
+            <p:nvPr/>
+          </p:nvSpPr>
+          <p:spPr>
+            <a:xfrm>
+              <a:off x="9689939" y="4409954"/>
+              <a:ext cx="2007248" cy="1077218"/>
+            </a:xfrm>
+            <a:prstGeom prst="rect">
+              <a:avLst/>
+            </a:prstGeom>
+            <a:noFill/>
+          </p:spPr>
+          <p:txBody>
+            <a:bodyPr wrap="square" rtlCol="0">
+              <a:spAutoFit/>
+            </a:bodyPr>
+            <a:lstStyle/>
+            <a:p>
+              <a:r>
+                <a:rPr lang="en-GB" sz="3200" b="1" dirty="0" smtClean="0">
+                  <a:solidFill>
+                    <a:srgbClr val="FFFF00"/>
+                  </a:solidFill>
+                  <a:latin typeface="Arial" panose="020B0604020202020204" pitchFamily="34" charset="0"/>
+                  <a:cs typeface="Arial" panose="020B0604020202020204" pitchFamily="34" charset="0"/>
+                </a:rPr>
+                <a:t>N= # data points</a:t>
+              </a:r>
+              <a:endParaRPr lang="en-GB" sz="3200" b="1" dirty="0">
+                <a:solidFill>
+                  <a:srgbClr val="FFFF00"/>
+                </a:solidFill>
+                <a:latin typeface="Arial" panose="020B0604020202020204" pitchFamily="34" charset="0"/>
+                <a:cs typeface="Arial" panose="020B0604020202020204" pitchFamily="34" charset="0"/>
+              </a:endParaRPr>
+            </a:p>
+          </p:txBody>
+        </p:sp>
+      </p:grpSp>
+      <p:grpSp>
+        <p:nvGrpSpPr>
+          <p:cNvPr id="12" name="Group 11"/>
+          <p:cNvGrpSpPr/>
+          <p:nvPr/>
+        </p:nvGrpSpPr>
+        <p:grpSpPr>
+          <a:xfrm>
+            <a:off x="3440456" y="3461148"/>
+            <a:ext cx="2424562" cy="1241193"/>
+            <a:chOff x="9587454" y="3749301"/>
+            <a:chExt cx="2424562" cy="1241193"/>
+          </a:xfrm>
+        </p:grpSpPr>
+        <p:cxnSp>
+          <p:nvCxnSpPr>
+            <p:cNvPr id="13" name="Straight Arrow Connector 12"/>
+            <p:cNvCxnSpPr/>
+            <p:nvPr/>
+          </p:nvCxnSpPr>
+          <p:spPr>
+            <a:xfrm flipV="1">
+              <a:off x="10540404" y="3749301"/>
+              <a:ext cx="1471612" cy="737738"/>
+            </a:xfrm>
+            <a:prstGeom prst="straightConnector1">
+              <a:avLst/>
+            </a:prstGeom>
+            <a:ln w="50800">
+              <a:solidFill>
+                <a:srgbClr val="FFFF00"/>
+              </a:solidFill>
+              <a:tailEnd type="triangle"/>
+            </a:ln>
+          </p:spPr>
+          <p:style>
+            <a:lnRef idx="1">
+              <a:schemeClr val="accent1"/>
+            </a:lnRef>
+            <a:fillRef idx="0">
+              <a:schemeClr val="accent1"/>
+            </a:fillRef>
+            <a:effectRef idx="0">
+              <a:schemeClr val="accent1"/>
+            </a:effectRef>
+            <a:fontRef idx="minor">
+              <a:schemeClr val="tx1"/>
+            </a:fontRef>
+          </p:style>
+        </p:cxnSp>
+        <p:sp>
+          <p:nvSpPr>
+            <p:cNvPr id="14" name="TextBox 13"/>
+            <p:cNvSpPr txBox="1"/>
+            <p:nvPr/>
+          </p:nvSpPr>
+          <p:spPr>
+            <a:xfrm>
+              <a:off x="9587454" y="4405719"/>
+              <a:ext cx="1892698" cy="584775"/>
+            </a:xfrm>
+            <a:prstGeom prst="rect">
+              <a:avLst/>
+            </a:prstGeom>
+            <a:noFill/>
+          </p:spPr>
+          <p:txBody>
+            <a:bodyPr wrap="square" rtlCol="0">
+              <a:spAutoFit/>
+            </a:bodyPr>
+            <a:lstStyle/>
+            <a:p>
+              <a:r>
+                <a:rPr lang="en-GB" sz="3200" b="1" dirty="0" smtClean="0">
+                  <a:solidFill>
+                    <a:srgbClr val="FFFF00"/>
+                  </a:solidFill>
+                  <a:latin typeface="Arial" panose="020B0604020202020204" pitchFamily="34" charset="0"/>
+                  <a:cs typeface="Arial" panose="020B0604020202020204" pitchFamily="34" charset="0"/>
+                </a:rPr>
+                <a:t>MLE</a:t>
+              </a:r>
+              <a:endParaRPr lang="en-GB" sz="3200" b="1" dirty="0">
+                <a:solidFill>
+                  <a:srgbClr val="FFFF00"/>
+                </a:solidFill>
+                <a:latin typeface="Arial" panose="020B0604020202020204" pitchFamily="34" charset="0"/>
+                <a:cs typeface="Arial" panose="020B0604020202020204" pitchFamily="34" charset="0"/>
+              </a:endParaRPr>
+            </a:p>
+          </p:txBody>
+        </p:sp>
+      </p:grpSp>
+      <p:grpSp>
+        <p:nvGrpSpPr>
+          <p:cNvPr id="17" name="Group 16"/>
+          <p:cNvGrpSpPr/>
+          <p:nvPr/>
+        </p:nvGrpSpPr>
+        <p:grpSpPr>
+          <a:xfrm>
+            <a:off x="6933235" y="3461148"/>
+            <a:ext cx="2376221" cy="1974926"/>
+            <a:chOff x="9206416" y="3512246"/>
+            <a:chExt cx="2376221" cy="1974926"/>
+          </a:xfrm>
+        </p:grpSpPr>
+        <p:cxnSp>
+          <p:nvCxnSpPr>
+            <p:cNvPr id="18" name="Straight Arrow Connector 17"/>
+            <p:cNvCxnSpPr/>
+            <p:nvPr/>
+          </p:nvCxnSpPr>
+          <p:spPr>
+            <a:xfrm flipV="1">
+              <a:off x="9689939" y="3512246"/>
+              <a:ext cx="176234" cy="1047569"/>
+            </a:xfrm>
+            <a:prstGeom prst="straightConnector1">
+              <a:avLst/>
+            </a:prstGeom>
+            <a:ln w="50800">
+              <a:solidFill>
+                <a:srgbClr val="FFFF00"/>
+              </a:solidFill>
+              <a:tailEnd type="triangle"/>
+            </a:ln>
+          </p:spPr>
+          <p:style>
+            <a:lnRef idx="1">
+              <a:schemeClr val="accent1"/>
+            </a:lnRef>
+            <a:fillRef idx="0">
+              <a:schemeClr val="accent1"/>
+            </a:fillRef>
+            <a:effectRef idx="0">
+              <a:schemeClr val="accent1"/>
+            </a:effectRef>
+            <a:fontRef idx="minor">
+              <a:schemeClr val="tx1"/>
+            </a:fontRef>
+          </p:style>
+        </p:cxnSp>
+        <p:sp>
+          <p:nvSpPr>
+            <p:cNvPr id="19" name="TextBox 18"/>
+            <p:cNvSpPr txBox="1"/>
+            <p:nvPr/>
+          </p:nvSpPr>
+          <p:spPr>
+            <a:xfrm>
+              <a:off x="9206416" y="4409954"/>
+              <a:ext cx="2376221" cy="1077218"/>
+            </a:xfrm>
+            <a:prstGeom prst="rect">
+              <a:avLst/>
+            </a:prstGeom>
+            <a:noFill/>
+          </p:spPr>
+          <p:txBody>
+            <a:bodyPr wrap="square" rtlCol="0">
+              <a:spAutoFit/>
+            </a:bodyPr>
+            <a:lstStyle/>
+            <a:p>
+              <a:r>
+                <a:rPr lang="en-GB" sz="3200" b="1" dirty="0" smtClean="0">
+                  <a:solidFill>
+                    <a:srgbClr val="FFFF00"/>
+                  </a:solidFill>
+                  <a:latin typeface="Arial" panose="020B0604020202020204" pitchFamily="34" charset="0"/>
+                  <a:cs typeface="Arial" panose="020B0604020202020204" pitchFamily="34" charset="0"/>
+                </a:rPr>
+                <a:t>K = # parameters</a:t>
+              </a:r>
+              <a:endParaRPr lang="en-GB" sz="3200" b="1" dirty="0">
+                <a:solidFill>
+                  <a:srgbClr val="FFFF00"/>
+                </a:solidFill>
+                <a:latin typeface="Arial" panose="020B0604020202020204" pitchFamily="34" charset="0"/>
+                <a:cs typeface="Arial" panose="020B0604020202020204" pitchFamily="34" charset="0"/>
+              </a:endParaRPr>
+            </a:p>
+          </p:txBody>
+        </p:sp>
+      </p:grpSp>
+    </p:spTree>
+    <p:extLst>
+      <p:ext uri="{BB962C8B-B14F-4D97-AF65-F5344CB8AC3E}">
+        <p14:creationId xmlns:p14="http://schemas.microsoft.com/office/powerpoint/2010/main" val="1791189402"/>
+      </p:ext>
+    </p:extLst>
+  </p:cSld>
+  <p:clrMapOvr>
+    <a:masterClrMapping/>
+  </p:clrMapOvr>
+  <p:timing>
+    <p:tnLst>
+      <p:par>
+        <p:cTn id="1" dur="indefinite" restart="never" nodeType="tmRoot">
+          <p:childTnLst>
+            <p:seq concurrent="1" nextAc="seek">
+              <p:cTn id="2" dur="indefinite" nodeType="mainSeq">
+                <p:childTnLst>
+                  <p:par>
+                    <p:cTn id="3" fill="hold">
+                      <p:stCondLst>
+                        <p:cond delay="indefinite"/>
+                      </p:stCondLst>
+                      <p:childTnLst>
+                        <p:par>
+                          <p:cTn id="4" fill="hold">
+                            <p:stCondLst>
+                              <p:cond delay="0"/>
+                            </p:stCondLst>
+                            <p:childTnLst>
+                              <p:par>
+                                <p:cTn id="5" presetID="1" presetClass="entr" presetSubtype="0" fill="hold" nodeType="clickEffect">
+                                  <p:stCondLst>
+                                    <p:cond delay="0"/>
+                                  </p:stCondLst>
+                                  <p:childTnLst>
+                                    <p:set>
+                                      <p:cBhvr>
+                                        <p:cTn id="6" dur="1" fill="hold">
+                                          <p:stCondLst>
+                                            <p:cond delay="0"/>
+                                          </p:stCondLst>
+                                        </p:cTn>
+                                        <p:tgtEl>
+                                          <p:spTgt spid="12"/>
+                                        </p:tgtEl>
+                                        <p:attrNameLst>
+                                          <p:attrName>style.visibility</p:attrName>
+                                        </p:attrNameLst>
+                                      </p:cBhvr>
+                                      <p:to>
+                                        <p:strVal val="visible"/>
+                                      </p:to>
+                                    </p:set>
+                                  </p:childTnLst>
+                                </p:cTn>
+                              </p:par>
+                            </p:childTnLst>
+                          </p:cTn>
+                        </p:par>
+                      </p:childTnLst>
+                    </p:cTn>
+                  </p:par>
+                  <p:par>
+                    <p:cTn id="7" fill="hold">
+                      <p:stCondLst>
+                        <p:cond delay="indefinite"/>
+                      </p:stCondLst>
+                      <p:childTnLst>
+                        <p:par>
+                          <p:cTn id="8" fill="hold">
+                            <p:stCondLst>
+                              <p:cond delay="0"/>
+                            </p:stCondLst>
+                            <p:childTnLst>
+                              <p:par>
+                                <p:cTn id="9" presetID="1" presetClass="entr" presetSubtype="0" fill="hold" nodeType="clickEffect">
+                                  <p:stCondLst>
+                                    <p:cond delay="0"/>
+                                  </p:stCondLst>
+                                  <p:childTnLst>
+                                    <p:set>
+                                      <p:cBhvr>
+                                        <p:cTn id="10" dur="1" fill="hold">
+                                          <p:stCondLst>
+                                            <p:cond delay="0"/>
+                                          </p:stCondLst>
+                                        </p:cTn>
+                                        <p:tgtEl>
+                                          <p:spTgt spid="11"/>
+                                        </p:tgtEl>
+                                        <p:attrNameLst>
+                                          <p:attrName>style.visibility</p:attrName>
+                                        </p:attrNameLst>
+                                      </p:cBhvr>
+                                      <p:to>
+                                        <p:strVal val="visible"/>
+                                      </p:to>
+                                    </p:set>
+                                  </p:childTnLst>
+                                </p:cTn>
+                              </p:par>
+                            </p:childTnLst>
+                          </p:cTn>
+                        </p:par>
+                      </p:childTnLst>
+                    </p:cTn>
+                  </p:par>
+                  <p:par>
+                    <p:cTn id="11" fill="hold">
+                      <p:stCondLst>
+                        <p:cond delay="indefinite"/>
+                      </p:stCondLst>
+                      <p:childTnLst>
+                        <p:par>
+                          <p:cTn id="12" fill="hold">
+                            <p:stCondLst>
+                              <p:cond delay="0"/>
+                            </p:stCondLst>
+                            <p:childTnLst>
+                              <p:par>
+                                <p:cTn id="13" presetID="1" presetClass="entr" presetSubtype="0" fill="hold" nodeType="clickEffect">
+                                  <p:stCondLst>
+                                    <p:cond delay="0"/>
+                                  </p:stCondLst>
+                                  <p:childTnLst>
+                                    <p:set>
+                                      <p:cBhvr>
+                                        <p:cTn id="14" dur="1" fill="hold">
+                                          <p:stCondLst>
+                                            <p:cond delay="0"/>
+                                          </p:stCondLst>
+                                        </p:cTn>
+                                        <p:tgtEl>
+                                          <p:spTgt spid="17"/>
+                                        </p:tgtEl>
+                                        <p:attrNameLst>
+                                          <p:attrName>style.visibility</p:attrName>
+                                        </p:attrNameLst>
+                                      </p:cBhvr>
+                                      <p:to>
+                                        <p:strVal val="visible"/>
+                                      </p:to>
+                                    </p:set>
+                                  </p:childTnLst>
+                                </p:cTn>
+                              </p:par>
+                            </p:childTnLst>
+                          </p:cTn>
+                        </p:par>
+                      </p:childTnLst>
+                    </p:cTn>
+                  </p:par>
+                </p:childTnLst>
+              </p:cTn>
+              <p:prevCondLst>
+                <p:cond evt="onPrev" delay="0">
+                  <p:tgtEl>
+                    <p:sldTgt/>
+                  </p:tgtEl>
+                </p:cond>
+              </p:prevCondLst>
+              <p:nextCondLst>
+                <p:cond evt="onNext" delay="0">
+                  <p:tgtEl>
+                    <p:sldTgt/>
+                  </p:tgtEl>
+                </p:cond>
+              </p:nextCondLst>
+            </p:seq>
+          </p:childTnLst>
+        </p:cTn>
+      </p:par>
+    </p:tnLst>
+  </p:timing>
+</p:sld>
+</file>
+
+<file path=ppt/slides/slide11.xml><?xml version="1.0" encoding="utf-8"?>
+<p:sld xmlns:a="http://schemas.openxmlformats.org/drawingml/2006/main" xmlns:r="http://schemas.openxmlformats.org/officeDocument/2006/relationships" xmlns:p="http://schemas.openxmlformats.org/presentationml/2006/main">
+  <p:cSld>
+    <p:spTree>
+      <p:nvGrpSpPr>
+        <p:cNvPr id="1" name=""/>
+        <p:cNvGrpSpPr/>
+        <p:nvPr/>
+      </p:nvGrpSpPr>
+      <p:grpSpPr>
+        <a:xfrm>
+          <a:off x="0" y="0"/>
+          <a:ext cx="0" cy="0"/>
+          <a:chOff x="0" y="0"/>
+          <a:chExt cx="0" cy="0"/>
+        </a:xfrm>
+      </p:grpSpPr>
+      <p:sp>
+        <p:nvSpPr>
+          <p:cNvPr id="2" name="Title 1"/>
+          <p:cNvSpPr>
+            <a:spLocks noGrp="1"/>
+          </p:cNvSpPr>
+          <p:nvPr>
+            <p:ph type="ctrTitle"/>
+          </p:nvPr>
+        </p:nvSpPr>
+        <p:spPr>
+          <a:xfrm>
             <a:off x="1625758" y="388401"/>
             <a:ext cx="9144000" cy="1281903"/>
           </a:xfrm>
@@ -6177,7 +6827,7 @@
 </p:sld>
 </file>
 
-<file path=ppt/slides/slide11.xml><?xml version="1.0" encoding="utf-8"?>
+<file path=ppt/slides/slide12.xml><?xml version="1.0" encoding="utf-8"?>
 <p:sld xmlns:a="http://schemas.openxmlformats.org/drawingml/2006/main" xmlns:r="http://schemas.openxmlformats.org/officeDocument/2006/relationships" xmlns:p="http://schemas.openxmlformats.org/presentationml/2006/main">
   <p:cSld>
     <p:spTree>
@@ -6737,7 +7387,7 @@
 </p:sld>
 </file>
 
-<file path=ppt/slides/slide12.xml><?xml version="1.0" encoding="utf-8"?>
+<file path=ppt/slides/slide13.xml><?xml version="1.0" encoding="utf-8"?>
 <p:sld xmlns:a="http://schemas.openxmlformats.org/drawingml/2006/main" xmlns:r="http://schemas.openxmlformats.org/officeDocument/2006/relationships" xmlns:p="http://schemas.openxmlformats.org/presentationml/2006/main">
   <p:cSld>
     <p:spTree>
@@ -7586,47 +8236,36 @@
                 <a:latin typeface="Arial" panose="020B0604020202020204" pitchFamily="34" charset="0"/>
                 <a:cs typeface="Arial" panose="020B0604020202020204" pitchFamily="34" charset="0"/>
               </a:rPr>
-              <a:t>The data are in an SPSS format </a:t>
+              <a:t>The data are in an SPSS format file, in the </a:t>
+            </a:r>
+            <a:r>
+              <a:rPr lang="en-GB" sz="2800" dirty="0" err="1" smtClean="0">
+                <a:latin typeface="Arial" panose="020B0604020202020204" pitchFamily="34" charset="0"/>
+                <a:cs typeface="Arial" panose="020B0604020202020204" pitchFamily="34" charset="0"/>
+              </a:rPr>
+              <a:t>Github</a:t>
             </a:r>
             <a:r>
               <a:rPr lang="en-GB" sz="2800" dirty="0" smtClean="0">
                 <a:latin typeface="Arial" panose="020B0604020202020204" pitchFamily="34" charset="0"/>
                 <a:cs typeface="Arial" panose="020B0604020202020204" pitchFamily="34" charset="0"/>
               </a:rPr>
-              <a:t>file, in the </a:t>
+              <a:t> </a:t>
             </a:r>
             <a:r>
               <a:rPr lang="en-GB" sz="2800" dirty="0" err="1" smtClean="0">
                 <a:latin typeface="Arial" panose="020B0604020202020204" pitchFamily="34" charset="0"/>
                 <a:cs typeface="Arial" panose="020B0604020202020204" pitchFamily="34" charset="0"/>
               </a:rPr>
-              <a:t>Github</a:t>
+              <a:t>respository</a:t>
             </a:r>
             <a:r>
               <a:rPr lang="en-GB" sz="2800" dirty="0" smtClean="0">
                 <a:latin typeface="Arial" panose="020B0604020202020204" pitchFamily="34" charset="0"/>
                 <a:cs typeface="Arial" panose="020B0604020202020204" pitchFamily="34" charset="0"/>
               </a:rPr>
-              <a:t> </a:t>
-            </a:r>
-            <a:r>
-              <a:rPr lang="en-GB" sz="2800" dirty="0" err="1" smtClean="0">
-                <a:latin typeface="Arial" panose="020B0604020202020204" pitchFamily="34" charset="0"/>
-                <a:cs typeface="Arial" panose="020B0604020202020204" pitchFamily="34" charset="0"/>
-              </a:rPr>
-              <a:t>respository</a:t>
-            </a:r>
-            <a:r>
-              <a:rPr lang="en-GB" sz="2800" dirty="0" smtClean="0">
-                <a:latin typeface="Arial" panose="020B0604020202020204" pitchFamily="34" charset="0"/>
-                <a:cs typeface="Arial" panose="020B0604020202020204" pitchFamily="34" charset="0"/>
-              </a:rPr>
               <a:t>:</a:t>
             </a:r>
-            <a:endParaRPr lang="en-GB" sz="2800" dirty="0" smtClean="0">
-              <a:latin typeface="Arial" panose="020B0604020202020204" pitchFamily="34" charset="0"/>
-              <a:cs typeface="Arial" panose="020B0604020202020204" pitchFamily="34" charset="0"/>
-            </a:endParaRPr>
           </a:p>
           <a:p>
             <a:r>
@@ -7700,506 +8339,6 @@
     <p:extLst>
       <p:ext uri="{BB962C8B-B14F-4D97-AF65-F5344CB8AC3E}">
         <p14:creationId xmlns:p14="http://schemas.microsoft.com/office/powerpoint/2010/main" val="3514227714"/>
-      </p:ext>
-    </p:extLst>
-  </p:cSld>
-  <p:clrMapOvr>
-    <a:masterClrMapping/>
-  </p:clrMapOvr>
-  <p:timing>
-    <p:tnLst>
-      <p:par>
-        <p:cTn id="1" dur="indefinite" restart="never" nodeType="tmRoot"/>
-      </p:par>
-    </p:tnLst>
-  </p:timing>
-</p:sld>
-</file>
-
-<file path=ppt/slides/slide13.xml><?xml version="1.0" encoding="utf-8"?>
-<p:sld xmlns:a="http://schemas.openxmlformats.org/drawingml/2006/main" xmlns:r="http://schemas.openxmlformats.org/officeDocument/2006/relationships" xmlns:p="http://schemas.openxmlformats.org/presentationml/2006/main">
-  <p:cSld>
-    <p:spTree>
-      <p:nvGrpSpPr>
-        <p:cNvPr id="1" name=""/>
-        <p:cNvGrpSpPr/>
-        <p:nvPr/>
-      </p:nvGrpSpPr>
-      <p:grpSpPr>
-        <a:xfrm>
-          <a:off x="0" y="0"/>
-          <a:ext cx="0" cy="0"/>
-          <a:chOff x="0" y="0"/>
-          <a:chExt cx="0" cy="0"/>
-        </a:xfrm>
-      </p:grpSpPr>
-      <p:sp>
-        <p:nvSpPr>
-          <p:cNvPr id="2" name="Title 1"/>
-          <p:cNvSpPr>
-            <a:spLocks noGrp="1"/>
-          </p:cNvSpPr>
-          <p:nvPr>
-            <p:ph type="ctrTitle"/>
-          </p:nvPr>
-        </p:nvSpPr>
-        <p:spPr>
-          <a:xfrm>
-            <a:off x="1487347" y="156908"/>
-            <a:ext cx="9144000" cy="641746"/>
-          </a:xfrm>
-        </p:spPr>
-        <p:txBody>
-          <a:bodyPr>
-            <a:normAutofit fontScale="90000"/>
-          </a:bodyPr>
-          <a:lstStyle/>
-          <a:p>
-            <a:pPr algn="ctr"/>
-            <a:r>
-              <a:rPr lang="en-GB" sz="4400" b="1" dirty="0" smtClean="0">
-                <a:solidFill>
-                  <a:srgbClr val="FFFF00"/>
-                </a:solidFill>
-                <a:effectLst/>
-                <a:latin typeface="Arial" panose="020B0604020202020204" pitchFamily="34" charset="0"/>
-                <a:cs typeface="Arial" panose="020B0604020202020204" pitchFamily="34" charset="0"/>
-              </a:rPr>
-              <a:t>Analysing some data: 2</a:t>
-            </a:r>
-            <a:br>
-              <a:rPr lang="en-GB" sz="4400" b="1" dirty="0" smtClean="0">
-                <a:solidFill>
-                  <a:srgbClr val="FFFF00"/>
-                </a:solidFill>
-                <a:effectLst/>
-                <a:latin typeface="Arial" panose="020B0604020202020204" pitchFamily="34" charset="0"/>
-                <a:cs typeface="Arial" panose="020B0604020202020204" pitchFamily="34" charset="0"/>
-              </a:rPr>
-            </a:br>
-            <a:r>
-              <a:rPr lang="en-GB" sz="4400" b="1" dirty="0" smtClean="0">
-                <a:solidFill>
-                  <a:srgbClr val="FFFF00"/>
-                </a:solidFill>
-                <a:effectLst/>
-                <a:latin typeface="Arial" panose="020B0604020202020204" pitchFamily="34" charset="0"/>
-                <a:cs typeface="Arial" panose="020B0604020202020204" pitchFamily="34" charset="0"/>
-              </a:rPr>
-              <a:t/>
-            </a:r>
-            <a:br>
-              <a:rPr lang="en-GB" sz="4400" b="1" dirty="0" smtClean="0">
-                <a:solidFill>
-                  <a:srgbClr val="FFFF00"/>
-                </a:solidFill>
-                <a:effectLst/>
-                <a:latin typeface="Arial" panose="020B0604020202020204" pitchFamily="34" charset="0"/>
-                <a:cs typeface="Arial" panose="020B0604020202020204" pitchFamily="34" charset="0"/>
-              </a:rPr>
-            </a:br>
-            <a:r>
-              <a:rPr lang="en-GB" sz="4400" b="1" dirty="0">
-                <a:solidFill>
-                  <a:srgbClr val="FFFF00"/>
-                </a:solidFill>
-                <a:effectLst/>
-                <a:latin typeface="Arial" panose="020B0604020202020204" pitchFamily="34" charset="0"/>
-                <a:cs typeface="Arial" panose="020B0604020202020204" pitchFamily="34" charset="0"/>
-              </a:rPr>
-              <a:t/>
-            </a:r>
-            <a:br>
-              <a:rPr lang="en-GB" sz="4400" b="1" dirty="0">
-                <a:solidFill>
-                  <a:srgbClr val="FFFF00"/>
-                </a:solidFill>
-                <a:effectLst/>
-                <a:latin typeface="Arial" panose="020B0604020202020204" pitchFamily="34" charset="0"/>
-                <a:cs typeface="Arial" panose="020B0604020202020204" pitchFamily="34" charset="0"/>
-              </a:rPr>
-            </a:br>
-            <a:r>
-              <a:rPr lang="en-GB" sz="4400" b="1" dirty="0" smtClean="0">
-                <a:solidFill>
-                  <a:srgbClr val="FFFF00"/>
-                </a:solidFill>
-                <a:effectLst/>
-                <a:latin typeface="Arial" panose="020B0604020202020204" pitchFamily="34" charset="0"/>
-                <a:cs typeface="Arial" panose="020B0604020202020204" pitchFamily="34" charset="0"/>
-              </a:rPr>
-              <a:t/>
-            </a:r>
-            <a:br>
-              <a:rPr lang="en-GB" sz="4400" b="1" dirty="0" smtClean="0">
-                <a:solidFill>
-                  <a:srgbClr val="FFFF00"/>
-                </a:solidFill>
-                <a:effectLst/>
-                <a:latin typeface="Arial" panose="020B0604020202020204" pitchFamily="34" charset="0"/>
-                <a:cs typeface="Arial" panose="020B0604020202020204" pitchFamily="34" charset="0"/>
-              </a:rPr>
-            </a:br>
-            <a:r>
-              <a:rPr lang="en-GB" sz="4400" b="1" dirty="0">
-                <a:solidFill>
-                  <a:srgbClr val="FFFF00"/>
-                </a:solidFill>
-                <a:effectLst/>
-                <a:latin typeface="Arial" panose="020B0604020202020204" pitchFamily="34" charset="0"/>
-                <a:cs typeface="Arial" panose="020B0604020202020204" pitchFamily="34" charset="0"/>
-              </a:rPr>
-              <a:t/>
-            </a:r>
-            <a:br>
-              <a:rPr lang="en-GB" sz="4400" b="1" dirty="0">
-                <a:solidFill>
-                  <a:srgbClr val="FFFF00"/>
-                </a:solidFill>
-                <a:effectLst/>
-                <a:latin typeface="Arial" panose="020B0604020202020204" pitchFamily="34" charset="0"/>
-                <a:cs typeface="Arial" panose="020B0604020202020204" pitchFamily="34" charset="0"/>
-              </a:rPr>
-            </a:br>
-            <a:endParaRPr lang="en-GB" sz="4400" b="1" spc="0" dirty="0">
-              <a:solidFill>
-                <a:srgbClr val="FFFF00"/>
-              </a:solidFill>
-              <a:effectLst/>
-              <a:latin typeface="Arial" panose="020B0604020202020204" pitchFamily="34" charset="0"/>
-              <a:cs typeface="Arial" panose="020B0604020202020204" pitchFamily="34" charset="0"/>
-            </a:endParaRPr>
-          </a:p>
-        </p:txBody>
-      </p:sp>
-      <p:sp>
-        <p:nvSpPr>
-          <p:cNvPr id="5" name="TextBox 4"/>
-          <p:cNvSpPr txBox="1"/>
-          <p:nvPr/>
-        </p:nvSpPr>
-        <p:spPr>
-          <a:xfrm>
-            <a:off x="416689" y="798654"/>
-            <a:ext cx="11609407" cy="6124754"/>
-          </a:xfrm>
-          <a:prstGeom prst="rect">
-            <a:avLst/>
-          </a:prstGeom>
-          <a:noFill/>
-        </p:spPr>
-        <p:txBody>
-          <a:bodyPr wrap="square" rtlCol="0">
-            <a:spAutoFit/>
-          </a:bodyPr>
-          <a:lstStyle/>
-          <a:p>
-            <a:r>
-              <a:rPr lang="en-GB" sz="2800" dirty="0" smtClean="0">
-                <a:latin typeface="Arial" panose="020B0604020202020204" pitchFamily="34" charset="0"/>
-                <a:cs typeface="Arial" panose="020B0604020202020204" pitchFamily="34" charset="0"/>
-              </a:rPr>
-              <a:t>Read the tutorial file </a:t>
-            </a:r>
-            <a:r>
-              <a:rPr lang="en-GB" sz="2800" dirty="0" smtClean="0">
-                <a:latin typeface="Arial" panose="020B0604020202020204" pitchFamily="34" charset="0"/>
-                <a:cs typeface="Arial" panose="020B0604020202020204" pitchFamily="34" charset="0"/>
-              </a:rPr>
-              <a:t>in the </a:t>
-            </a:r>
-            <a:r>
-              <a:rPr lang="en-GB" sz="2800" dirty="0" err="1" smtClean="0">
-                <a:latin typeface="Arial" panose="020B0604020202020204" pitchFamily="34" charset="0"/>
-                <a:cs typeface="Arial" panose="020B0604020202020204" pitchFamily="34" charset="0"/>
-              </a:rPr>
-              <a:t>Github</a:t>
-            </a:r>
-            <a:r>
-              <a:rPr lang="en-GB" sz="2800" dirty="0" smtClean="0">
-                <a:latin typeface="Arial" panose="020B0604020202020204" pitchFamily="34" charset="0"/>
-                <a:cs typeface="Arial" panose="020B0604020202020204" pitchFamily="34" charset="0"/>
-              </a:rPr>
-              <a:t> repository for </a:t>
-            </a:r>
-            <a:r>
-              <a:rPr lang="en-GB" sz="2800" dirty="0" smtClean="0">
-                <a:latin typeface="Arial" panose="020B0604020202020204" pitchFamily="34" charset="0"/>
-                <a:cs typeface="Arial" panose="020B0604020202020204" pitchFamily="34" charset="0"/>
-              </a:rPr>
-              <a:t>details of the </a:t>
-            </a:r>
-            <a:r>
-              <a:rPr lang="en-GB" sz="2800" dirty="0" smtClean="0">
-                <a:latin typeface="Arial" panose="020B0604020202020204" pitchFamily="34" charset="0"/>
-                <a:cs typeface="Arial" panose="020B0604020202020204" pitchFamily="34" charset="0"/>
-              </a:rPr>
-              <a:t>calculations: </a:t>
-            </a:r>
-            <a:r>
-              <a:rPr lang="en-GB" sz="2800" b="1" i="1" dirty="0" smtClean="0">
-                <a:solidFill>
-                  <a:srgbClr val="FFFF00"/>
-                </a:solidFill>
-                <a:latin typeface="Arial" panose="020B0604020202020204" pitchFamily="34" charset="0"/>
-                <a:cs typeface="Arial" panose="020B0604020202020204" pitchFamily="34" charset="0"/>
-              </a:rPr>
-              <a:t>maximum </a:t>
-            </a:r>
-            <a:r>
-              <a:rPr lang="en-GB" sz="2800" b="1" i="1" dirty="0">
-                <a:solidFill>
-                  <a:srgbClr val="FFFF00"/>
-                </a:solidFill>
-                <a:latin typeface="Arial" panose="020B0604020202020204" pitchFamily="34" charset="0"/>
-                <a:cs typeface="Arial" panose="020B0604020202020204" pitchFamily="34" charset="0"/>
-              </a:rPr>
-              <a:t>likelihood estimation.pdf</a:t>
-            </a:r>
-          </a:p>
-          <a:p>
-            <a:endParaRPr lang="en-GB" sz="2800" dirty="0" smtClean="0">
-              <a:solidFill>
-                <a:srgbClr val="FFFF00"/>
-              </a:solidFill>
-              <a:latin typeface="Arial" panose="020B0604020202020204" pitchFamily="34" charset="0"/>
-              <a:cs typeface="Arial" panose="020B0604020202020204" pitchFamily="34" charset="0"/>
-            </a:endParaRPr>
-          </a:p>
-          <a:p>
-            <a:r>
-              <a:rPr lang="en-GB" sz="2800" dirty="0" smtClean="0">
-                <a:latin typeface="Arial" panose="020B0604020202020204" pitchFamily="34" charset="0"/>
-                <a:cs typeface="Arial" panose="020B0604020202020204" pitchFamily="34" charset="0"/>
-              </a:rPr>
-              <a:t>Under model 1 we have a single parameter, </a:t>
-            </a:r>
-            <a:r>
-              <a:rPr lang="en-GB" sz="2800" dirty="0" smtClean="0">
-                <a:solidFill>
-                  <a:srgbClr val="FFFF00"/>
-                </a:solidFill>
-                <a:latin typeface="Arial" panose="020B0604020202020204" pitchFamily="34" charset="0"/>
-                <a:cs typeface="Arial" panose="020B0604020202020204" pitchFamily="34" charset="0"/>
-              </a:rPr>
-              <a:t>p</a:t>
-            </a:r>
-            <a:r>
-              <a:rPr lang="en-GB" sz="2800" dirty="0" smtClean="0">
-                <a:latin typeface="Arial" panose="020B0604020202020204" pitchFamily="34" charset="0"/>
-                <a:cs typeface="Arial" panose="020B0604020202020204" pitchFamily="34" charset="0"/>
-              </a:rPr>
-              <a:t>, capturing the probability of hitting the scoring area of the dart board</a:t>
-            </a:r>
-            <a:endParaRPr lang="en-GB" sz="2800" dirty="0">
-              <a:latin typeface="Arial" panose="020B0604020202020204" pitchFamily="34" charset="0"/>
-              <a:cs typeface="Arial" panose="020B0604020202020204" pitchFamily="34" charset="0"/>
-            </a:endParaRPr>
-          </a:p>
-          <a:p>
-            <a:endParaRPr lang="en-GB" sz="2800" dirty="0" smtClean="0">
-              <a:latin typeface="Arial" panose="020B0604020202020204" pitchFamily="34" charset="0"/>
-              <a:cs typeface="Arial" panose="020B0604020202020204" pitchFamily="34" charset="0"/>
-            </a:endParaRPr>
-          </a:p>
-          <a:p>
-            <a:r>
-              <a:rPr lang="en-GB" sz="2800" dirty="0" smtClean="0">
-                <a:latin typeface="Arial" panose="020B0604020202020204" pitchFamily="34" charset="0"/>
-                <a:cs typeface="Arial" panose="020B0604020202020204" pitchFamily="34" charset="0"/>
-              </a:rPr>
-              <a:t>We find that the log-likelihood of model 1, LL1 = </a:t>
-            </a:r>
-            <a:r>
-              <a:rPr lang="en-GB" sz="2800" dirty="0" smtClean="0">
-                <a:solidFill>
-                  <a:srgbClr val="FFFF00"/>
-                </a:solidFill>
-                <a:latin typeface="Arial" panose="020B0604020202020204" pitchFamily="34" charset="0"/>
-                <a:cs typeface="Arial" panose="020B0604020202020204" pitchFamily="34" charset="0"/>
-              </a:rPr>
-              <a:t>-12.764</a:t>
-            </a:r>
-          </a:p>
-          <a:p>
-            <a:endParaRPr lang="en-GB" sz="2800" dirty="0" smtClean="0">
-              <a:solidFill>
-                <a:srgbClr val="FFFF00"/>
-              </a:solidFill>
-              <a:latin typeface="Arial" panose="020B0604020202020204" pitchFamily="34" charset="0"/>
-              <a:cs typeface="Arial" panose="020B0604020202020204" pitchFamily="34" charset="0"/>
-            </a:endParaRPr>
-          </a:p>
-          <a:p>
-            <a:r>
-              <a:rPr lang="en-GB" sz="2800" dirty="0">
-                <a:latin typeface="Arial" panose="020B0604020202020204" pitchFamily="34" charset="0"/>
-                <a:cs typeface="Arial" panose="020B0604020202020204" pitchFamily="34" charset="0"/>
-              </a:rPr>
-              <a:t>Under model </a:t>
-            </a:r>
-            <a:r>
-              <a:rPr lang="en-GB" sz="2800" dirty="0" smtClean="0">
-                <a:latin typeface="Arial" panose="020B0604020202020204" pitchFamily="34" charset="0"/>
-                <a:cs typeface="Arial" panose="020B0604020202020204" pitchFamily="34" charset="0"/>
-              </a:rPr>
-              <a:t>2 </a:t>
-            </a:r>
-            <a:r>
-              <a:rPr lang="en-GB" sz="2800" dirty="0">
-                <a:latin typeface="Arial" panose="020B0604020202020204" pitchFamily="34" charset="0"/>
-                <a:cs typeface="Arial" panose="020B0604020202020204" pitchFamily="34" charset="0"/>
-              </a:rPr>
-              <a:t>we have </a:t>
-            </a:r>
-            <a:r>
-              <a:rPr lang="en-GB" sz="2800" dirty="0" smtClean="0">
-                <a:latin typeface="Arial" panose="020B0604020202020204" pitchFamily="34" charset="0"/>
-                <a:cs typeface="Arial" panose="020B0604020202020204" pitchFamily="34" charset="0"/>
-              </a:rPr>
-              <a:t>two parameters, </a:t>
-            </a:r>
-            <a:r>
-              <a:rPr lang="en-GB" sz="2800" dirty="0" err="1" smtClean="0">
-                <a:solidFill>
-                  <a:srgbClr val="FFFF00"/>
-                </a:solidFill>
-                <a:latin typeface="Arial" panose="020B0604020202020204" pitchFamily="34" charset="0"/>
-                <a:cs typeface="Arial" panose="020B0604020202020204" pitchFamily="34" charset="0"/>
-              </a:rPr>
-              <a:t>p</a:t>
-            </a:r>
-            <a:r>
-              <a:rPr lang="en-GB" sz="2800" baseline="-25000" dirty="0" err="1" smtClean="0">
-                <a:solidFill>
-                  <a:srgbClr val="FFFF00"/>
-                </a:solidFill>
-                <a:latin typeface="Arial" panose="020B0604020202020204" pitchFamily="34" charset="0"/>
-                <a:cs typeface="Arial" panose="020B0604020202020204" pitchFamily="34" charset="0"/>
-              </a:rPr>
-              <a:t>L</a:t>
-            </a:r>
-            <a:r>
-              <a:rPr lang="en-GB" sz="2800" dirty="0" smtClean="0">
-                <a:latin typeface="Arial" panose="020B0604020202020204" pitchFamily="34" charset="0"/>
-                <a:cs typeface="Arial" panose="020B0604020202020204" pitchFamily="34" charset="0"/>
-              </a:rPr>
-              <a:t> and </a:t>
-            </a:r>
-            <a:r>
-              <a:rPr lang="en-GB" sz="2800" dirty="0" err="1" smtClean="0">
-                <a:solidFill>
-                  <a:srgbClr val="FFFF00"/>
-                </a:solidFill>
-                <a:latin typeface="Arial" panose="020B0604020202020204" pitchFamily="34" charset="0"/>
-                <a:cs typeface="Arial" panose="020B0604020202020204" pitchFamily="34" charset="0"/>
-              </a:rPr>
-              <a:t>p</a:t>
-            </a:r>
-            <a:r>
-              <a:rPr lang="en-GB" sz="2800" baseline="-25000" dirty="0" err="1" smtClean="0">
-                <a:solidFill>
-                  <a:srgbClr val="FFFF00"/>
-                </a:solidFill>
-                <a:latin typeface="Arial" panose="020B0604020202020204" pitchFamily="34" charset="0"/>
-                <a:cs typeface="Arial" panose="020B0604020202020204" pitchFamily="34" charset="0"/>
-              </a:rPr>
-              <a:t>R</a:t>
-            </a:r>
-            <a:r>
-              <a:rPr lang="en-GB" sz="2800" dirty="0" smtClean="0">
-                <a:latin typeface="Arial" panose="020B0604020202020204" pitchFamily="34" charset="0"/>
-                <a:cs typeface="Arial" panose="020B0604020202020204" pitchFamily="34" charset="0"/>
-              </a:rPr>
-              <a:t>, </a:t>
-            </a:r>
-            <a:r>
-              <a:rPr lang="en-GB" sz="2800" dirty="0">
-                <a:latin typeface="Arial" panose="020B0604020202020204" pitchFamily="34" charset="0"/>
-                <a:cs typeface="Arial" panose="020B0604020202020204" pitchFamily="34" charset="0"/>
-              </a:rPr>
-              <a:t>capturing the probability of hitting the scoring area of the dart </a:t>
-            </a:r>
-            <a:r>
-              <a:rPr lang="en-GB" sz="2800" dirty="0" smtClean="0">
-                <a:latin typeface="Arial" panose="020B0604020202020204" pitchFamily="34" charset="0"/>
-                <a:cs typeface="Arial" panose="020B0604020202020204" pitchFamily="34" charset="0"/>
-              </a:rPr>
-              <a:t>board with the L and R </a:t>
-            </a:r>
-            <a:r>
-              <a:rPr lang="en-GB" sz="2800" dirty="0" smtClean="0">
-                <a:latin typeface="Arial" panose="020B0604020202020204" pitchFamily="34" charset="0"/>
-                <a:cs typeface="Arial" panose="020B0604020202020204" pitchFamily="34" charset="0"/>
-              </a:rPr>
-              <a:t>hands respectively</a:t>
-            </a:r>
-            <a:endParaRPr lang="en-GB" sz="2800" dirty="0" smtClean="0">
-              <a:latin typeface="Arial" panose="020B0604020202020204" pitchFamily="34" charset="0"/>
-              <a:cs typeface="Arial" panose="020B0604020202020204" pitchFamily="34" charset="0"/>
-            </a:endParaRPr>
-          </a:p>
-          <a:p>
-            <a:endParaRPr lang="en-GB" sz="2800" dirty="0">
-              <a:latin typeface="Arial" panose="020B0604020202020204" pitchFamily="34" charset="0"/>
-              <a:cs typeface="Arial" panose="020B0604020202020204" pitchFamily="34" charset="0"/>
-            </a:endParaRPr>
-          </a:p>
-          <a:p>
-            <a:r>
-              <a:rPr lang="en-GB" sz="2800" dirty="0">
-                <a:latin typeface="Arial" panose="020B0604020202020204" pitchFamily="34" charset="0"/>
-                <a:cs typeface="Arial" panose="020B0604020202020204" pitchFamily="34" charset="0"/>
-              </a:rPr>
-              <a:t>We find that the log-likelihood of model </a:t>
-            </a:r>
-            <a:r>
-              <a:rPr lang="en-GB" sz="2800" dirty="0" smtClean="0">
-                <a:latin typeface="Arial" panose="020B0604020202020204" pitchFamily="34" charset="0"/>
-                <a:cs typeface="Arial" panose="020B0604020202020204" pitchFamily="34" charset="0"/>
-              </a:rPr>
-              <a:t>2, LL2 </a:t>
-            </a:r>
-            <a:r>
-              <a:rPr lang="en-GB" sz="2800" dirty="0">
-                <a:latin typeface="Arial" panose="020B0604020202020204" pitchFamily="34" charset="0"/>
-                <a:cs typeface="Arial" panose="020B0604020202020204" pitchFamily="34" charset="0"/>
-              </a:rPr>
-              <a:t>= </a:t>
-            </a:r>
-            <a:r>
-              <a:rPr lang="en-GB" sz="2800" dirty="0" smtClean="0">
-                <a:solidFill>
-                  <a:srgbClr val="FFFF00"/>
-                </a:solidFill>
-                <a:latin typeface="Arial" panose="020B0604020202020204" pitchFamily="34" charset="0"/>
-                <a:cs typeface="Arial" panose="020B0604020202020204" pitchFamily="34" charset="0"/>
-              </a:rPr>
-              <a:t>-4.135</a:t>
-            </a:r>
-            <a:endParaRPr lang="en-GB" sz="2800" dirty="0">
-              <a:solidFill>
-                <a:srgbClr val="FFFF00"/>
-              </a:solidFill>
-              <a:latin typeface="Arial" panose="020B0604020202020204" pitchFamily="34" charset="0"/>
-              <a:cs typeface="Arial" panose="020B0604020202020204" pitchFamily="34" charset="0"/>
-            </a:endParaRPr>
-          </a:p>
-          <a:p>
-            <a:endParaRPr lang="en-GB" sz="2800" dirty="0">
-              <a:solidFill>
-                <a:srgbClr val="FFFF00"/>
-              </a:solidFill>
-              <a:latin typeface="Arial" panose="020B0604020202020204" pitchFamily="34" charset="0"/>
-              <a:cs typeface="Arial" panose="020B0604020202020204" pitchFamily="34" charset="0"/>
-            </a:endParaRPr>
-          </a:p>
-        </p:txBody>
-      </p:sp>
-    </p:spTree>
-    <p:extLst>
-      <p:ext uri="{BB962C8B-B14F-4D97-AF65-F5344CB8AC3E}">
-        <p14:creationId xmlns:p14="http://schemas.microsoft.com/office/powerpoint/2010/main" val="1224776459"/>
       </p:ext>
     </p:extLst>
   </p:cSld>
@@ -8265,29 +8404,7 @@
                 <a:latin typeface="Arial" panose="020B0604020202020204" pitchFamily="34" charset="0"/>
                 <a:cs typeface="Arial" panose="020B0604020202020204" pitchFamily="34" charset="0"/>
               </a:rPr>
-              <a:t>Analysing some data: </a:t>
-            </a:r>
-            <a:r>
-              <a:rPr lang="en-GB" sz="4400" b="1" dirty="0" smtClean="0">
-                <a:solidFill>
-                  <a:srgbClr val="FFFF00"/>
-                </a:solidFill>
-                <a:effectLst/>
-                <a:latin typeface="Arial" panose="020B0604020202020204" pitchFamily="34" charset="0"/>
-                <a:cs typeface="Arial" panose="020B0604020202020204" pitchFamily="34" charset="0"/>
-              </a:rPr>
-              <a:t>3</a:t>
-            </a:r>
-            <a:r>
-              <a:rPr lang="en-GB" sz="4400" b="1" dirty="0" smtClean="0">
-                <a:solidFill>
-                  <a:srgbClr val="FFFF00"/>
-                </a:solidFill>
-                <a:effectLst/>
-                <a:latin typeface="Arial" panose="020B0604020202020204" pitchFamily="34" charset="0"/>
-                <a:cs typeface="Arial" panose="020B0604020202020204" pitchFamily="34" charset="0"/>
-              </a:rPr>
-              <a:t/>
+              <a:t>Analysing some data: 2</a:t>
             </a:r>
             <a:br>
               <a:rPr lang="en-GB" sz="4400" b="1" dirty="0" smtClean="0">
@@ -8402,8 +8519,8 @@
         </p:nvSpPr>
         <p:spPr>
           <a:xfrm>
-            <a:off x="381965" y="983849"/>
-            <a:ext cx="11609407" cy="4401205"/>
+            <a:off x="416689" y="798654"/>
+            <a:ext cx="11609407" cy="6124754"/>
           </a:xfrm>
           <a:prstGeom prst="rect">
             <a:avLst/>
@@ -8416,42 +8533,81 @@
           </a:bodyPr>
           <a:lstStyle/>
           <a:p>
-            <a:pPr marL="457200" indent="-457200">
-              <a:buFont typeface="Arial" panose="020B0604020202020204" pitchFamily="34" charset="0"/>
-              <a:buChar char="•"/>
-            </a:pPr>
             <a:r>
               <a:rPr lang="en-GB" sz="2800" dirty="0" smtClean="0">
                 <a:latin typeface="Arial" panose="020B0604020202020204" pitchFamily="34" charset="0"/>
                 <a:cs typeface="Arial" panose="020B0604020202020204" pitchFamily="34" charset="0"/>
               </a:rPr>
-              <a:t>Our key question is to try to determine which model fits the data better, bearing in mind that one model has 2 parameters and the other has only 1.</a:t>
-            </a:r>
-          </a:p>
-          <a:p>
-            <a:pPr marL="457200" indent="-457200">
-              <a:buFont typeface="Arial" panose="020B0604020202020204" pitchFamily="34" charset="0"/>
-              <a:buChar char="•"/>
-            </a:pPr>
+              <a:t>Read the tutorial file in the </a:t>
+            </a:r>
+            <a:r>
+              <a:rPr lang="en-GB" sz="2800" dirty="0" err="1" smtClean="0">
+                <a:latin typeface="Arial" panose="020B0604020202020204" pitchFamily="34" charset="0"/>
+                <a:cs typeface="Arial" panose="020B0604020202020204" pitchFamily="34" charset="0"/>
+              </a:rPr>
+              <a:t>Github</a:t>
+            </a:r>
             <a:r>
               <a:rPr lang="en-GB" sz="2800" dirty="0" smtClean="0">
                 <a:latin typeface="Arial" panose="020B0604020202020204" pitchFamily="34" charset="0"/>
                 <a:cs typeface="Arial" panose="020B0604020202020204" pitchFamily="34" charset="0"/>
               </a:rPr>
-              <a:t>In general models with more parameters fit the data than models with fewer, but we strive for parsimonious explanations so we must assess whether the additional parameters achieve a worthwhile enhancement of the fit</a:t>
-            </a:r>
-          </a:p>
-          <a:p>
-            <a:pPr marL="457200" indent="-457200">
-              <a:buFont typeface="Arial" panose="020B0604020202020204" pitchFamily="34" charset="0"/>
-              <a:buChar char="•"/>
-            </a:pPr>
+              <a:t> repository for details of the calculations: </a:t>
+            </a:r>
+            <a:r>
+              <a:rPr lang="en-GB" sz="2800" b="1" i="1" dirty="0" smtClean="0">
+                <a:solidFill>
+                  <a:srgbClr val="FFFF00"/>
+                </a:solidFill>
+                <a:latin typeface="Arial" panose="020B0604020202020204" pitchFamily="34" charset="0"/>
+                <a:cs typeface="Arial" panose="020B0604020202020204" pitchFamily="34" charset="0"/>
+              </a:rPr>
+              <a:t>maximum </a:t>
+            </a:r>
+            <a:r>
+              <a:rPr lang="en-GB" sz="2800" b="1" i="1" dirty="0">
+                <a:solidFill>
+                  <a:srgbClr val="FFFF00"/>
+                </a:solidFill>
+                <a:latin typeface="Arial" panose="020B0604020202020204" pitchFamily="34" charset="0"/>
+                <a:cs typeface="Arial" panose="020B0604020202020204" pitchFamily="34" charset="0"/>
+              </a:rPr>
+              <a:t>likelihood estimation.pdf</a:t>
+            </a:r>
+          </a:p>
+          <a:p>
+            <a:endParaRPr lang="en-GB" sz="2800" dirty="0" smtClean="0">
+              <a:solidFill>
+                <a:srgbClr val="FFFF00"/>
+              </a:solidFill>
+              <a:latin typeface="Arial" panose="020B0604020202020204" pitchFamily="34" charset="0"/>
+              <a:cs typeface="Arial" panose="020B0604020202020204" pitchFamily="34" charset="0"/>
+            </a:endParaRPr>
+          </a:p>
+          <a:p>
             <a:r>
               <a:rPr lang="en-GB" sz="2800" dirty="0" smtClean="0">
                 <a:latin typeface="Arial" panose="020B0604020202020204" pitchFamily="34" charset="0"/>
                 <a:cs typeface="Arial" panose="020B0604020202020204" pitchFamily="34" charset="0"/>
               </a:rPr>
-              <a:t>We will explore this using traditional statistics and then via Bayes factors</a:t>
+              <a:t>Under model 1 we have a single parameter, </a:t>
+            </a:r>
+            <a:r>
+              <a:rPr lang="en-GB" sz="2800" dirty="0" smtClean="0">
+                <a:solidFill>
+                  <a:srgbClr val="FFFF00"/>
+                </a:solidFill>
+                <a:latin typeface="Arial" panose="020B0604020202020204" pitchFamily="34" charset="0"/>
+                <a:cs typeface="Arial" panose="020B0604020202020204" pitchFamily="34" charset="0"/>
+              </a:rPr>
+              <a:t>p</a:t>
+            </a:r>
+            <a:r>
+              <a:rPr lang="en-GB" sz="2800" dirty="0" smtClean="0">
+                <a:latin typeface="Arial" panose="020B0604020202020204" pitchFamily="34" charset="0"/>
+                <a:cs typeface="Arial" panose="020B0604020202020204" pitchFamily="34" charset="0"/>
+              </a:rPr>
+              <a:t>, capturing the probability of hitting the scoring area of the dart board</a:t>
             </a:r>
             <a:endParaRPr lang="en-GB" sz="2800" dirty="0">
               <a:latin typeface="Arial" panose="020B0604020202020204" pitchFamily="34" charset="0"/>
@@ -8459,6 +8615,175 @@
             </a:endParaRPr>
           </a:p>
           <a:p>
+            <a:endParaRPr lang="en-GB" sz="2800" dirty="0" smtClean="0">
+              <a:latin typeface="Arial" panose="020B0604020202020204" pitchFamily="34" charset="0"/>
+              <a:cs typeface="Arial" panose="020B0604020202020204" pitchFamily="34" charset="0"/>
+            </a:endParaRPr>
+          </a:p>
+          <a:p>
+            <a:r>
+              <a:rPr lang="en-GB" sz="2800" dirty="0" smtClean="0">
+                <a:latin typeface="Arial" panose="020B0604020202020204" pitchFamily="34" charset="0"/>
+                <a:cs typeface="Arial" panose="020B0604020202020204" pitchFamily="34" charset="0"/>
+              </a:rPr>
+              <a:t>We find that the log-likelihood of model 1, LL1 = </a:t>
+            </a:r>
+            <a:r>
+              <a:rPr lang="en-GB" sz="2800" dirty="0" smtClean="0">
+                <a:solidFill>
+                  <a:srgbClr val="FFFF00"/>
+                </a:solidFill>
+                <a:latin typeface="Arial" panose="020B0604020202020204" pitchFamily="34" charset="0"/>
+                <a:cs typeface="Arial" panose="020B0604020202020204" pitchFamily="34" charset="0"/>
+              </a:rPr>
+              <a:t>-12.764</a:t>
+            </a:r>
+          </a:p>
+          <a:p>
+            <a:endParaRPr lang="en-GB" sz="2800" dirty="0" smtClean="0">
+              <a:solidFill>
+                <a:srgbClr val="FFFF00"/>
+              </a:solidFill>
+              <a:latin typeface="Arial" panose="020B0604020202020204" pitchFamily="34" charset="0"/>
+              <a:cs typeface="Arial" panose="020B0604020202020204" pitchFamily="34" charset="0"/>
+            </a:endParaRPr>
+          </a:p>
+          <a:p>
+            <a:r>
+              <a:rPr lang="en-GB" sz="2800" dirty="0">
+                <a:latin typeface="Arial" panose="020B0604020202020204" pitchFamily="34" charset="0"/>
+                <a:cs typeface="Arial" panose="020B0604020202020204" pitchFamily="34" charset="0"/>
+              </a:rPr>
+              <a:t>Under model </a:t>
+            </a:r>
+            <a:r>
+              <a:rPr lang="en-GB" sz="2800" dirty="0" smtClean="0">
+                <a:latin typeface="Arial" panose="020B0604020202020204" pitchFamily="34" charset="0"/>
+                <a:cs typeface="Arial" panose="020B0604020202020204" pitchFamily="34" charset="0"/>
+              </a:rPr>
+              <a:t>2 </a:t>
+            </a:r>
+            <a:r>
+              <a:rPr lang="en-GB" sz="2800" dirty="0">
+                <a:latin typeface="Arial" panose="020B0604020202020204" pitchFamily="34" charset="0"/>
+                <a:cs typeface="Arial" panose="020B0604020202020204" pitchFamily="34" charset="0"/>
+              </a:rPr>
+              <a:t>we have </a:t>
+            </a:r>
+            <a:r>
+              <a:rPr lang="en-GB" sz="2800" dirty="0" smtClean="0">
+                <a:latin typeface="Arial" panose="020B0604020202020204" pitchFamily="34" charset="0"/>
+                <a:cs typeface="Arial" panose="020B0604020202020204" pitchFamily="34" charset="0"/>
+              </a:rPr>
+              <a:t>two parameters, </a:t>
+            </a:r>
+            <a:r>
+              <a:rPr lang="en-GB" sz="2800" dirty="0" err="1" smtClean="0">
+                <a:solidFill>
+                  <a:srgbClr val="FFFF00"/>
+                </a:solidFill>
+                <a:latin typeface="Arial" panose="020B0604020202020204" pitchFamily="34" charset="0"/>
+                <a:cs typeface="Arial" panose="020B0604020202020204" pitchFamily="34" charset="0"/>
+              </a:rPr>
+              <a:t>p</a:t>
+            </a:r>
+            <a:r>
+              <a:rPr lang="en-GB" sz="2800" baseline="-25000" dirty="0" err="1" smtClean="0">
+                <a:solidFill>
+                  <a:srgbClr val="FFFF00"/>
+                </a:solidFill>
+                <a:latin typeface="Arial" panose="020B0604020202020204" pitchFamily="34" charset="0"/>
+                <a:cs typeface="Arial" panose="020B0604020202020204" pitchFamily="34" charset="0"/>
+              </a:rPr>
+              <a:t>L</a:t>
+            </a:r>
+            <a:r>
+              <a:rPr lang="en-GB" sz="2800" dirty="0" smtClean="0">
+                <a:latin typeface="Arial" panose="020B0604020202020204" pitchFamily="34" charset="0"/>
+                <a:cs typeface="Arial" panose="020B0604020202020204" pitchFamily="34" charset="0"/>
+              </a:rPr>
+              <a:t> and </a:t>
+            </a:r>
+            <a:r>
+              <a:rPr lang="en-GB" sz="2800" dirty="0" err="1" smtClean="0">
+                <a:solidFill>
+                  <a:srgbClr val="FFFF00"/>
+                </a:solidFill>
+                <a:latin typeface="Arial" panose="020B0604020202020204" pitchFamily="34" charset="0"/>
+                <a:cs typeface="Arial" panose="020B0604020202020204" pitchFamily="34" charset="0"/>
+              </a:rPr>
+              <a:t>p</a:t>
+            </a:r>
+            <a:r>
+              <a:rPr lang="en-GB" sz="2800" baseline="-25000" dirty="0" err="1" smtClean="0">
+                <a:solidFill>
+                  <a:srgbClr val="FFFF00"/>
+                </a:solidFill>
+                <a:latin typeface="Arial" panose="020B0604020202020204" pitchFamily="34" charset="0"/>
+                <a:cs typeface="Arial" panose="020B0604020202020204" pitchFamily="34" charset="0"/>
+              </a:rPr>
+              <a:t>R</a:t>
+            </a:r>
+            <a:r>
+              <a:rPr lang="en-GB" sz="2800" dirty="0" smtClean="0">
+                <a:latin typeface="Arial" panose="020B0604020202020204" pitchFamily="34" charset="0"/>
+                <a:cs typeface="Arial" panose="020B0604020202020204" pitchFamily="34" charset="0"/>
+              </a:rPr>
+              <a:t>, </a:t>
+            </a:r>
+            <a:r>
+              <a:rPr lang="en-GB" sz="2800" dirty="0">
+                <a:latin typeface="Arial" panose="020B0604020202020204" pitchFamily="34" charset="0"/>
+                <a:cs typeface="Arial" panose="020B0604020202020204" pitchFamily="34" charset="0"/>
+              </a:rPr>
+              <a:t>capturing the probability of hitting the scoring area of the dart </a:t>
+            </a:r>
+            <a:r>
+              <a:rPr lang="en-GB" sz="2800" dirty="0" smtClean="0">
+                <a:latin typeface="Arial" panose="020B0604020202020204" pitchFamily="34" charset="0"/>
+                <a:cs typeface="Arial" panose="020B0604020202020204" pitchFamily="34" charset="0"/>
+              </a:rPr>
+              <a:t>board with the L and R hands respectively</a:t>
+            </a:r>
+          </a:p>
+          <a:p>
+            <a:endParaRPr lang="en-GB" sz="2800" dirty="0">
+              <a:latin typeface="Arial" panose="020B0604020202020204" pitchFamily="34" charset="0"/>
+              <a:cs typeface="Arial" panose="020B0604020202020204" pitchFamily="34" charset="0"/>
+            </a:endParaRPr>
+          </a:p>
+          <a:p>
+            <a:r>
+              <a:rPr lang="en-GB" sz="2800" dirty="0">
+                <a:latin typeface="Arial" panose="020B0604020202020204" pitchFamily="34" charset="0"/>
+                <a:cs typeface="Arial" panose="020B0604020202020204" pitchFamily="34" charset="0"/>
+              </a:rPr>
+              <a:t>We find that the log-likelihood of model </a:t>
+            </a:r>
+            <a:r>
+              <a:rPr lang="en-GB" sz="2800" dirty="0" smtClean="0">
+                <a:latin typeface="Arial" panose="020B0604020202020204" pitchFamily="34" charset="0"/>
+                <a:cs typeface="Arial" panose="020B0604020202020204" pitchFamily="34" charset="0"/>
+              </a:rPr>
+              <a:t>2, LL2 </a:t>
+            </a:r>
+            <a:r>
+              <a:rPr lang="en-GB" sz="2800" dirty="0">
+                <a:latin typeface="Arial" panose="020B0604020202020204" pitchFamily="34" charset="0"/>
+                <a:cs typeface="Arial" panose="020B0604020202020204" pitchFamily="34" charset="0"/>
+              </a:rPr>
+              <a:t>= </a:t>
+            </a:r>
+            <a:r>
+              <a:rPr lang="en-GB" sz="2800" dirty="0" smtClean="0">
+                <a:solidFill>
+                  <a:srgbClr val="FFFF00"/>
+                </a:solidFill>
+                <a:latin typeface="Arial" panose="020B0604020202020204" pitchFamily="34" charset="0"/>
+                <a:cs typeface="Arial" panose="020B0604020202020204" pitchFamily="34" charset="0"/>
+              </a:rPr>
+              <a:t>-4.135</a:t>
+            </a:r>
             <a:endParaRPr lang="en-GB" sz="2800" dirty="0">
               <a:solidFill>
                 <a:srgbClr val="FFFF00"/>
@@ -8467,12 +8792,21 @@
               <a:cs typeface="Arial" panose="020B0604020202020204" pitchFamily="34" charset="0"/>
             </a:endParaRPr>
           </a:p>
+          <a:p>
+            <a:endParaRPr lang="en-GB" sz="2800" dirty="0">
+              <a:solidFill>
+                <a:srgbClr val="FFFF00"/>
+              </a:solidFill>
+              <a:latin typeface="Arial" panose="020B0604020202020204" pitchFamily="34" charset="0"/>
+              <a:cs typeface="Arial" panose="020B0604020202020204" pitchFamily="34" charset="0"/>
+            </a:endParaRPr>
+          </a:p>
         </p:txBody>
       </p:sp>
     </p:spTree>
     <p:extLst>
       <p:ext uri="{BB962C8B-B14F-4D97-AF65-F5344CB8AC3E}">
-        <p14:creationId xmlns:p14="http://schemas.microsoft.com/office/powerpoint/2010/main" val="31049599"/>
+        <p14:creationId xmlns:p14="http://schemas.microsoft.com/office/powerpoint/2010/main" val="1224776459"/>
       </p:ext>
     </p:extLst>
   </p:cSld>
@@ -8518,6 +8852,257 @@
         </p:nvSpPr>
         <p:spPr>
           <a:xfrm>
+            <a:off x="1487347" y="156908"/>
+            <a:ext cx="9144000" cy="641746"/>
+          </a:xfrm>
+        </p:spPr>
+        <p:txBody>
+          <a:bodyPr>
+            <a:normAutofit fontScale="90000"/>
+          </a:bodyPr>
+          <a:lstStyle/>
+          <a:p>
+            <a:pPr algn="ctr"/>
+            <a:r>
+              <a:rPr lang="en-GB" sz="4400" b="1" dirty="0" smtClean="0">
+                <a:solidFill>
+                  <a:srgbClr val="FFFF00"/>
+                </a:solidFill>
+                <a:effectLst/>
+                <a:latin typeface="Arial" panose="020B0604020202020204" pitchFamily="34" charset="0"/>
+                <a:cs typeface="Arial" panose="020B0604020202020204" pitchFamily="34" charset="0"/>
+              </a:rPr>
+              <a:t>Analysing some data: 3</a:t>
+            </a:r>
+            <a:br>
+              <a:rPr lang="en-GB" sz="4400" b="1" dirty="0" smtClean="0">
+                <a:solidFill>
+                  <a:srgbClr val="FFFF00"/>
+                </a:solidFill>
+                <a:effectLst/>
+                <a:latin typeface="Arial" panose="020B0604020202020204" pitchFamily="34" charset="0"/>
+                <a:cs typeface="Arial" panose="020B0604020202020204" pitchFamily="34" charset="0"/>
+              </a:rPr>
+            </a:br>
+            <a:r>
+              <a:rPr lang="en-GB" sz="4400" b="1" dirty="0" smtClean="0">
+                <a:solidFill>
+                  <a:srgbClr val="FFFF00"/>
+                </a:solidFill>
+                <a:effectLst/>
+                <a:latin typeface="Arial" panose="020B0604020202020204" pitchFamily="34" charset="0"/>
+                <a:cs typeface="Arial" panose="020B0604020202020204" pitchFamily="34" charset="0"/>
+              </a:rPr>
+              <a:t/>
+            </a:r>
+            <a:br>
+              <a:rPr lang="en-GB" sz="4400" b="1" dirty="0" smtClean="0">
+                <a:solidFill>
+                  <a:srgbClr val="FFFF00"/>
+                </a:solidFill>
+                <a:effectLst/>
+                <a:latin typeface="Arial" panose="020B0604020202020204" pitchFamily="34" charset="0"/>
+                <a:cs typeface="Arial" panose="020B0604020202020204" pitchFamily="34" charset="0"/>
+              </a:rPr>
+            </a:br>
+            <a:r>
+              <a:rPr lang="en-GB" sz="4400" b="1" dirty="0">
+                <a:solidFill>
+                  <a:srgbClr val="FFFF00"/>
+                </a:solidFill>
+                <a:effectLst/>
+                <a:latin typeface="Arial" panose="020B0604020202020204" pitchFamily="34" charset="0"/>
+                <a:cs typeface="Arial" panose="020B0604020202020204" pitchFamily="34" charset="0"/>
+              </a:rPr>
+              <a:t/>
+            </a:r>
+            <a:br>
+              <a:rPr lang="en-GB" sz="4400" b="1" dirty="0">
+                <a:solidFill>
+                  <a:srgbClr val="FFFF00"/>
+                </a:solidFill>
+                <a:effectLst/>
+                <a:latin typeface="Arial" panose="020B0604020202020204" pitchFamily="34" charset="0"/>
+                <a:cs typeface="Arial" panose="020B0604020202020204" pitchFamily="34" charset="0"/>
+              </a:rPr>
+            </a:br>
+            <a:r>
+              <a:rPr lang="en-GB" sz="4400" b="1" dirty="0" smtClean="0">
+                <a:solidFill>
+                  <a:srgbClr val="FFFF00"/>
+                </a:solidFill>
+                <a:effectLst/>
+                <a:latin typeface="Arial" panose="020B0604020202020204" pitchFamily="34" charset="0"/>
+                <a:cs typeface="Arial" panose="020B0604020202020204" pitchFamily="34" charset="0"/>
+              </a:rPr>
+              <a:t/>
+            </a:r>
+            <a:br>
+              <a:rPr lang="en-GB" sz="4400" b="1" dirty="0" smtClean="0">
+                <a:solidFill>
+                  <a:srgbClr val="FFFF00"/>
+                </a:solidFill>
+                <a:effectLst/>
+                <a:latin typeface="Arial" panose="020B0604020202020204" pitchFamily="34" charset="0"/>
+                <a:cs typeface="Arial" panose="020B0604020202020204" pitchFamily="34" charset="0"/>
+              </a:rPr>
+            </a:br>
+            <a:r>
+              <a:rPr lang="en-GB" sz="4400" b="1" dirty="0">
+                <a:solidFill>
+                  <a:srgbClr val="FFFF00"/>
+                </a:solidFill>
+                <a:effectLst/>
+                <a:latin typeface="Arial" panose="020B0604020202020204" pitchFamily="34" charset="0"/>
+                <a:cs typeface="Arial" panose="020B0604020202020204" pitchFamily="34" charset="0"/>
+              </a:rPr>
+              <a:t/>
+            </a:r>
+            <a:br>
+              <a:rPr lang="en-GB" sz="4400" b="1" dirty="0">
+                <a:solidFill>
+                  <a:srgbClr val="FFFF00"/>
+                </a:solidFill>
+                <a:effectLst/>
+                <a:latin typeface="Arial" panose="020B0604020202020204" pitchFamily="34" charset="0"/>
+                <a:cs typeface="Arial" panose="020B0604020202020204" pitchFamily="34" charset="0"/>
+              </a:rPr>
+            </a:br>
+            <a:endParaRPr lang="en-GB" sz="4400" b="1" spc="0" dirty="0">
+              <a:solidFill>
+                <a:srgbClr val="FFFF00"/>
+              </a:solidFill>
+              <a:effectLst/>
+              <a:latin typeface="Arial" panose="020B0604020202020204" pitchFamily="34" charset="0"/>
+              <a:cs typeface="Arial" panose="020B0604020202020204" pitchFamily="34" charset="0"/>
+            </a:endParaRPr>
+          </a:p>
+        </p:txBody>
+      </p:sp>
+      <p:sp>
+        <p:nvSpPr>
+          <p:cNvPr id="5" name="TextBox 4"/>
+          <p:cNvSpPr txBox="1"/>
+          <p:nvPr/>
+        </p:nvSpPr>
+        <p:spPr>
+          <a:xfrm>
+            <a:off x="381965" y="983849"/>
+            <a:ext cx="11609407" cy="4401205"/>
+          </a:xfrm>
+          <a:prstGeom prst="rect">
+            <a:avLst/>
+          </a:prstGeom>
+          <a:noFill/>
+        </p:spPr>
+        <p:txBody>
+          <a:bodyPr wrap="square" rtlCol="0">
+            <a:spAutoFit/>
+          </a:bodyPr>
+          <a:lstStyle/>
+          <a:p>
+            <a:pPr marL="457200" indent="-457200">
+              <a:buFont typeface="Arial" panose="020B0604020202020204" pitchFamily="34" charset="0"/>
+              <a:buChar char="•"/>
+            </a:pPr>
+            <a:r>
+              <a:rPr lang="en-GB" sz="2800" dirty="0" smtClean="0">
+                <a:latin typeface="Arial" panose="020B0604020202020204" pitchFamily="34" charset="0"/>
+                <a:cs typeface="Arial" panose="020B0604020202020204" pitchFamily="34" charset="0"/>
+              </a:rPr>
+              <a:t>Our key question is to try to determine which model fits the data better, bearing in mind that one model has 2 parameters and the other has only 1.</a:t>
+            </a:r>
+          </a:p>
+          <a:p>
+            <a:pPr marL="457200" indent="-457200">
+              <a:buFont typeface="Arial" panose="020B0604020202020204" pitchFamily="34" charset="0"/>
+              <a:buChar char="•"/>
+            </a:pPr>
+            <a:r>
+              <a:rPr lang="en-GB" sz="2800" dirty="0" smtClean="0">
+                <a:latin typeface="Arial" panose="020B0604020202020204" pitchFamily="34" charset="0"/>
+                <a:cs typeface="Arial" panose="020B0604020202020204" pitchFamily="34" charset="0"/>
+              </a:rPr>
+              <a:t>In general models with more parameters fit the data than models with fewer, but we strive for parsimonious explanations so we must assess whether the additional parameters achieve a worthwhile enhancement of the fit</a:t>
+            </a:r>
+          </a:p>
+          <a:p>
+            <a:pPr marL="457200" indent="-457200">
+              <a:buFont typeface="Arial" panose="020B0604020202020204" pitchFamily="34" charset="0"/>
+              <a:buChar char="•"/>
+            </a:pPr>
+            <a:r>
+              <a:rPr lang="en-GB" sz="2800" dirty="0" smtClean="0">
+                <a:latin typeface="Arial" panose="020B0604020202020204" pitchFamily="34" charset="0"/>
+                <a:cs typeface="Arial" panose="020B0604020202020204" pitchFamily="34" charset="0"/>
+              </a:rPr>
+              <a:t>We will explore this using traditional statistics and then via Bayes factors</a:t>
+            </a:r>
+            <a:endParaRPr lang="en-GB" sz="2800" dirty="0">
+              <a:latin typeface="Arial" panose="020B0604020202020204" pitchFamily="34" charset="0"/>
+              <a:cs typeface="Arial" panose="020B0604020202020204" pitchFamily="34" charset="0"/>
+            </a:endParaRPr>
+          </a:p>
+          <a:p>
+            <a:endParaRPr lang="en-GB" sz="2800" dirty="0">
+              <a:solidFill>
+                <a:srgbClr val="FFFF00"/>
+              </a:solidFill>
+              <a:latin typeface="Arial" panose="020B0604020202020204" pitchFamily="34" charset="0"/>
+              <a:cs typeface="Arial" panose="020B0604020202020204" pitchFamily="34" charset="0"/>
+            </a:endParaRPr>
+          </a:p>
+        </p:txBody>
+      </p:sp>
+    </p:spTree>
+    <p:extLst>
+      <p:ext uri="{BB962C8B-B14F-4D97-AF65-F5344CB8AC3E}">
+        <p14:creationId xmlns:p14="http://schemas.microsoft.com/office/powerpoint/2010/main" val="31049599"/>
+      </p:ext>
+    </p:extLst>
+  </p:cSld>
+  <p:clrMapOvr>
+    <a:masterClrMapping/>
+  </p:clrMapOvr>
+  <p:timing>
+    <p:tnLst>
+      <p:par>
+        <p:cTn id="1" dur="indefinite" restart="never" nodeType="tmRoot"/>
+      </p:par>
+    </p:tnLst>
+  </p:timing>
+</p:sld>
+</file>
+
+<file path=ppt/slides/slide16.xml><?xml version="1.0" encoding="utf-8"?>
+<p:sld xmlns:a="http://schemas.openxmlformats.org/drawingml/2006/main" xmlns:r="http://schemas.openxmlformats.org/officeDocument/2006/relationships" xmlns:p="http://schemas.openxmlformats.org/presentationml/2006/main">
+  <p:cSld>
+    <p:spTree>
+      <p:nvGrpSpPr>
+        <p:cNvPr id="1" name=""/>
+        <p:cNvGrpSpPr/>
+        <p:nvPr/>
+      </p:nvGrpSpPr>
+      <p:grpSpPr>
+        <a:xfrm>
+          <a:off x="0" y="0"/>
+          <a:ext cx="0" cy="0"/>
+          <a:chOff x="0" y="0"/>
+          <a:chExt cx="0" cy="0"/>
+        </a:xfrm>
+      </p:grpSpPr>
+      <p:sp>
+        <p:nvSpPr>
+          <p:cNvPr id="2" name="Title 1"/>
+          <p:cNvSpPr>
+            <a:spLocks noGrp="1"/>
+          </p:cNvSpPr>
+          <p:nvPr>
+            <p:ph type="ctrTitle"/>
+          </p:nvPr>
+        </p:nvSpPr>
+        <p:spPr>
+          <a:xfrm>
             <a:off x="1591518" y="168482"/>
             <a:ext cx="9144000" cy="641746"/>
           </a:xfrm>
@@ -8538,29 +9123,7 @@
                 <a:latin typeface="Arial" panose="020B0604020202020204" pitchFamily="34" charset="0"/>
                 <a:cs typeface="Arial" panose="020B0604020202020204" pitchFamily="34" charset="0"/>
               </a:rPr>
-              <a:t>Analysing some data: </a:t>
-            </a:r>
-            <a:r>
-              <a:rPr lang="en-GB" sz="4400" b="1" dirty="0" smtClean="0">
-                <a:solidFill>
-                  <a:srgbClr val="FFFF00"/>
-                </a:solidFill>
-                <a:effectLst/>
-                <a:latin typeface="Arial" panose="020B0604020202020204" pitchFamily="34" charset="0"/>
-                <a:cs typeface="Arial" panose="020B0604020202020204" pitchFamily="34" charset="0"/>
-              </a:rPr>
-              <a:t>4</a:t>
-            </a:r>
-            <a:r>
-              <a:rPr lang="en-GB" sz="4400" b="1" dirty="0" smtClean="0">
-                <a:solidFill>
-                  <a:srgbClr val="FFFF00"/>
-                </a:solidFill>
-                <a:effectLst/>
-                <a:latin typeface="Arial" panose="020B0604020202020204" pitchFamily="34" charset="0"/>
-                <a:cs typeface="Arial" panose="020B0604020202020204" pitchFamily="34" charset="0"/>
-              </a:rPr>
-              <a:t/>
+              <a:t>Analysing some data: 4</a:t>
             </a:r>
             <a:br>
               <a:rPr lang="en-GB" sz="4400" b="1" dirty="0" smtClean="0">
@@ -8850,7 +9413,7 @@
 </p:sld>
 </file>
 
-<file path=ppt/slides/slide16.xml><?xml version="1.0" encoding="utf-8"?>
+<file path=ppt/slides/slide17.xml><?xml version="1.0" encoding="utf-8"?>
 <p:sld xmlns:a="http://schemas.openxmlformats.org/drawingml/2006/main" xmlns:r="http://schemas.openxmlformats.org/officeDocument/2006/relationships" xmlns:p="http://schemas.openxmlformats.org/presentationml/2006/main">
   <p:cSld>
     <p:spTree>
@@ -8899,29 +9462,7 @@
                 <a:latin typeface="Arial" panose="020B0604020202020204" pitchFamily="34" charset="0"/>
                 <a:cs typeface="Arial" panose="020B0604020202020204" pitchFamily="34" charset="0"/>
               </a:rPr>
-              <a:t>Analysing some data: </a:t>
-            </a:r>
-            <a:r>
-              <a:rPr lang="en-GB" sz="4400" b="1" dirty="0" smtClean="0">
-                <a:solidFill>
-                  <a:srgbClr val="FFFF00"/>
-                </a:solidFill>
-                <a:effectLst/>
-                <a:latin typeface="Arial" panose="020B0604020202020204" pitchFamily="34" charset="0"/>
-                <a:cs typeface="Arial" panose="020B0604020202020204" pitchFamily="34" charset="0"/>
-              </a:rPr>
-              <a:t>5</a:t>
-            </a:r>
-            <a:r>
-              <a:rPr lang="en-GB" sz="4400" b="1" dirty="0" smtClean="0">
-                <a:solidFill>
-                  <a:srgbClr val="FFFF00"/>
-                </a:solidFill>
-                <a:effectLst/>
-                <a:latin typeface="Arial" panose="020B0604020202020204" pitchFamily="34" charset="0"/>
-                <a:cs typeface="Arial" panose="020B0604020202020204" pitchFamily="34" charset="0"/>
-              </a:rPr>
-              <a:t/>
+              <a:t>Analysing some data: 5</a:t>
             </a:r>
             <a:br>
               <a:rPr lang="en-GB" sz="4400" b="1" dirty="0" smtClean="0">
@@ -9055,21 +9596,7 @@
                 <a:latin typeface="Arial" panose="020B0604020202020204" pitchFamily="34" charset="0"/>
                 <a:cs typeface="Arial" panose="020B0604020202020204" pitchFamily="34" charset="0"/>
               </a:rPr>
-              <a:t>Using the formulae given above you can </a:t>
-            </a:r>
-            <a:r>
-              <a:rPr lang="en-GB" sz="2800" dirty="0" smtClean="0">
-                <a:latin typeface="Arial" panose="020B0604020202020204" pitchFamily="34" charset="0"/>
-                <a:cs typeface="Arial" panose="020B0604020202020204" pitchFamily="34" charset="0"/>
-              </a:rPr>
-              <a:t>also </a:t>
-            </a:r>
-            <a:r>
-              <a:rPr lang="en-GB" sz="2800" dirty="0" smtClean="0">
-                <a:latin typeface="Arial" panose="020B0604020202020204" pitchFamily="34" charset="0"/>
-                <a:cs typeface="Arial" panose="020B0604020202020204" pitchFamily="34" charset="0"/>
-              </a:rPr>
-              <a:t>compute an estimate of the Bayes factor for model 1 vs model 2, BF</a:t>
+              <a:t>Using the formulae given above you can also compute an estimate of the Bayes factor for model 1 vs model 2, BF</a:t>
             </a:r>
             <a:r>
               <a:rPr lang="en-GB" sz="2800" baseline="-25000" dirty="0" smtClean="0">
@@ -9243,7 +9770,7 @@
 </p:sld>
 </file>
 
-<file path=ppt/slides/slide17.xml><?xml version="1.0" encoding="utf-8"?>
+<file path=ppt/slides/slide18.xml><?xml version="1.0" encoding="utf-8"?>
 <p:sld xmlns:a="http://schemas.openxmlformats.org/drawingml/2006/main" xmlns:r="http://schemas.openxmlformats.org/officeDocument/2006/relationships" xmlns:p="http://schemas.openxmlformats.org/presentationml/2006/main">
   <p:cSld>
     <p:spTree>
@@ -9443,7 +9970,7 @@
 </p:sld>
 </file>
 
-<file path=ppt/slides/slide18.xml><?xml version="1.0" encoding="utf-8"?>
+<file path=ppt/slides/slide19.xml><?xml version="1.0" encoding="utf-8"?>
 <p:sld xmlns:a="http://schemas.openxmlformats.org/drawingml/2006/main" xmlns:r="http://schemas.openxmlformats.org/officeDocument/2006/relationships" xmlns:p="http://schemas.openxmlformats.org/presentationml/2006/main">
   <p:cSld>
     <p:spTree>
@@ -9492,29 +10019,7 @@
                 <a:latin typeface="Arial" panose="020B0604020202020204" pitchFamily="34" charset="0"/>
                 <a:cs typeface="Arial" panose="020B0604020202020204" pitchFamily="34" charset="0"/>
               </a:rPr>
-              <a:t>Analysing some data: </a:t>
-            </a:r>
-            <a:r>
-              <a:rPr lang="en-GB" sz="4400" b="1" dirty="0" smtClean="0">
-                <a:solidFill>
-                  <a:srgbClr val="FFFF00"/>
-                </a:solidFill>
-                <a:effectLst/>
-                <a:latin typeface="Arial" panose="020B0604020202020204" pitchFamily="34" charset="0"/>
-                <a:cs typeface="Arial" panose="020B0604020202020204" pitchFamily="34" charset="0"/>
-              </a:rPr>
-              <a:t>6</a:t>
-            </a:r>
-            <a:r>
-              <a:rPr lang="en-GB" sz="4400" b="1" dirty="0" smtClean="0">
-                <a:solidFill>
-                  <a:srgbClr val="FFFF00"/>
-                </a:solidFill>
-                <a:effectLst/>
-                <a:latin typeface="Arial" panose="020B0604020202020204" pitchFamily="34" charset="0"/>
-                <a:cs typeface="Arial" panose="020B0604020202020204" pitchFamily="34" charset="0"/>
-              </a:rPr>
-              <a:t/>
+              <a:t>Analysing some data: 6</a:t>
             </a:r>
             <a:br>
               <a:rPr lang="en-GB" sz="4400" b="1" dirty="0" smtClean="0">
@@ -9917,13 +10422,6 @@
               </a:rPr>
               <a:t>	before going through this set of slides (part 2) for the first time.</a:t>
             </a:r>
-            <a:endParaRPr lang="en-GB" b="1" dirty="0" smtClean="0">
-              <a:solidFill>
-                <a:schemeClr val="tx1"/>
-              </a:solidFill>
-              <a:latin typeface="Arial" panose="020B0604020202020204" pitchFamily="34" charset="0"/>
-              <a:cs typeface="Arial" panose="020B0604020202020204" pitchFamily="34" charset="0"/>
-            </a:endParaRPr>
           </a:p>
         </p:txBody>
       </p:sp>
@@ -10195,27 +10693,7 @@
                 <a:latin typeface="Arial" panose="020B0604020202020204" pitchFamily="34" charset="0"/>
                 <a:cs typeface="Arial" panose="020B0604020202020204" pitchFamily="34" charset="0"/>
               </a:rPr>
-              <a:t>Using Bayesian methods to </a:t>
-            </a:r>
-            <a:r>
-              <a:rPr lang="en-GB" b="1" dirty="0" smtClean="0">
-                <a:solidFill>
-                  <a:schemeClr val="tx1"/>
-                </a:solidFill>
-                <a:latin typeface="Arial" panose="020B0604020202020204" pitchFamily="34" charset="0"/>
-                <a:cs typeface="Arial" panose="020B0604020202020204" pitchFamily="34" charset="0"/>
-              </a:rPr>
-              <a:t>evaluate </a:t>
-            </a:r>
-            <a:r>
-              <a:rPr lang="en-GB" b="1" dirty="0" smtClean="0">
-                <a:solidFill>
-                  <a:schemeClr val="tx1"/>
-                </a:solidFill>
-                <a:latin typeface="Arial" panose="020B0604020202020204" pitchFamily="34" charset="0"/>
-                <a:cs typeface="Arial" panose="020B0604020202020204" pitchFamily="34" charset="0"/>
-              </a:rPr>
-              <a:t>the fit of models to data (Bayesian Model Comparison)</a:t>
+              <a:t>Using Bayesian methods to evaluate the fit of models to data (Bayesian Model Comparison)</a:t>
             </a:r>
           </a:p>
           <a:p>
@@ -10455,37 +10933,7 @@
                 <a:latin typeface="Arial" panose="020B0604020202020204" pitchFamily="34" charset="0"/>
                 <a:cs typeface="Arial" panose="020B0604020202020204" pitchFamily="34" charset="0"/>
               </a:rPr>
-              <a:t>You </a:t>
-            </a:r>
-            <a:r>
-              <a:rPr lang="en-GB" b="1" dirty="0" smtClean="0">
-                <a:solidFill>
-                  <a:schemeClr val="tx1"/>
-                </a:solidFill>
-                <a:latin typeface="Arial" panose="020B0604020202020204" pitchFamily="34" charset="0"/>
-                <a:cs typeface="Arial" panose="020B0604020202020204" pitchFamily="34" charset="0"/>
-              </a:rPr>
-              <a:t>use this process when executing</a:t>
-            </a:r>
-            <a:r>
-              <a:rPr lang="en-GB" b="1" dirty="0" smtClean="0">
-                <a:solidFill>
-                  <a:schemeClr val="tx1"/>
-                </a:solidFill>
-                <a:latin typeface="Arial" panose="020B0604020202020204" pitchFamily="34" charset="0"/>
-                <a:cs typeface="Arial" panose="020B0604020202020204" pitchFamily="34" charset="0"/>
-              </a:rPr>
-              <a:t> </a:t>
-            </a:r>
-            <a:r>
-              <a:rPr lang="en-GB" b="1" dirty="0" smtClean="0">
-                <a:solidFill>
-                  <a:schemeClr val="tx1"/>
-                </a:solidFill>
-                <a:latin typeface="Arial" panose="020B0604020202020204" pitchFamily="34" charset="0"/>
-                <a:cs typeface="Arial" panose="020B0604020202020204" pitchFamily="34" charset="0"/>
-              </a:rPr>
-              <a:t>Bayesian statistical tests (comparing alternative vs. null hypothesis)</a:t>
+              <a:t>You use this process when executing Bayesian statistical tests (comparing alternative vs. null hypothesis)</a:t>
             </a:r>
           </a:p>
           <a:p>
@@ -10633,8 +11081,8 @@
           </a:p>
         </p:txBody>
       </p:sp>
-      <mc:AlternateContent xmlns:mc="http://schemas.openxmlformats.org/markup-compatibility/2006">
-        <mc:Choice xmlns:a14="http://schemas.microsoft.com/office/drawing/2010/main" Requires="a14">
+      <mc:AlternateContent xmlns:mc="http://schemas.openxmlformats.org/markup-compatibility/2006" xmlns:a14="http://schemas.microsoft.com/office/drawing/2010/main">
+        <mc:Choice Requires="a14">
           <p:sp>
             <p:nvSpPr>
               <p:cNvPr id="3" name="TextBox 2"/>
@@ -10868,14 +11316,7 @@
                     <a:latin typeface="Arial" panose="020B0604020202020204" pitchFamily="34" charset="0"/>
                     <a:cs typeface="Arial" panose="020B0604020202020204" pitchFamily="34" charset="0"/>
                   </a:rPr>
-                  <a:t>MLE is usually done using standard iterative fitting/optimisation routines but for an example where it can be computed directly see the tutorial </a:t>
-                </a:r>
-                <a:r>
-                  <a:rPr lang="en-GB" sz="3200" b="1" dirty="0" smtClean="0">
-                    <a:latin typeface="Arial" panose="020B0604020202020204" pitchFamily="34" charset="0"/>
-                    <a:cs typeface="Arial" panose="020B0604020202020204" pitchFamily="34" charset="0"/>
-                  </a:rPr>
-                  <a:t>file in the </a:t>
+                  <a:t>MLE is usually done using standard iterative fitting/optimisation routines but for an example where it can be computed directly see the tutorial file in the </a:t>
                 </a:r>
                 <a:r>
                   <a:rPr lang="en-GB" sz="3200" b="1" dirty="0" err="1" smtClean="0">
@@ -10918,23 +11359,13 @@
                     <a:latin typeface="Arial" panose="020B0604020202020204" pitchFamily="34" charset="0"/>
                     <a:cs typeface="Arial" panose="020B0604020202020204" pitchFamily="34" charset="0"/>
                   </a:rPr>
-                  <a:t>maximum </a:t>
-                </a:r>
-                <a:r>
-                  <a:rPr lang="en-GB" sz="3200" b="1" i="1" dirty="0" smtClean="0">
-                    <a:solidFill>
-                      <a:srgbClr val="FFFF00"/>
-                    </a:solidFill>
-                    <a:latin typeface="Arial" panose="020B0604020202020204" pitchFamily="34" charset="0"/>
-                    <a:cs typeface="Arial" panose="020B0604020202020204" pitchFamily="34" charset="0"/>
-                  </a:rPr>
-                  <a:t>likelihood estimation.pdf</a:t>
+                  <a:t>maximum likelihood estimation.pdf</a:t>
                 </a:r>
               </a:p>
             </p:txBody>
           </p:sp>
         </mc:Choice>
-        <mc:Fallback>
+        <mc:Fallback xmlns="">
           <p:sp>
             <p:nvSpPr>
               <p:cNvPr id="3" name="TextBox 2"/>
@@ -11042,7 +11473,29 @@
                 <a:latin typeface="Arial" panose="020B0604020202020204" pitchFamily="34" charset="0"/>
                 <a:cs typeface="Arial" panose="020B0604020202020204" pitchFamily="34" charset="0"/>
               </a:rPr>
-              <a:t>Maximum Likelihood Estimation (MLE)</a:t>
+              <a:t>Maximum Likelihood Estimation (MLE</a:t>
+            </a:r>
+            <a:r>
+              <a:rPr lang="en-GB" sz="4400" b="1" dirty="0" smtClean="0">
+                <a:solidFill>
+                  <a:srgbClr val="FFFF00"/>
+                </a:solidFill>
+                <a:effectLst/>
+                <a:latin typeface="Arial" panose="020B0604020202020204" pitchFamily="34" charset="0"/>
+                <a:cs typeface="Arial" panose="020B0604020202020204" pitchFamily="34" charset="0"/>
+              </a:rPr>
+              <a:t>): 1</a:t>
+            </a:r>
+            <a:r>
+              <a:rPr lang="en-GB" sz="4400" b="1" dirty="0" smtClean="0">
+                <a:solidFill>
+                  <a:srgbClr val="FFFF00"/>
+                </a:solidFill>
+                <a:effectLst/>
+                <a:latin typeface="Arial" panose="020B0604020202020204" pitchFamily="34" charset="0"/>
+                <a:cs typeface="Arial" panose="020B0604020202020204" pitchFamily="34" charset="0"/>
+              </a:rPr>
+              <a:t/>
             </a:r>
             <a:br>
               <a:rPr lang="en-GB" sz="4400" b="1" dirty="0" smtClean="0">
@@ -11513,7 +11966,7 @@
     </p:spTree>
     <p:extLst>
       <p:ext uri="{BB962C8B-B14F-4D97-AF65-F5344CB8AC3E}">
-        <p14:creationId xmlns:p14="http://schemas.microsoft.com/office/powerpoint/2010/main" val="1529952828"/>
+        <p14:creationId xmlns:p14="http://schemas.microsoft.com/office/powerpoint/2010/main" val="1977672711"/>
       </p:ext>
     </p:extLst>
   </p:cSld>
@@ -11579,7 +12032,29 @@
                 <a:latin typeface="Arial" panose="020B0604020202020204" pitchFamily="34" charset="0"/>
                 <a:cs typeface="Arial" panose="020B0604020202020204" pitchFamily="34" charset="0"/>
               </a:rPr>
-              <a:t>Maximum Likelihood Estimation (MLE)</a:t>
+              <a:t>Maximum Likelihood Estimation (MLE</a:t>
+            </a:r>
+            <a:r>
+              <a:rPr lang="en-GB" sz="4400" b="1" dirty="0" smtClean="0">
+                <a:solidFill>
+                  <a:srgbClr val="FFFF00"/>
+                </a:solidFill>
+                <a:effectLst/>
+                <a:latin typeface="Arial" panose="020B0604020202020204" pitchFamily="34" charset="0"/>
+                <a:cs typeface="Arial" panose="020B0604020202020204" pitchFamily="34" charset="0"/>
+              </a:rPr>
+              <a:t>): 2</a:t>
+            </a:r>
+            <a:r>
+              <a:rPr lang="en-GB" sz="4400" b="1" dirty="0" smtClean="0">
+                <a:solidFill>
+                  <a:srgbClr val="FFFF00"/>
+                </a:solidFill>
+                <a:effectLst/>
+                <a:latin typeface="Arial" panose="020B0604020202020204" pitchFamily="34" charset="0"/>
+                <a:cs typeface="Arial" panose="020B0604020202020204" pitchFamily="34" charset="0"/>
+              </a:rPr>
+              <a:t/>
             </a:r>
             <a:br>
               <a:rPr lang="en-GB" sz="4400" b="1" dirty="0" smtClean="0">
@@ -11783,7 +12258,7 @@
         </p:nvSpPr>
         <p:spPr>
           <a:xfrm>
-            <a:off x="1625758" y="150156"/>
+            <a:off x="1625758" y="388401"/>
             <a:ext cx="9144000" cy="1050255"/>
           </a:xfrm>
         </p:spPr>
@@ -11803,7 +12278,29 @@
                 <a:latin typeface="Arial" panose="020B0604020202020204" pitchFamily="34" charset="0"/>
                 <a:cs typeface="Arial" panose="020B0604020202020204" pitchFamily="34" charset="0"/>
               </a:rPr>
-              <a:t>Bayesian Information Criterion (BIC)</a:t>
+              <a:t>Maximum Likelihood Estimation (MLE</a:t>
+            </a:r>
+            <a:r>
+              <a:rPr lang="en-GB" sz="4400" b="1" dirty="0" smtClean="0">
+                <a:solidFill>
+                  <a:srgbClr val="FFFF00"/>
+                </a:solidFill>
+                <a:effectLst/>
+                <a:latin typeface="Arial" panose="020B0604020202020204" pitchFamily="34" charset="0"/>
+                <a:cs typeface="Arial" panose="020B0604020202020204" pitchFamily="34" charset="0"/>
+              </a:rPr>
+              <a:t>): 3</a:t>
+            </a:r>
+            <a:r>
+              <a:rPr lang="en-GB" sz="4400" b="1" dirty="0" smtClean="0">
+                <a:solidFill>
+                  <a:srgbClr val="FFFF00"/>
+                </a:solidFill>
+                <a:effectLst/>
+                <a:latin typeface="Arial" panose="020B0604020202020204" pitchFamily="34" charset="0"/>
+                <a:cs typeface="Arial" panose="020B0604020202020204" pitchFamily="34" charset="0"/>
+              </a:rPr>
+              <a:t/>
             </a:r>
             <a:br>
               <a:rPr lang="en-GB" sz="4400" b="1" dirty="0" smtClean="0">
@@ -11847,388 +12344,138 @@
           </a:p>
         </p:txBody>
       </p:sp>
-      <p:pic>
-        <p:nvPicPr>
-          <p:cNvPr id="3" name="Picture 2"/>
-          <p:cNvPicPr>
-            <a:picLocks noChangeAspect="1"/>
-          </p:cNvPicPr>
-          <p:nvPr/>
-        </p:nvPicPr>
-        <p:blipFill>
-          <a:blip r:embed="rId2"/>
-          <a:stretch>
-            <a:fillRect/>
-          </a:stretch>
-        </p:blipFill>
+      <p:sp>
+        <p:nvSpPr>
+          <p:cNvPr id="4" name="Subtitle 2"/>
+          <p:cNvSpPr>
+            <a:spLocks noGrp="1"/>
+          </p:cNvSpPr>
+          <p:nvPr>
+            <p:ph type="subTitle" idx="1"/>
+          </p:nvPr>
+        </p:nvSpPr>
         <p:spPr>
           <a:xfrm>
-            <a:off x="812879" y="915684"/>
-            <a:ext cx="10769758" cy="2545464"/>
+            <a:off x="855559" y="1862131"/>
+            <a:ext cx="10499203" cy="1235096"/>
           </a:xfrm>
-          <a:prstGeom prst="rect">
-            <a:avLst/>
-          </a:prstGeom>
         </p:spPr>
-      </p:pic>
-      <p:sp>
-        <p:nvSpPr>
-          <p:cNvPr id="5" name="TextBox 4"/>
-          <p:cNvSpPr txBox="1"/>
-          <p:nvPr/>
-        </p:nvSpPr>
-        <p:spPr>
-          <a:xfrm>
-            <a:off x="1304678" y="5569125"/>
-            <a:ext cx="9465080" cy="1200329"/>
-          </a:xfrm>
-          <a:prstGeom prst="rect">
-            <a:avLst/>
-          </a:prstGeom>
-          <a:noFill/>
-        </p:spPr>
-        <p:txBody>
-          <a:bodyPr wrap="square" rtlCol="0">
-            <a:spAutoFit/>
+        <p:txBody>
+          <a:bodyPr anchor="t">
+            <a:noAutofit/>
           </a:bodyPr>
           <a:lstStyle/>
           <a:p>
-            <a:r>
-              <a:rPr lang="en-GB" sz="2400" b="1" dirty="0">
-                <a:solidFill>
-                  <a:srgbClr val="FFFF00"/>
-                </a:solidFill>
-                <a:latin typeface="Arial" panose="020B0604020202020204" pitchFamily="34" charset="0"/>
-                <a:cs typeface="Arial" panose="020B0604020202020204" pitchFamily="34" charset="0"/>
-              </a:rPr>
-              <a:t>Farrell, S., &amp; Lewandowsky, S. (2018). </a:t>
-            </a:r>
-            <a:r>
-              <a:rPr lang="en-GB" sz="2400" b="1" i="1" dirty="0">
-                <a:solidFill>
-                  <a:srgbClr val="FFFF00"/>
-                </a:solidFill>
-                <a:latin typeface="Arial" panose="020B0604020202020204" pitchFamily="34" charset="0"/>
-                <a:cs typeface="Arial" panose="020B0604020202020204" pitchFamily="34" charset="0"/>
-              </a:rPr>
-              <a:t>Computational </a:t>
-            </a:r>
-            <a:r>
-              <a:rPr lang="en-GB" sz="2400" b="1" i="1" dirty="0" err="1">
-                <a:solidFill>
-                  <a:srgbClr val="FFFF00"/>
-                </a:solidFill>
-                <a:latin typeface="Arial" panose="020B0604020202020204" pitchFamily="34" charset="0"/>
-                <a:cs typeface="Arial" panose="020B0604020202020204" pitchFamily="34" charset="0"/>
-              </a:rPr>
-              <a:t>modeling</a:t>
-            </a:r>
-            <a:r>
-              <a:rPr lang="en-GB" sz="2400" b="1" i="1" dirty="0">
-                <a:solidFill>
-                  <a:srgbClr val="FFFF00"/>
-                </a:solidFill>
-                <a:latin typeface="Arial" panose="020B0604020202020204" pitchFamily="34" charset="0"/>
-                <a:cs typeface="Arial" panose="020B0604020202020204" pitchFamily="34" charset="0"/>
-              </a:rPr>
-              <a:t> of cognition and behaviour</a:t>
-            </a:r>
-            <a:r>
-              <a:rPr lang="en-GB" sz="2400" b="1" dirty="0">
-                <a:solidFill>
-                  <a:srgbClr val="FFFF00"/>
-                </a:solidFill>
-                <a:latin typeface="Arial" panose="020B0604020202020204" pitchFamily="34" charset="0"/>
-                <a:cs typeface="Arial" panose="020B0604020202020204" pitchFamily="34" charset="0"/>
-              </a:rPr>
-              <a:t>. Cambridge, England: Cambridge University Press.</a:t>
-            </a:r>
-          </a:p>
-        </p:txBody>
-      </p:sp>
-      <p:grpSp>
-        <p:nvGrpSpPr>
-          <p:cNvPr id="11" name="Group 10"/>
-          <p:cNvGrpSpPr/>
-          <p:nvPr/>
-        </p:nvGrpSpPr>
-        <p:grpSpPr>
-          <a:xfrm>
-            <a:off x="8518681" y="3351859"/>
-            <a:ext cx="3444438" cy="1748549"/>
-            <a:chOff x="8252749" y="3738623"/>
-            <a:chExt cx="3444438" cy="1748549"/>
-          </a:xfrm>
-        </p:grpSpPr>
-        <p:cxnSp>
-          <p:nvCxnSpPr>
-            <p:cNvPr id="8" name="Straight Arrow Connector 7"/>
-            <p:cNvCxnSpPr/>
-            <p:nvPr/>
-          </p:nvCxnSpPr>
-          <p:spPr>
-            <a:xfrm flipH="1" flipV="1">
-              <a:off x="8252749" y="3738623"/>
-              <a:ext cx="1437190" cy="821191"/>
-            </a:xfrm>
-            <a:prstGeom prst="straightConnector1">
-              <a:avLst/>
-            </a:prstGeom>
-            <a:ln w="50800">
+            <a:pPr marL="457200" indent="-457200" algn="l">
+              <a:spcAft>
+                <a:spcPts val="600"/>
+              </a:spcAft>
+              <a:buFont typeface="Arial" panose="020B0604020202020204" pitchFamily="34" charset="0"/>
+              <a:buChar char="•"/>
+            </a:pPr>
+            <a:r>
+              <a:rPr lang="en-GB" b="1" dirty="0" smtClean="0">
+                <a:solidFill>
+                  <a:schemeClr val="tx1"/>
+                </a:solidFill>
+                <a:latin typeface="Arial" panose="020B0604020202020204" pitchFamily="34" charset="0"/>
+                <a:cs typeface="Arial" panose="020B0604020202020204" pitchFamily="34" charset="0"/>
+              </a:rPr>
+              <a:t>An excellent “explainer” about </a:t>
+            </a:r>
+            <a:r>
+              <a:rPr lang="en-GB" b="1" smtClean="0">
+                <a:solidFill>
+                  <a:schemeClr val="tx1"/>
+                </a:solidFill>
+                <a:latin typeface="Arial" panose="020B0604020202020204" pitchFamily="34" charset="0"/>
+                <a:cs typeface="Arial" panose="020B0604020202020204" pitchFamily="34" charset="0"/>
+              </a:rPr>
+              <a:t>maximum likelihood </a:t>
+            </a:r>
+            <a:r>
+              <a:rPr lang="en-GB" b="1" dirty="0" smtClean="0">
+                <a:solidFill>
+                  <a:schemeClr val="tx1"/>
+                </a:solidFill>
+                <a:latin typeface="Arial" panose="020B0604020202020204" pitchFamily="34" charset="0"/>
+                <a:cs typeface="Arial" panose="020B0604020202020204" pitchFamily="34" charset="0"/>
+              </a:rPr>
+              <a:t>estimation is in the following blog:</a:t>
+            </a:r>
+          </a:p>
+          <a:p>
+            <a:pPr algn="l" defTabSz="450850">
+              <a:spcAft>
+                <a:spcPts val="600"/>
+              </a:spcAft>
+            </a:pPr>
+            <a:r>
+              <a:rPr lang="en-GB" b="1" dirty="0" smtClean="0">
+                <a:solidFill>
+                  <a:schemeClr val="tx1"/>
+                </a:solidFill>
+                <a:latin typeface="Arial" panose="020B0604020202020204" pitchFamily="34" charset="0"/>
+                <a:cs typeface="Arial" panose="020B0604020202020204" pitchFamily="34" charset="0"/>
+              </a:rPr>
+              <a:t>	</a:t>
+            </a:r>
+            <a:r>
+              <a:rPr lang="en-GB" b="1" dirty="0">
+                <a:hlinkClick r:id="rId2"/>
+              </a:rPr>
+              <a:t>https://fabiandablander.com/r/Regularization.html</a:t>
+            </a:r>
+            <a:endParaRPr lang="en-GB" b="1" dirty="0"/>
+          </a:p>
+          <a:p>
+            <a:pPr marL="457200" indent="-457200" algn="l">
+              <a:spcAft>
+                <a:spcPts val="600"/>
+              </a:spcAft>
+              <a:buFont typeface="Arial" panose="020B0604020202020204" pitchFamily="34" charset="0"/>
+              <a:buChar char="•"/>
+            </a:pPr>
+            <a:r>
+              <a:rPr lang="en-GB" b="1" dirty="0" smtClean="0">
+                <a:solidFill>
+                  <a:schemeClr val="tx1"/>
+                </a:solidFill>
+                <a:latin typeface="Arial" panose="020B0604020202020204" pitchFamily="34" charset="0"/>
+                <a:cs typeface="Arial" panose="020B0604020202020204" pitchFamily="34" charset="0"/>
+              </a:rPr>
+              <a:t>The relevant sections of the blog are from “Modelling Coin Flips” to “Classical estimation”</a:t>
+            </a:r>
+            <a:endParaRPr lang="en-GB" b="1" dirty="0" smtClean="0">
               <a:solidFill>
-                <a:srgbClr val="FFFF00"/>
+                <a:schemeClr val="tx1"/>
               </a:solidFill>
-              <a:tailEnd type="triangle"/>
-            </a:ln>
-          </p:spPr>
-          <p:style>
-            <a:lnRef idx="1">
-              <a:schemeClr val="accent1"/>
-            </a:lnRef>
-            <a:fillRef idx="0">
-              <a:schemeClr val="accent1"/>
-            </a:fillRef>
-            <a:effectRef idx="0">
-              <a:schemeClr val="accent1"/>
-            </a:effectRef>
-            <a:fontRef idx="minor">
-              <a:schemeClr val="tx1"/>
-            </a:fontRef>
-          </p:style>
-        </p:cxnSp>
-        <p:sp>
-          <p:nvSpPr>
-            <p:cNvPr id="10" name="TextBox 9"/>
-            <p:cNvSpPr txBox="1"/>
-            <p:nvPr/>
-          </p:nvSpPr>
-          <p:spPr>
-            <a:xfrm>
-              <a:off x="9689939" y="4409954"/>
-              <a:ext cx="2007248" cy="1077218"/>
-            </a:xfrm>
-            <a:prstGeom prst="rect">
-              <a:avLst/>
-            </a:prstGeom>
-            <a:noFill/>
-          </p:spPr>
-          <p:txBody>
-            <a:bodyPr wrap="square" rtlCol="0">
-              <a:spAutoFit/>
-            </a:bodyPr>
-            <a:lstStyle/>
-            <a:p>
-              <a:r>
-                <a:rPr lang="en-GB" sz="3200" b="1" dirty="0" smtClean="0">
-                  <a:solidFill>
-                    <a:srgbClr val="FFFF00"/>
-                  </a:solidFill>
-                  <a:latin typeface="Arial" panose="020B0604020202020204" pitchFamily="34" charset="0"/>
-                  <a:cs typeface="Arial" panose="020B0604020202020204" pitchFamily="34" charset="0"/>
-                </a:rPr>
-                <a:t>N= # data points</a:t>
-              </a:r>
-              <a:endParaRPr lang="en-GB" sz="3200" b="1" dirty="0">
-                <a:solidFill>
-                  <a:srgbClr val="FFFF00"/>
-                </a:solidFill>
-                <a:latin typeface="Arial" panose="020B0604020202020204" pitchFamily="34" charset="0"/>
-                <a:cs typeface="Arial" panose="020B0604020202020204" pitchFamily="34" charset="0"/>
-              </a:endParaRPr>
-            </a:p>
-          </p:txBody>
-        </p:sp>
-      </p:grpSp>
-      <p:grpSp>
-        <p:nvGrpSpPr>
-          <p:cNvPr id="12" name="Group 11"/>
-          <p:cNvGrpSpPr/>
-          <p:nvPr/>
-        </p:nvGrpSpPr>
-        <p:grpSpPr>
-          <a:xfrm>
-            <a:off x="3440456" y="3461148"/>
-            <a:ext cx="2424562" cy="1241193"/>
-            <a:chOff x="9587454" y="3749301"/>
-            <a:chExt cx="2424562" cy="1241193"/>
-          </a:xfrm>
-        </p:grpSpPr>
-        <p:cxnSp>
-          <p:nvCxnSpPr>
-            <p:cNvPr id="13" name="Straight Arrow Connector 12"/>
-            <p:cNvCxnSpPr/>
-            <p:nvPr/>
-          </p:nvCxnSpPr>
-          <p:spPr>
-            <a:xfrm flipV="1">
-              <a:off x="10540404" y="3749301"/>
-              <a:ext cx="1471612" cy="737738"/>
-            </a:xfrm>
-            <a:prstGeom prst="straightConnector1">
-              <a:avLst/>
-            </a:prstGeom>
-            <a:ln w="50800">
+              <a:latin typeface="Arial" panose="020B0604020202020204" pitchFamily="34" charset="0"/>
+              <a:cs typeface="Arial" panose="020B0604020202020204" pitchFamily="34" charset="0"/>
+            </a:endParaRPr>
+          </a:p>
+          <a:p>
+            <a:pPr marL="457200" indent="-457200" algn="l">
+              <a:spcAft>
+                <a:spcPts val="600"/>
+              </a:spcAft>
+              <a:buFont typeface="Arial" panose="020B0604020202020204" pitchFamily="34" charset="0"/>
+              <a:buChar char="•"/>
+            </a:pPr>
+            <a:endParaRPr lang="en-GB" dirty="0" smtClean="0">
               <a:solidFill>
-                <a:srgbClr val="FFFF00"/>
+                <a:schemeClr val="tx1"/>
               </a:solidFill>
-              <a:tailEnd type="triangle"/>
-            </a:ln>
-          </p:spPr>
-          <p:style>
-            <a:lnRef idx="1">
-              <a:schemeClr val="accent1"/>
-            </a:lnRef>
-            <a:fillRef idx="0">
-              <a:schemeClr val="accent1"/>
-            </a:fillRef>
-            <a:effectRef idx="0">
-              <a:schemeClr val="accent1"/>
-            </a:effectRef>
-            <a:fontRef idx="minor">
-              <a:schemeClr val="tx1"/>
-            </a:fontRef>
-          </p:style>
-        </p:cxnSp>
-        <p:sp>
-          <p:nvSpPr>
-            <p:cNvPr id="14" name="TextBox 13"/>
-            <p:cNvSpPr txBox="1"/>
-            <p:nvPr/>
-          </p:nvSpPr>
-          <p:spPr>
-            <a:xfrm>
-              <a:off x="9587454" y="4405719"/>
-              <a:ext cx="1892698" cy="584775"/>
-            </a:xfrm>
-            <a:prstGeom prst="rect">
-              <a:avLst/>
-            </a:prstGeom>
-            <a:noFill/>
-          </p:spPr>
-          <p:txBody>
-            <a:bodyPr wrap="square" rtlCol="0">
-              <a:spAutoFit/>
-            </a:bodyPr>
-            <a:lstStyle/>
-            <a:p>
-              <a:r>
-                <a:rPr lang="en-GB" sz="3200" b="1" dirty="0" smtClean="0">
-                  <a:solidFill>
-                    <a:srgbClr val="FFFF00"/>
-                  </a:solidFill>
-                  <a:latin typeface="Arial" panose="020B0604020202020204" pitchFamily="34" charset="0"/>
-                  <a:cs typeface="Arial" panose="020B0604020202020204" pitchFamily="34" charset="0"/>
-                </a:rPr>
-                <a:t>MLE</a:t>
-              </a:r>
-              <a:endParaRPr lang="en-GB" sz="3200" b="1" dirty="0">
-                <a:solidFill>
-                  <a:srgbClr val="FFFF00"/>
-                </a:solidFill>
-                <a:latin typeface="Arial" panose="020B0604020202020204" pitchFamily="34" charset="0"/>
-                <a:cs typeface="Arial" panose="020B0604020202020204" pitchFamily="34" charset="0"/>
-              </a:endParaRPr>
-            </a:p>
-          </p:txBody>
-        </p:sp>
-      </p:grpSp>
-      <p:grpSp>
-        <p:nvGrpSpPr>
-          <p:cNvPr id="17" name="Group 16"/>
-          <p:cNvGrpSpPr/>
-          <p:nvPr/>
-        </p:nvGrpSpPr>
-        <p:grpSpPr>
-          <a:xfrm>
-            <a:off x="6933235" y="3461148"/>
-            <a:ext cx="2376221" cy="1974926"/>
-            <a:chOff x="9206416" y="3512246"/>
-            <a:chExt cx="2376221" cy="1974926"/>
-          </a:xfrm>
-        </p:grpSpPr>
-        <p:cxnSp>
-          <p:nvCxnSpPr>
-            <p:cNvPr id="18" name="Straight Arrow Connector 17"/>
-            <p:cNvCxnSpPr/>
-            <p:nvPr/>
-          </p:nvCxnSpPr>
-          <p:spPr>
-            <a:xfrm flipV="1">
-              <a:off x="9689939" y="3512246"/>
-              <a:ext cx="176234" cy="1047569"/>
-            </a:xfrm>
-            <a:prstGeom prst="straightConnector1">
-              <a:avLst/>
-            </a:prstGeom>
-            <a:ln w="50800">
-              <a:solidFill>
-                <a:srgbClr val="FFFF00"/>
-              </a:solidFill>
-              <a:tailEnd type="triangle"/>
-            </a:ln>
-          </p:spPr>
-          <p:style>
-            <a:lnRef idx="1">
-              <a:schemeClr val="accent1"/>
-            </a:lnRef>
-            <a:fillRef idx="0">
-              <a:schemeClr val="accent1"/>
-            </a:fillRef>
-            <a:effectRef idx="0">
-              <a:schemeClr val="accent1"/>
-            </a:effectRef>
-            <a:fontRef idx="minor">
-              <a:schemeClr val="tx1"/>
-            </a:fontRef>
-          </p:style>
-        </p:cxnSp>
-        <p:sp>
-          <p:nvSpPr>
-            <p:cNvPr id="19" name="TextBox 18"/>
-            <p:cNvSpPr txBox="1"/>
-            <p:nvPr/>
-          </p:nvSpPr>
-          <p:spPr>
-            <a:xfrm>
-              <a:off x="9206416" y="4409954"/>
-              <a:ext cx="2376221" cy="1077218"/>
-            </a:xfrm>
-            <a:prstGeom prst="rect">
-              <a:avLst/>
-            </a:prstGeom>
-            <a:noFill/>
-          </p:spPr>
-          <p:txBody>
-            <a:bodyPr wrap="square" rtlCol="0">
-              <a:spAutoFit/>
-            </a:bodyPr>
-            <a:lstStyle/>
-            <a:p>
-              <a:r>
-                <a:rPr lang="en-GB" sz="3200" b="1" dirty="0" smtClean="0">
-                  <a:solidFill>
-                    <a:srgbClr val="FFFF00"/>
-                  </a:solidFill>
-                  <a:latin typeface="Arial" panose="020B0604020202020204" pitchFamily="34" charset="0"/>
-                  <a:cs typeface="Arial" panose="020B0604020202020204" pitchFamily="34" charset="0"/>
-                </a:rPr>
-                <a:t>K = # parameters</a:t>
-              </a:r>
-              <a:endParaRPr lang="en-GB" sz="3200" b="1" dirty="0">
-                <a:solidFill>
-                  <a:srgbClr val="FFFF00"/>
-                </a:solidFill>
-                <a:latin typeface="Arial" panose="020B0604020202020204" pitchFamily="34" charset="0"/>
-                <a:cs typeface="Arial" panose="020B0604020202020204" pitchFamily="34" charset="0"/>
-              </a:endParaRPr>
-            </a:p>
-          </p:txBody>
-        </p:sp>
-      </p:grpSp>
+              <a:latin typeface="Arial" panose="020B0604020202020204" pitchFamily="34" charset="0"/>
+              <a:cs typeface="Arial" panose="020B0604020202020204" pitchFamily="34" charset="0"/>
+            </a:endParaRPr>
+          </a:p>
+        </p:txBody>
+      </p:sp>
     </p:spTree>
     <p:extLst>
       <p:ext uri="{BB962C8B-B14F-4D97-AF65-F5344CB8AC3E}">
-        <p14:creationId xmlns:p14="http://schemas.microsoft.com/office/powerpoint/2010/main" val="1791189402"/>
+        <p14:creationId xmlns:p14="http://schemas.microsoft.com/office/powerpoint/2010/main" val="1529952828"/>
       </p:ext>
     </p:extLst>
   </p:cSld>
@@ -12238,165 +12485,7 @@
   <p:timing>
     <p:tnLst>
       <p:par>
-        <p:cTn id="1" dur="indefinite" restart="never" nodeType="tmRoot">
-          <p:childTnLst>
-            <p:seq concurrent="1" nextAc="seek">
-              <p:cTn id="2" dur="indefinite" nodeType="mainSeq">
-                <p:childTnLst>
-                  <p:par>
-                    <p:cTn id="3" fill="hold">
-                      <p:stCondLst>
-                        <p:cond delay="indefinite"/>
-                      </p:stCondLst>
-                      <p:childTnLst>
-                        <p:par>
-                          <p:cTn id="4" fill="hold">
-                            <p:stCondLst>
-                              <p:cond delay="0"/>
-                            </p:stCondLst>
-                            <p:childTnLst>
-                              <p:par>
-                                <p:cTn id="5" presetID="1" presetClass="entr" presetSubtype="0" fill="hold" nodeType="clickEffect">
-                                  <p:stCondLst>
-                                    <p:cond delay="0"/>
-                                  </p:stCondLst>
-                                  <p:childTnLst>
-                                    <p:set>
-                                      <p:cBhvr>
-                                        <p:cTn id="6" dur="1" fill="hold">
-                                          <p:stCondLst>
-                                            <p:cond delay="0"/>
-                                          </p:stCondLst>
-                                        </p:cTn>
-                                        <p:tgtEl>
-                                          <p:spTgt spid="12"/>
-                                        </p:tgtEl>
-                                        <p:attrNameLst>
-                                          <p:attrName>style.visibility</p:attrName>
-                                        </p:attrNameLst>
-                                      </p:cBhvr>
-                                      <p:to>
-                                        <p:strVal val="visible"/>
-                                      </p:to>
-                                    </p:set>
-                                  </p:childTnLst>
-                                </p:cTn>
-                              </p:par>
-                            </p:childTnLst>
-                          </p:cTn>
-                        </p:par>
-                      </p:childTnLst>
-                    </p:cTn>
-                  </p:par>
-                  <p:par>
-                    <p:cTn id="7" fill="hold">
-                      <p:stCondLst>
-                        <p:cond delay="indefinite"/>
-                      </p:stCondLst>
-                      <p:childTnLst>
-                        <p:par>
-                          <p:cTn id="8" fill="hold">
-                            <p:stCondLst>
-                              <p:cond delay="0"/>
-                            </p:stCondLst>
-                            <p:childTnLst>
-                              <p:par>
-                                <p:cTn id="9" presetID="1" presetClass="entr" presetSubtype="0" fill="hold" nodeType="clickEffect">
-                                  <p:stCondLst>
-                                    <p:cond delay="0"/>
-                                  </p:stCondLst>
-                                  <p:childTnLst>
-                                    <p:set>
-                                      <p:cBhvr>
-                                        <p:cTn id="10" dur="1" fill="hold">
-                                          <p:stCondLst>
-                                            <p:cond delay="0"/>
-                                          </p:stCondLst>
-                                        </p:cTn>
-                                        <p:tgtEl>
-                                          <p:spTgt spid="11"/>
-                                        </p:tgtEl>
-                                        <p:attrNameLst>
-                                          <p:attrName>style.visibility</p:attrName>
-                                        </p:attrNameLst>
-                                      </p:cBhvr>
-                                      <p:to>
-                                        <p:strVal val="visible"/>
-                                      </p:to>
-                                    </p:set>
-                                  </p:childTnLst>
-                                </p:cTn>
-                              </p:par>
-                            </p:childTnLst>
-                          </p:cTn>
-                        </p:par>
-                      </p:childTnLst>
-                    </p:cTn>
-                  </p:par>
-                  <p:par>
-                    <p:cTn id="11" fill="hold">
-                      <p:stCondLst>
-                        <p:cond delay="indefinite"/>
-                      </p:stCondLst>
-                      <p:childTnLst>
-                        <p:par>
-                          <p:cTn id="12" fill="hold">
-                            <p:stCondLst>
-                              <p:cond delay="0"/>
-                            </p:stCondLst>
-                            <p:childTnLst>
-                              <p:par>
-                                <p:cTn id="13" presetID="1" presetClass="entr" presetSubtype="0" fill="hold" nodeType="clickEffect">
-                                  <p:stCondLst>
-                                    <p:cond delay="0"/>
-                                  </p:stCondLst>
-                                  <p:childTnLst>
-                                    <p:set>
-                                      <p:cBhvr>
-                                        <p:cTn id="14" dur="1" fill="hold">
-                                          <p:stCondLst>
-                                            <p:cond delay="0"/>
-                                          </p:stCondLst>
-                                        </p:cTn>
-                                        <p:tgtEl>
-                                          <p:spTgt spid="17"/>
-                                        </p:tgtEl>
-                                        <p:attrNameLst>
-                                          <p:attrName>style.visibility</p:attrName>
-                                        </p:attrNameLst>
-                                      </p:cBhvr>
-                                      <p:to>
-                                        <p:strVal val="visible"/>
-                                      </p:to>
-                                    </p:set>
-                                  </p:childTnLst>
-                                </p:cTn>
-                              </p:par>
-                            </p:childTnLst>
-                          </p:cTn>
-                        </p:par>
-                      </p:childTnLst>
-                    </p:cTn>
-                  </p:par>
-                </p:childTnLst>
-              </p:cTn>
-              <p:prevCondLst>
-                <p:cond evt="onPrev" delay="0">
-                  <p:tgtEl>
-                    <p:sldTgt/>
-                  </p:tgtEl>
-                </p:cond>
-              </p:prevCondLst>
-              <p:nextCondLst>
-                <p:cond evt="onNext" delay="0">
-                  <p:tgtEl>
-                    <p:sldTgt/>
-                  </p:tgtEl>
-                </p:cond>
-              </p:nextCondLst>
-            </p:seq>
-          </p:childTnLst>
-        </p:cTn>
+        <p:cTn id="1" dur="indefinite" restart="never" nodeType="tmRoot"/>
       </p:par>
     </p:tnLst>
   </p:timing>
